--- a/Notizen/Zwischenpraesentation_VA2.pptx
+++ b/Notizen/Zwischenpraesentation_VA2.pptx
@@ -21,26 +21,26 @@
     <p:sldId id="335" r:id="rId12"/>
     <p:sldId id="366" r:id="rId13"/>
     <p:sldId id="338" r:id="rId14"/>
-    <p:sldId id="339" r:id="rId15"/>
-    <p:sldId id="340" r:id="rId16"/>
-    <p:sldId id="341" r:id="rId17"/>
-    <p:sldId id="345" r:id="rId18"/>
-    <p:sldId id="347" r:id="rId19"/>
-    <p:sldId id="354" r:id="rId20"/>
-    <p:sldId id="355" r:id="rId21"/>
-    <p:sldId id="364" r:id="rId22"/>
-    <p:sldId id="360" r:id="rId23"/>
-    <p:sldId id="359" r:id="rId24"/>
-    <p:sldId id="363" r:id="rId25"/>
-    <p:sldId id="361" r:id="rId26"/>
-    <p:sldId id="319" r:id="rId27"/>
-    <p:sldId id="273" r:id="rId28"/>
-    <p:sldId id="351" r:id="rId29"/>
-    <p:sldId id="357" r:id="rId30"/>
-    <p:sldId id="356" r:id="rId31"/>
-    <p:sldId id="358" r:id="rId32"/>
-    <p:sldId id="350" r:id="rId33"/>
-    <p:sldId id="348" r:id="rId34"/>
+    <p:sldId id="340" r:id="rId15"/>
+    <p:sldId id="341" r:id="rId16"/>
+    <p:sldId id="345" r:id="rId17"/>
+    <p:sldId id="347" r:id="rId18"/>
+    <p:sldId id="354" r:id="rId19"/>
+    <p:sldId id="355" r:id="rId20"/>
+    <p:sldId id="364" r:id="rId21"/>
+    <p:sldId id="360" r:id="rId22"/>
+    <p:sldId id="359" r:id="rId23"/>
+    <p:sldId id="363" r:id="rId24"/>
+    <p:sldId id="361" r:id="rId25"/>
+    <p:sldId id="319" r:id="rId26"/>
+    <p:sldId id="273" r:id="rId27"/>
+    <p:sldId id="351" r:id="rId28"/>
+    <p:sldId id="357" r:id="rId29"/>
+    <p:sldId id="356" r:id="rId30"/>
+    <p:sldId id="358" r:id="rId31"/>
+    <p:sldId id="350" r:id="rId32"/>
+    <p:sldId id="348" r:id="rId33"/>
+    <p:sldId id="339" r:id="rId34"/>
   </p:sldIdLst>
   <p:sldSz cx="12192000" cy="6858000"/>
   <p:notesSz cx="6858000" cy="9144000"/>
@@ -229,7 +229,7 @@
           <a:p>
             <a:fld id="{038EBC1B-159A-4D51-A1C5-5467A1CFB4E5}" type="datetimeFigureOut">
               <a:rPr lang="de-CH" smtClean="0"/>
-              <a:t>17.04.2018</a:t>
+              <a:t>18.04.2018</a:t>
             </a:fld>
             <a:endParaRPr lang="de-CH"/>
           </a:p>
@@ -643,7 +643,7 @@
           <a:p>
             <a:r>
               <a:rPr lang="de-CH" dirty="0"/>
-              <a:t>Link aufgebaut</a:t>
+              <a:t>QGC: Open Source SW als Ground Station</a:t>
             </a:r>
           </a:p>
           <a:p>
@@ -651,32 +651,12 @@
           </a:p>
           <a:p>
             <a:r>
+              <a:rPr lang="de-CH" dirty="0" err="1"/>
+              <a:t>PixHawk</a:t>
+            </a:r>
+            <a:r>
               <a:rPr lang="de-CH" dirty="0"/>
-              <a:t>Periodisch:</a:t>
-            </a:r>
-          </a:p>
-          <a:p>
-            <a:r>
-              <a:rPr lang="de-CH" dirty="0" err="1"/>
-              <a:t>Pixhawk</a:t>
-            </a:r>
-            <a:r>
-              <a:rPr lang="de-CH" dirty="0"/>
-              <a:t> -&gt; QGC: 100Bytes – 250 Bytes pro Sekunde</a:t>
-            </a:r>
-          </a:p>
-          <a:p>
-            <a:r>
-              <a:rPr lang="de-CH" dirty="0"/>
-              <a:t>QGC -&gt; </a:t>
-            </a:r>
-            <a:r>
-              <a:rPr lang="de-CH" dirty="0" err="1"/>
-              <a:t>Pixhawk</a:t>
-            </a:r>
-            <a:r>
-              <a:rPr lang="de-CH" dirty="0"/>
-              <a:t>: 17-30 Bytes pro Sekunde</a:t>
+              <a:t>: Open Source Autopilot</a:t>
             </a:r>
           </a:p>
         </p:txBody>
@@ -698,7 +678,7 @@
           <a:p>
             <a:fld id="{C093BCC5-7CCA-45E0-AB4A-49099C6DCF85}" type="slidenum">
               <a:rPr lang="de-CH" smtClean="0"/>
-              <a:t>11</a:t>
+              <a:t>10</a:t>
             </a:fld>
             <a:endParaRPr lang="de-CH"/>
           </a:p>
@@ -707,7 +687,7 @@
     </p:spTree>
     <p:extLst>
       <p:ext uri="{BB962C8B-B14F-4D97-AF65-F5344CB8AC3E}">
-        <p14:creationId xmlns:p14="http://schemas.microsoft.com/office/powerpoint/2010/main" val="2425374559"/>
+        <p14:creationId xmlns:p14="http://schemas.microsoft.com/office/powerpoint/2010/main" val="3993785925"/>
       </p:ext>
     </p:extLst>
   </p:cSld>
@@ -763,84 +743,47 @@
           <a:p>
             <a:r>
               <a:rPr lang="de-CH" dirty="0"/>
-              <a:t>Verbindungsaufbau</a:t>
-            </a:r>
+              <a:t>Link aufgebaut</a:t>
+            </a:r>
+          </a:p>
+          <a:p>
+            <a:endParaRPr lang="de-CH" dirty="0"/>
           </a:p>
           <a:p>
             <a:r>
               <a:rPr lang="de-CH" dirty="0"/>
-              <a:t>15kBytes </a:t>
-            </a:r>
+              <a:t>Periodisch:</a:t>
+            </a:r>
+          </a:p>
+          <a:p>
             <a:r>
               <a:rPr lang="de-CH" dirty="0" err="1"/>
-              <a:t>received</a:t>
+              <a:t>Pixhawk</a:t>
             </a:r>
             <a:r>
               <a:rPr lang="de-CH" dirty="0"/>
-              <a:t> </a:t>
+              <a:t> -&gt; QGC: 100Bytes – 250 Bytes pro Sekunde</a:t>
+            </a:r>
+          </a:p>
+          <a:p>
+            <a:r>
+              <a:rPr lang="de-CH" dirty="0"/>
+              <a:t>QGC -&gt; </a:t>
             </a:r>
             <a:r>
               <a:rPr lang="de-CH" dirty="0" err="1"/>
-              <a:t>from</a:t>
+              <a:t>Pixhawk</a:t>
             </a:r>
             <a:r>
               <a:rPr lang="de-CH" dirty="0"/>
-              <a:t> </a:t>
-            </a:r>
-            <a:r>
-              <a:rPr lang="de-CH" dirty="0" err="1"/>
-              <a:t>pixhawk</a:t>
-            </a:r>
+              <a:t>: 17-30 Bytes pro Sekunde</a:t>
+            </a:r>
+          </a:p>
+          <a:p>
             <a:r>
               <a:rPr lang="de-CH" dirty="0"/>
-              <a:t> pro Sekunde während ca. 1sek</a:t>
-            </a:r>
-          </a:p>
-          <a:p>
-            <a:r>
-              <a:rPr lang="de-CH" dirty="0"/>
-              <a:t>500 Bytes </a:t>
-            </a:r>
-            <a:r>
-              <a:rPr lang="de-CH" dirty="0" err="1"/>
-              <a:t>sent</a:t>
-            </a:r>
-            <a:r>
-              <a:rPr lang="de-CH" dirty="0"/>
-              <a:t> </a:t>
-            </a:r>
-            <a:r>
-              <a:rPr lang="de-CH" dirty="0" err="1"/>
-              <a:t>to</a:t>
-            </a:r>
-            <a:r>
-              <a:rPr lang="de-CH" dirty="0"/>
-              <a:t> </a:t>
-            </a:r>
-            <a:r>
-              <a:rPr lang="de-CH" dirty="0" err="1"/>
-              <a:t>pixhawk</a:t>
-            </a:r>
-            <a:r>
-              <a:rPr lang="de-CH" dirty="0"/>
-              <a:t> pro Sekunde während ca. 1sek</a:t>
-            </a:r>
-          </a:p>
-          <a:p>
-            <a:endParaRPr lang="de-CH" dirty="0"/>
-          </a:p>
-          <a:p>
-            <a:r>
-              <a:rPr lang="de-CH" dirty="0" err="1"/>
-              <a:t>Golay</a:t>
-            </a:r>
-            <a:r>
-              <a:rPr lang="de-CH" dirty="0"/>
-              <a:t>-&gt; Verdoppelt Datenmenge</a:t>
-            </a:r>
-          </a:p>
-          <a:p>
-            <a:endParaRPr lang="de-CH" dirty="0"/>
+              <a:t>Auslastung: Unter 10%</a:t>
+            </a:r>
           </a:p>
         </p:txBody>
       </p:sp>
@@ -861,7 +804,7 @@
           <a:p>
             <a:fld id="{C093BCC5-7CCA-45E0-AB4A-49099C6DCF85}" type="slidenum">
               <a:rPr lang="de-CH" smtClean="0"/>
-              <a:t>13</a:t>
+              <a:t>11</a:t>
             </a:fld>
             <a:endParaRPr lang="de-CH"/>
           </a:p>
@@ -870,7 +813,7 @@
     </p:spTree>
     <p:extLst>
       <p:ext uri="{BB962C8B-B14F-4D97-AF65-F5344CB8AC3E}">
-        <p14:creationId xmlns:p14="http://schemas.microsoft.com/office/powerpoint/2010/main" val="999247619"/>
+        <p14:creationId xmlns:p14="http://schemas.microsoft.com/office/powerpoint/2010/main" val="2425374559"/>
       </p:ext>
     </p:extLst>
   </p:cSld>
@@ -926,37 +869,67 @@
           <a:p>
             <a:r>
               <a:rPr lang="de-CH" dirty="0"/>
-              <a:t>Normalerweise braucht eine Queue Operation ca. 10 </a:t>
+              <a:t>Verbindungsaufbau</a:t>
+            </a:r>
+          </a:p>
+          <a:p>
+            <a:r>
+              <a:rPr lang="de-CH" dirty="0"/>
+              <a:t>5kBytes </a:t>
             </a:r>
             <a:r>
               <a:rPr lang="de-CH" dirty="0" err="1"/>
-              <a:t>us</a:t>
+              <a:t>received</a:t>
             </a:r>
             <a:r>
               <a:rPr lang="de-CH" dirty="0"/>
-              <a:t>, manchmal </a:t>
+              <a:t> </a:t>
             </a:r>
             <a:r>
               <a:rPr lang="de-CH" dirty="0" err="1"/>
-              <a:t>blokiert</a:t>
+              <a:t>from</a:t>
             </a:r>
             <a:r>
               <a:rPr lang="de-CH" dirty="0"/>
-              <a:t> sie aber mehrere </a:t>
+              <a:t> </a:t>
             </a:r>
             <a:r>
               <a:rPr lang="de-CH" dirty="0" err="1"/>
-              <a:t>millisekunden</a:t>
+              <a:t>pixhawk</a:t>
             </a:r>
             <a:r>
               <a:rPr lang="de-CH" dirty="0"/>
-              <a:t>! Durchschnittlich ca. 5ms</a:t>
+              <a:t> pro Sekunde während ca. 1.5-2sek</a:t>
             </a:r>
           </a:p>
           <a:p>
             <a:r>
               <a:rPr lang="de-CH" dirty="0"/>
-              <a:t>Maximaler Durchsatz: 100kHz! 128Byte HW Buffer -&gt; SPI läuft mit 20MHz</a:t>
+              <a:t>500 Bytes </a:t>
+            </a:r>
+            <a:r>
+              <a:rPr lang="de-CH" dirty="0" err="1"/>
+              <a:t>sent</a:t>
+            </a:r>
+            <a:r>
+              <a:rPr lang="de-CH" dirty="0"/>
+              <a:t> </a:t>
+            </a:r>
+            <a:r>
+              <a:rPr lang="de-CH" dirty="0" err="1"/>
+              <a:t>to</a:t>
+            </a:r>
+            <a:r>
+              <a:rPr lang="de-CH" dirty="0"/>
+              <a:t> </a:t>
+            </a:r>
+            <a:r>
+              <a:rPr lang="de-CH" dirty="0" err="1"/>
+              <a:t>pixhawk</a:t>
+            </a:r>
+            <a:r>
+              <a:rPr lang="de-CH" dirty="0"/>
+              <a:t> pro Sekunde während ca. 1.5-2sek</a:t>
             </a:r>
           </a:p>
           <a:p>
@@ -964,26 +937,13 @@
           </a:p>
           <a:p>
             <a:r>
+              <a:rPr lang="de-CH" dirty="0" err="1"/>
+              <a:t>Golay</a:t>
+            </a:r>
+            <a:r>
               <a:rPr lang="de-CH" dirty="0"/>
-              <a:t>Messfehler? Toolfehler? -&gt; Systemviewer</a:t>
-            </a:r>
-          </a:p>
-          <a:p>
-            <a:r>
-              <a:rPr lang="de-CH" dirty="0"/>
-              <a:t>Fehler FRTOS?</a:t>
-            </a:r>
-          </a:p>
-          <a:p>
-            <a:r>
-              <a:rPr lang="de-CH" dirty="0"/>
-              <a:t>Neues FRTOS? -&gt; </a:t>
-            </a:r>
-            <a:r>
-              <a:rPr lang="de-CH" dirty="0" err="1"/>
-              <a:t>Changelog</a:t>
-            </a:r>
-            <a:endParaRPr lang="de-CH" dirty="0"/>
+              <a:t>-&gt; Verdoppelt Datenmenge</a:t>
+            </a:r>
           </a:p>
           <a:p>
             <a:endParaRPr lang="de-CH" dirty="0"/>
@@ -1007,7 +967,7 @@
           <a:p>
             <a:fld id="{C093BCC5-7CCA-45E0-AB4A-49099C6DCF85}" type="slidenum">
               <a:rPr lang="de-CH" smtClean="0"/>
-              <a:t>14</a:t>
+              <a:t>12</a:t>
             </a:fld>
             <a:endParaRPr lang="de-CH"/>
           </a:p>
@@ -1016,7 +976,7 @@
     </p:spTree>
     <p:extLst>
       <p:ext uri="{BB962C8B-B14F-4D97-AF65-F5344CB8AC3E}">
-        <p14:creationId xmlns:p14="http://schemas.microsoft.com/office/powerpoint/2010/main" val="4209781756"/>
+        <p14:creationId xmlns:p14="http://schemas.microsoft.com/office/powerpoint/2010/main" val="999247619"/>
       </p:ext>
     </p:extLst>
   </p:cSld>
@@ -1071,40 +1031,65 @@
           <a:lstStyle/>
           <a:p>
             <a:r>
-              <a:rPr lang="en-US" b="1" dirty="0"/>
-              <a:t>Frequency</a:t>
-            </a:r>
-            <a:r>
-              <a:rPr lang="en-US" dirty="0"/>
-              <a:t>-</a:t>
-            </a:r>
-            <a:r>
-              <a:rPr lang="en-US" b="1" dirty="0"/>
-              <a:t>hopping spread spectrum</a:t>
-            </a:r>
-            <a:r>
-              <a:rPr lang="en-US" dirty="0"/>
-              <a:t> (FHSS) is a method of transmitting radio signals by rapidly switching a carrier among many </a:t>
-            </a:r>
-            <a:r>
-              <a:rPr lang="en-US" b="1" dirty="0"/>
-              <a:t>frequency</a:t>
-            </a:r>
-            <a:r>
-              <a:rPr lang="en-US" dirty="0"/>
-              <a:t> channels, using a pseudorandom sequence known to both transmitter and receiver. ... FHSS is a wireless technology that spreads its signal over rapidly changing </a:t>
-            </a:r>
-            <a:r>
-              <a:rPr lang="en-US" b="1" dirty="0"/>
-              <a:t>frequencies</a:t>
-            </a:r>
-            <a:r>
-              <a:rPr lang="en-US" dirty="0"/>
-              <a:t>.</a:t>
-            </a:r>
-          </a:p>
-          <a:p>
-            <a:endParaRPr lang="en-US" dirty="0"/>
+              <a:rPr lang="de-CH" dirty="0"/>
+              <a:t>Normalerweise braucht eine Queue Operation ca. 10 </a:t>
+            </a:r>
+            <a:r>
+              <a:rPr lang="de-CH" dirty="0" err="1"/>
+              <a:t>us</a:t>
+            </a:r>
+            <a:r>
+              <a:rPr lang="de-CH" dirty="0"/>
+              <a:t>, manchmal </a:t>
+            </a:r>
+            <a:r>
+              <a:rPr lang="de-CH" dirty="0" err="1"/>
+              <a:t>blokiert</a:t>
+            </a:r>
+            <a:r>
+              <a:rPr lang="de-CH" dirty="0"/>
+              <a:t> sie aber mehrere </a:t>
+            </a:r>
+            <a:r>
+              <a:rPr lang="de-CH" dirty="0" err="1"/>
+              <a:t>millisekunden</a:t>
+            </a:r>
+            <a:r>
+              <a:rPr lang="de-CH" dirty="0"/>
+              <a:t>! Durchschnittlich ca. 5ms</a:t>
+            </a:r>
+          </a:p>
+          <a:p>
+            <a:r>
+              <a:rPr lang="de-CH" dirty="0"/>
+              <a:t>Maximaler Durchsatz: 100kHz! 128Byte HW Buffer -&gt; SPI läuft mit 20MHz</a:t>
+            </a:r>
+          </a:p>
+          <a:p>
+            <a:endParaRPr lang="de-CH" dirty="0"/>
+          </a:p>
+          <a:p>
+            <a:r>
+              <a:rPr lang="de-CH" dirty="0"/>
+              <a:t>Messfehler? Toolfehler? -&gt; Systemviewer</a:t>
+            </a:r>
+          </a:p>
+          <a:p>
+            <a:r>
+              <a:rPr lang="de-CH" dirty="0"/>
+              <a:t>Fehler FRTOS?</a:t>
+            </a:r>
+          </a:p>
+          <a:p>
+            <a:r>
+              <a:rPr lang="de-CH" dirty="0"/>
+              <a:t>Neues FRTOS? -&gt; </a:t>
+            </a:r>
+            <a:r>
+              <a:rPr lang="de-CH" dirty="0" err="1"/>
+              <a:t>Changelog</a:t>
+            </a:r>
+            <a:endParaRPr lang="de-CH" dirty="0"/>
           </a:p>
           <a:p>
             <a:endParaRPr lang="de-CH" dirty="0"/>
@@ -1128,7 +1113,7 @@
           <a:p>
             <a:fld id="{C093BCC5-7CCA-45E0-AB4A-49099C6DCF85}" type="slidenum">
               <a:rPr lang="de-CH" smtClean="0"/>
-              <a:t>16</a:t>
+              <a:t>13</a:t>
             </a:fld>
             <a:endParaRPr lang="de-CH"/>
           </a:p>
@@ -1137,7 +1122,7 @@
     </p:spTree>
     <p:extLst>
       <p:ext uri="{BB962C8B-B14F-4D97-AF65-F5344CB8AC3E}">
-        <p14:creationId xmlns:p14="http://schemas.microsoft.com/office/powerpoint/2010/main" val="427463251"/>
+        <p14:creationId xmlns:p14="http://schemas.microsoft.com/office/powerpoint/2010/main" val="4209781756"/>
       </p:ext>
     </p:extLst>
   </p:cSld>
@@ -1193,95 +1178,32 @@
           <a:p>
             <a:r>
               <a:rPr lang="de-CH" dirty="0"/>
-              <a:t>[</a:t>
+              <a:t>Zwei verschiedene Arten von Fehlern:</a:t>
+            </a:r>
+          </a:p>
+          <a:p>
+            <a:pPr marL="171450" indent="-171450">
+              <a:buFont typeface="Arial" panose="020B0604020202020204" pitchFamily="34" charset="0"/>
+              <a:buChar char="•"/>
+            </a:pPr>
+            <a:r>
+              <a:rPr lang="de-CH" dirty="0"/>
+              <a:t>Pakete kommen gar nicht an -&gt; </a:t>
             </a:r>
             <a:r>
               <a:rPr lang="de-CH" dirty="0" err="1"/>
-              <a:t>Length</a:t>
-            </a:r>
+              <a:t>Resend</a:t>
+            </a:r>
+            <a:endParaRPr lang="de-CH" dirty="0"/>
+          </a:p>
+          <a:p>
+            <a:pPr marL="171450" indent="-171450">
+              <a:buFont typeface="Arial" panose="020B0604020202020204" pitchFamily="34" charset="0"/>
+              <a:buChar char="•"/>
+            </a:pPr>
             <a:r>
               <a:rPr lang="de-CH" dirty="0"/>
-              <a:t> </a:t>
-            </a:r>
-            <a:r>
-              <a:rPr lang="de-CH" dirty="0" err="1"/>
-              <a:t>of</a:t>
-            </a:r>
-            <a:r>
-              <a:rPr lang="de-CH" dirty="0"/>
-              <a:t> </a:t>
-            </a:r>
-            <a:r>
-              <a:rPr lang="de-CH" dirty="0" err="1"/>
-              <a:t>codeword</a:t>
-            </a:r>
-            <a:r>
-              <a:rPr lang="de-CH" dirty="0"/>
-              <a:t>, </a:t>
-            </a:r>
-            <a:r>
-              <a:rPr lang="de-CH" dirty="0" err="1"/>
-              <a:t>dimension</a:t>
-            </a:r>
-            <a:r>
-              <a:rPr lang="de-CH" dirty="0"/>
-              <a:t> </a:t>
-            </a:r>
-            <a:r>
-              <a:rPr lang="de-CH" dirty="0" err="1"/>
-              <a:t>of</a:t>
-            </a:r>
-            <a:r>
-              <a:rPr lang="de-CH" dirty="0"/>
-              <a:t> </a:t>
-            </a:r>
-            <a:r>
-              <a:rPr lang="de-CH" dirty="0" err="1"/>
-              <a:t>code</a:t>
-            </a:r>
-            <a:r>
-              <a:rPr lang="de-CH" dirty="0"/>
-              <a:t>, min </a:t>
-            </a:r>
-            <a:r>
-              <a:rPr lang="de-CH" dirty="0" err="1"/>
-              <a:t>hamming</a:t>
-            </a:r>
-            <a:r>
-              <a:rPr lang="de-CH" dirty="0"/>
-              <a:t> </a:t>
-            </a:r>
-            <a:r>
-              <a:rPr lang="de-CH" dirty="0" err="1"/>
-              <a:t>distance</a:t>
-            </a:r>
-            <a:r>
-              <a:rPr lang="de-CH" dirty="0"/>
-              <a:t> </a:t>
-            </a:r>
-            <a:r>
-              <a:rPr lang="de-CH" dirty="0" err="1"/>
-              <a:t>between</a:t>
-            </a:r>
-            <a:r>
-              <a:rPr lang="de-CH" dirty="0"/>
-              <a:t> </a:t>
-            </a:r>
-            <a:r>
-              <a:rPr lang="de-CH" dirty="0" err="1"/>
-              <a:t>two</a:t>
-            </a:r>
-            <a:r>
-              <a:rPr lang="de-CH" dirty="0"/>
-              <a:t> </a:t>
-            </a:r>
-            <a:r>
-              <a:rPr lang="de-CH" dirty="0" err="1"/>
-              <a:t>codewords</a:t>
-            </a:r>
-            <a:r>
-              <a:rPr lang="de-CH" dirty="0"/>
-              <a:t>]</a:t>
+              <a:t>Pakete kommen fehlerhaft an</a:t>
             </a:r>
           </a:p>
         </p:txBody>
@@ -1303,7 +1225,7 @@
           <a:p>
             <a:fld id="{C093BCC5-7CCA-45E0-AB4A-49099C6DCF85}" type="slidenum">
               <a:rPr lang="de-CH" smtClean="0"/>
-              <a:t>17</a:t>
+              <a:t>14</a:t>
             </a:fld>
             <a:endParaRPr lang="de-CH"/>
           </a:p>
@@ -1312,7 +1234,7 @@
     </p:spTree>
     <p:extLst>
       <p:ext uri="{BB962C8B-B14F-4D97-AF65-F5344CB8AC3E}">
-        <p14:creationId xmlns:p14="http://schemas.microsoft.com/office/powerpoint/2010/main" val="1057558859"/>
+        <p14:creationId xmlns:p14="http://schemas.microsoft.com/office/powerpoint/2010/main" val="3715830497"/>
       </p:ext>
     </p:extLst>
   </p:cSld>
@@ -1424,7 +1346,7 @@
           <a:p>
             <a:fld id="{C093BCC5-7CCA-45E0-AB4A-49099C6DCF85}" type="slidenum">
               <a:rPr lang="de-CH" smtClean="0"/>
-              <a:t>19</a:t>
+              <a:t>15</a:t>
             </a:fld>
             <a:endParaRPr lang="de-CH"/>
           </a:p>
@@ -1433,7 +1355,7 @@
     </p:spTree>
     <p:extLst>
       <p:ext uri="{BB962C8B-B14F-4D97-AF65-F5344CB8AC3E}">
-        <p14:creationId xmlns:p14="http://schemas.microsoft.com/office/powerpoint/2010/main" val="2939460368"/>
+        <p14:creationId xmlns:p14="http://schemas.microsoft.com/office/powerpoint/2010/main" val="427463251"/>
       </p:ext>
     </p:extLst>
   </p:cSld>
@@ -1489,20 +1411,11 @@
           <a:p>
             <a:r>
               <a:rPr lang="de-CH" dirty="0"/>
-              <a:t>Encryption Support siehe Manual https://www.nxp.com/docs/en/data-sheet/K64P144M120SF5.pdf S.1</a:t>
-            </a:r>
-          </a:p>
-          <a:p>
-            <a:endParaRPr lang="de-CH" dirty="0"/>
-          </a:p>
-          <a:p>
-            <a:r>
-              <a:rPr lang="de-CH" dirty="0"/>
-              <a:t>CAU: </a:t>
+              <a:t>[</a:t>
             </a:r>
             <a:r>
               <a:rPr lang="de-CH" dirty="0" err="1"/>
-              <a:t>Crypto</a:t>
+              <a:t>Length</a:t>
             </a:r>
             <a:r>
               <a:rPr lang="de-CH" dirty="0"/>
@@ -1510,15 +1423,93 @@
             </a:r>
             <a:r>
               <a:rPr lang="de-CH" dirty="0" err="1"/>
-              <a:t>Accaleration</a:t>
+              <a:t>of</a:t>
             </a:r>
             <a:r>
               <a:rPr lang="de-CH" dirty="0"/>
-              <a:t> Unit</a:t>
+              <a:t> </a:t>
+            </a:r>
+            <a:r>
+              <a:rPr lang="de-CH" dirty="0" err="1"/>
+              <a:t>codeword</a:t>
+            </a:r>
+            <a:r>
+              <a:rPr lang="de-CH" dirty="0"/>
+              <a:t>, </a:t>
+            </a:r>
+            <a:r>
+              <a:rPr lang="de-CH" dirty="0" err="1"/>
+              <a:t>dimension</a:t>
+            </a:r>
+            <a:r>
+              <a:rPr lang="de-CH" dirty="0"/>
+              <a:t> </a:t>
+            </a:r>
+            <a:r>
+              <a:rPr lang="de-CH" dirty="0" err="1"/>
+              <a:t>of</a:t>
+            </a:r>
+            <a:r>
+              <a:rPr lang="de-CH" dirty="0"/>
+              <a:t> </a:t>
+            </a:r>
+            <a:r>
+              <a:rPr lang="de-CH" dirty="0" err="1"/>
+              <a:t>code</a:t>
+            </a:r>
+            <a:r>
+              <a:rPr lang="de-CH" dirty="0"/>
+              <a:t>, min </a:t>
+            </a:r>
+            <a:r>
+              <a:rPr lang="de-CH" dirty="0" err="1"/>
+              <a:t>hamming</a:t>
+            </a:r>
+            <a:r>
+              <a:rPr lang="de-CH" dirty="0"/>
+              <a:t> </a:t>
+            </a:r>
+            <a:r>
+              <a:rPr lang="de-CH" dirty="0" err="1"/>
+              <a:t>distance</a:t>
+            </a:r>
+            <a:r>
+              <a:rPr lang="de-CH" dirty="0"/>
+              <a:t> </a:t>
+            </a:r>
+            <a:r>
+              <a:rPr lang="de-CH" dirty="0" err="1"/>
+              <a:t>between</a:t>
+            </a:r>
+            <a:r>
+              <a:rPr lang="de-CH" dirty="0"/>
+              <a:t> </a:t>
+            </a:r>
+            <a:r>
+              <a:rPr lang="de-CH" dirty="0" err="1"/>
+              <a:t>two</a:t>
+            </a:r>
+            <a:r>
+              <a:rPr lang="de-CH" dirty="0"/>
+              <a:t> </a:t>
+            </a:r>
+            <a:r>
+              <a:rPr lang="de-CH" dirty="0" err="1"/>
+              <a:t>codewords</a:t>
+            </a:r>
+            <a:r>
+              <a:rPr lang="de-CH" dirty="0"/>
+              <a:t>]</a:t>
             </a:r>
           </a:p>
           <a:p>
             <a:endParaRPr lang="de-CH" dirty="0"/>
+          </a:p>
+          <a:p>
+            <a:r>
+              <a:rPr lang="de-CH" dirty="0"/>
+              <a:t>Linkaufbau nicht möglich da zu viele Daten</a:t>
+            </a:r>
           </a:p>
         </p:txBody>
       </p:sp>
@@ -1539,7 +1530,7 @@
           <a:p>
             <a:fld id="{C093BCC5-7CCA-45E0-AB4A-49099C6DCF85}" type="slidenum">
               <a:rPr lang="de-CH" smtClean="0"/>
-              <a:t>21</a:t>
+              <a:t>16</a:t>
             </a:fld>
             <a:endParaRPr lang="de-CH"/>
           </a:p>
@@ -1548,7 +1539,7 @@
     </p:spTree>
     <p:extLst>
       <p:ext uri="{BB962C8B-B14F-4D97-AF65-F5344CB8AC3E}">
-        <p14:creationId xmlns:p14="http://schemas.microsoft.com/office/powerpoint/2010/main" val="2284438434"/>
+        <p14:creationId xmlns:p14="http://schemas.microsoft.com/office/powerpoint/2010/main" val="1057558859"/>
       </p:ext>
     </p:extLst>
   </p:cSld>
@@ -1603,43 +1594,9 @@
           <a:lstStyle/>
           <a:p>
             <a:r>
-              <a:rPr lang="en-US" b="1" dirty="0"/>
-              <a:t>Frequency</a:t>
-            </a:r>
-            <a:r>
-              <a:rPr lang="en-US" dirty="0"/>
-              <a:t>-</a:t>
-            </a:r>
-            <a:r>
-              <a:rPr lang="en-US" b="1" dirty="0"/>
-              <a:t>hopping spread spectrum</a:t>
-            </a:r>
-            <a:r>
-              <a:rPr lang="en-US" dirty="0"/>
-              <a:t> (FHSS) is a method of transmitting radio signals by rapidly switching a carrier among many </a:t>
-            </a:r>
-            <a:r>
-              <a:rPr lang="en-US" b="1" dirty="0"/>
-              <a:t>frequency</a:t>
-            </a:r>
-            <a:r>
-              <a:rPr lang="en-US" dirty="0"/>
-              <a:t> channels, using a pseudorandom sequence known to both transmitter and receiver. ... FHSS is a wireless technology that spreads its signal over rapidly changing </a:t>
-            </a:r>
-            <a:r>
-              <a:rPr lang="en-US" b="1" dirty="0"/>
-              <a:t>frequencies</a:t>
-            </a:r>
-            <a:r>
-              <a:rPr lang="en-US" dirty="0"/>
-              <a:t>.</a:t>
-            </a:r>
-          </a:p>
-          <a:p>
-            <a:endParaRPr lang="en-US" dirty="0"/>
-          </a:p>
-          <a:p>
-            <a:endParaRPr lang="de-CH" dirty="0"/>
+              <a:rPr lang="de-CH" dirty="0"/>
+              <a:t>Pakete kommen gar nicht an oder zu viele Bitfehler um sie korrigieren zu können</a:t>
+            </a:r>
           </a:p>
         </p:txBody>
       </p:sp>
@@ -1660,7 +1617,7 @@
           <a:p>
             <a:fld id="{C093BCC5-7CCA-45E0-AB4A-49099C6DCF85}" type="slidenum">
               <a:rPr lang="de-CH" smtClean="0"/>
-              <a:t>22</a:t>
+              <a:t>17</a:t>
             </a:fld>
             <a:endParaRPr lang="de-CH"/>
           </a:p>
@@ -1669,7 +1626,7 @@
     </p:spTree>
     <p:extLst>
       <p:ext uri="{BB962C8B-B14F-4D97-AF65-F5344CB8AC3E}">
-        <p14:creationId xmlns:p14="http://schemas.microsoft.com/office/powerpoint/2010/main" val="2419180131"/>
+        <p14:creationId xmlns:p14="http://schemas.microsoft.com/office/powerpoint/2010/main" val="1302518713"/>
       </p:ext>
     </p:extLst>
   </p:cSld>
@@ -1724,40 +1681,43 @@
           <a:lstStyle/>
           <a:p>
             <a:r>
-              <a:rPr lang="de-CH" dirty="0" err="1"/>
-              <a:t>Mbed</a:t>
-            </a:r>
-            <a:r>
-              <a:rPr lang="de-CH" dirty="0"/>
-              <a:t> </a:t>
-            </a:r>
-            <a:r>
-              <a:rPr lang="de-CH" dirty="0" err="1"/>
-              <a:t>tls</a:t>
-            </a:r>
+              <a:rPr lang="en-US" b="1" dirty="0"/>
+              <a:t>Frequency</a:t>
+            </a:r>
+            <a:r>
+              <a:rPr lang="en-US" dirty="0"/>
+              <a:t>-</a:t>
+            </a:r>
+            <a:r>
+              <a:rPr lang="en-US" b="1" dirty="0"/>
+              <a:t>hopping spread spectrum</a:t>
+            </a:r>
+            <a:r>
+              <a:rPr lang="en-US" dirty="0"/>
+              <a:t> (FHSS) is a method of transmitting radio signals by rapidly switching a carrier among many </a:t>
+            </a:r>
+            <a:r>
+              <a:rPr lang="en-US" b="1" dirty="0"/>
+              <a:t>frequency</a:t>
+            </a:r>
+            <a:r>
+              <a:rPr lang="en-US" dirty="0"/>
+              <a:t> channels, using a pseudorandom sequence known to both transmitter and receiver. ... FHSS is a wireless technology that spreads its signal over rapidly changing </a:t>
+            </a:r>
+            <a:r>
+              <a:rPr lang="en-US" b="1" dirty="0"/>
+              <a:t>frequencies</a:t>
+            </a:r>
+            <a:r>
+              <a:rPr lang="en-US" dirty="0"/>
+              <a:t>.</a:t>
+            </a:r>
+          </a:p>
+          <a:p>
+            <a:endParaRPr lang="en-US" dirty="0"/>
+          </a:p>
+          <a:p>
             <a:endParaRPr lang="de-CH" dirty="0"/>
-          </a:p>
-          <a:p>
-            <a:r>
-              <a:rPr lang="de-CH" dirty="0"/>
-              <a:t>Authentizität = Identität des Erstellers</a:t>
-            </a:r>
-          </a:p>
-          <a:p>
-            <a:r>
-              <a:rPr lang="de-CH" dirty="0" err="1"/>
-              <a:t>Inetgrität</a:t>
-            </a:r>
-            <a:r>
-              <a:rPr lang="de-CH" dirty="0"/>
-              <a:t> = Daten müssen unveränderbar sein</a:t>
-            </a:r>
-          </a:p>
-          <a:p>
-            <a:r>
-              <a:rPr lang="de-CH" dirty="0"/>
-              <a:t>Nachweisbarkeit = Sender kann nicht abstreiten, dass er der Verfasser ist</a:t>
-            </a:r>
           </a:p>
         </p:txBody>
       </p:sp>
@@ -1778,7 +1738,7 @@
           <a:p>
             <a:fld id="{C093BCC5-7CCA-45E0-AB4A-49099C6DCF85}" type="slidenum">
               <a:rPr lang="de-CH" smtClean="0"/>
-              <a:t>23</a:t>
+              <a:t>18</a:t>
             </a:fld>
             <a:endParaRPr lang="de-CH"/>
           </a:p>
@@ -1787,7 +1747,7 @@
     </p:spTree>
     <p:extLst>
       <p:ext uri="{BB962C8B-B14F-4D97-AF65-F5344CB8AC3E}">
-        <p14:creationId xmlns:p14="http://schemas.microsoft.com/office/powerpoint/2010/main" val="2135503416"/>
+        <p14:creationId xmlns:p14="http://schemas.microsoft.com/office/powerpoint/2010/main" val="2939460368"/>
       </p:ext>
     </p:extLst>
   </p:cSld>
@@ -1843,95 +1803,39 @@
           <a:p>
             <a:r>
               <a:rPr lang="de-CH" dirty="0"/>
-              <a:t>[</a:t>
+              <a:t>Vertraulichkeit: Nicht </a:t>
             </a:r>
             <a:r>
               <a:rPr lang="de-CH" dirty="0" err="1"/>
-              <a:t>Length</a:t>
-            </a:r>
+              <a:t>abhörbar</a:t>
+            </a:r>
+            <a:endParaRPr lang="de-CH" dirty="0"/>
+          </a:p>
+          <a:p>
+            <a:endParaRPr lang="de-CH" dirty="0"/>
+          </a:p>
+          <a:p>
             <a:r>
               <a:rPr lang="de-CH" dirty="0"/>
-              <a:t> </a:t>
-            </a:r>
-            <a:r>
-              <a:rPr lang="de-CH" dirty="0" err="1"/>
-              <a:t>of</a:t>
-            </a:r>
+              <a:t>Integrität: Nicht unbemerkt veränderbar</a:t>
+            </a:r>
+          </a:p>
+          <a:p>
+            <a:endParaRPr lang="de-CH" dirty="0"/>
+          </a:p>
+          <a:p>
             <a:r>
               <a:rPr lang="de-CH" dirty="0"/>
-              <a:t> </a:t>
-            </a:r>
-            <a:r>
-              <a:rPr lang="de-CH" dirty="0" err="1"/>
-              <a:t>codeword</a:t>
-            </a:r>
+              <a:t>Verfügbarkeit: Daten abrufbar</a:t>
+            </a:r>
+          </a:p>
+          <a:p>
+            <a:endParaRPr lang="de-CH" dirty="0"/>
+          </a:p>
+          <a:p>
             <a:r>
               <a:rPr lang="de-CH" dirty="0"/>
-              <a:t>, </a:t>
-            </a:r>
-            <a:r>
-              <a:rPr lang="de-CH" dirty="0" err="1"/>
-              <a:t>dimension</a:t>
-            </a:r>
-            <a:r>
-              <a:rPr lang="de-CH" dirty="0"/>
-              <a:t> </a:t>
-            </a:r>
-            <a:r>
-              <a:rPr lang="de-CH" dirty="0" err="1"/>
-              <a:t>of</a:t>
-            </a:r>
-            <a:r>
-              <a:rPr lang="de-CH" dirty="0"/>
-              <a:t> </a:t>
-            </a:r>
-            <a:r>
-              <a:rPr lang="de-CH" dirty="0" err="1"/>
-              <a:t>code</a:t>
-            </a:r>
-            <a:r>
-              <a:rPr lang="de-CH" dirty="0"/>
-              <a:t>, min </a:t>
-            </a:r>
-            <a:r>
-              <a:rPr lang="de-CH" dirty="0" err="1"/>
-              <a:t>hamming</a:t>
-            </a:r>
-            <a:r>
-              <a:rPr lang="de-CH" dirty="0"/>
-              <a:t> </a:t>
-            </a:r>
-            <a:r>
-              <a:rPr lang="de-CH" dirty="0" err="1"/>
-              <a:t>distance</a:t>
-            </a:r>
-            <a:r>
-              <a:rPr lang="de-CH" dirty="0"/>
-              <a:t> </a:t>
-            </a:r>
-            <a:r>
-              <a:rPr lang="de-CH" dirty="0" err="1"/>
-              <a:t>between</a:t>
-            </a:r>
-            <a:r>
-              <a:rPr lang="de-CH" dirty="0"/>
-              <a:t> </a:t>
-            </a:r>
-            <a:r>
-              <a:rPr lang="de-CH" dirty="0" err="1"/>
-              <a:t>two</a:t>
-            </a:r>
-            <a:r>
-              <a:rPr lang="de-CH" dirty="0"/>
-              <a:t> </a:t>
-            </a:r>
-            <a:r>
-              <a:rPr lang="de-CH" dirty="0" err="1"/>
-              <a:t>codewords</a:t>
-            </a:r>
-            <a:r>
-              <a:rPr lang="de-CH" dirty="0"/>
-              <a:t>]</a:t>
+              <a:t>Authentizität: Der Empfänger ist sich sicher, dass die Daten vom richtigen Sender kommen</a:t>
             </a:r>
           </a:p>
         </p:txBody>
@@ -1953,7 +1857,7 @@
           <a:p>
             <a:fld id="{C093BCC5-7CCA-45E0-AB4A-49099C6DCF85}" type="slidenum">
               <a:rPr lang="de-CH" smtClean="0"/>
-              <a:t>26</a:t>
+              <a:t>19</a:t>
             </a:fld>
             <a:endParaRPr lang="de-CH"/>
           </a:p>
@@ -1962,7 +1866,7 @@
     </p:spTree>
     <p:extLst>
       <p:ext uri="{BB962C8B-B14F-4D97-AF65-F5344CB8AC3E}">
-        <p14:creationId xmlns:p14="http://schemas.microsoft.com/office/powerpoint/2010/main" val="235687594"/>
+        <p14:creationId xmlns:p14="http://schemas.microsoft.com/office/powerpoint/2010/main" val="1213288184"/>
       </p:ext>
     </p:extLst>
   </p:cSld>
@@ -2108,48 +2012,44 @@
           <a:p>
             <a:r>
               <a:rPr lang="de-CH" dirty="0"/>
-              <a:t>UAV 1 -&gt; UAV 2: Paket 1UAV 1 -&gt; UAV 2: Paket 2UAV 2 -&gt; UAV 1: </a:t>
+              <a:t>Encryption Support siehe Manual https://www.nxp.com/docs/en/data-sheet/K64P144M120SF5.pdf S.1</a:t>
+            </a:r>
+          </a:p>
+          <a:p>
+            <a:endParaRPr lang="de-CH" dirty="0"/>
+          </a:p>
+          <a:p>
+            <a:r>
+              <a:rPr lang="de-CH" dirty="0"/>
+              <a:t>CAU: </a:t>
             </a:r>
             <a:r>
               <a:rPr lang="de-CH" dirty="0" err="1"/>
-              <a:t>Ack</a:t>
+              <a:t>Crypto</a:t>
             </a:r>
             <a:r>
               <a:rPr lang="de-CH" dirty="0"/>
-              <a:t> Paket 1UAV 2 -&gt; UAV 1: </a:t>
+              <a:t> </a:t>
             </a:r>
             <a:r>
               <a:rPr lang="de-CH" dirty="0" err="1"/>
-              <a:t>Ack</a:t>
+              <a:t>Accaleration</a:t>
             </a:r>
             <a:r>
               <a:rPr lang="de-CH" dirty="0"/>
-              <a:t> Paket 2UAV 1 --&gt; UAV 2: Paket 3UAV 1 -&gt; UAV 2: Paket 4UAV 1 -&gt; UAV 2: Paket 5UAV 2 -&gt; UAV 1: </a:t>
+              <a:t> Unit verwendet Hardware Verschlüsselung vom </a:t>
             </a:r>
             <a:r>
               <a:rPr lang="de-CH" dirty="0" err="1"/>
-              <a:t>Ack</a:t>
+              <a:t>Coretex</a:t>
             </a:r>
             <a:r>
               <a:rPr lang="de-CH" dirty="0"/>
-              <a:t> Paket 4UAV 2 -&gt; UAV 1: </a:t>
-            </a:r>
-            <a:r>
-              <a:rPr lang="de-CH" dirty="0" err="1"/>
-              <a:t>Ack</a:t>
-            </a:r>
-            <a:r>
-              <a:rPr lang="de-CH" dirty="0"/>
-              <a:t> Paket 5UAV 1 -&gt; UAV 2: Paket 3UAV 2 -&gt; UAV 1: </a:t>
-            </a:r>
-            <a:r>
-              <a:rPr lang="de-CH" dirty="0" err="1"/>
-              <a:t>Ack</a:t>
-            </a:r>
-            <a:r>
-              <a:rPr lang="de-CH" dirty="0"/>
-              <a:t> Paket 3</a:t>
-            </a:r>
+              <a:t> M4</a:t>
+            </a:r>
+          </a:p>
+          <a:p>
+            <a:endParaRPr lang="de-CH" dirty="0"/>
           </a:p>
         </p:txBody>
       </p:sp>
@@ -2170,7 +2070,7 @@
           <a:p>
             <a:fld id="{C093BCC5-7CCA-45E0-AB4A-49099C6DCF85}" type="slidenum">
               <a:rPr lang="de-CH" smtClean="0"/>
-              <a:t>27</a:t>
+              <a:t>20</a:t>
             </a:fld>
             <a:endParaRPr lang="de-CH"/>
           </a:p>
@@ -2179,7 +2079,7 @@
     </p:spTree>
     <p:extLst>
       <p:ext uri="{BB962C8B-B14F-4D97-AF65-F5344CB8AC3E}">
-        <p14:creationId xmlns:p14="http://schemas.microsoft.com/office/powerpoint/2010/main" val="778420395"/>
+        <p14:creationId xmlns:p14="http://schemas.microsoft.com/office/powerpoint/2010/main" val="2284438434"/>
       </p:ext>
     </p:extLst>
   </p:cSld>
@@ -2234,33 +2134,43 @@
           <a:lstStyle/>
           <a:p>
             <a:r>
-              <a:rPr lang="de-CH" dirty="0"/>
-              <a:t>UAV 1 -&gt; UAV 2: Paket 1UAV 2 -&gt; UAV 1: </a:t>
-            </a:r>
-            <a:r>
-              <a:rPr lang="de-CH" dirty="0" err="1"/>
-              <a:t>Ack</a:t>
-            </a:r>
-            <a:r>
-              <a:rPr lang="de-CH" dirty="0"/>
-              <a:t> Paket 1UAV 1 --&gt; UAV 2: Paket 2UAV 1 --&gt; UAV 2: Paket 2UAV 1 -&gt; UAV 2: Paket 2UAV 2 -&gt; UAV 1: </a:t>
-            </a:r>
-            <a:r>
-              <a:rPr lang="de-CH" dirty="0" err="1"/>
-              <a:t>Ack</a:t>
-            </a:r>
-            <a:r>
-              <a:rPr lang="de-CH" dirty="0"/>
-              <a:t> Paket 2UAV 1 -&gt; UAV 2: Paket 3UAV 2 -&gt; UAV 1: </a:t>
-            </a:r>
-            <a:r>
-              <a:rPr lang="de-CH" dirty="0" err="1"/>
-              <a:t>Ack</a:t>
-            </a:r>
-            <a:r>
-              <a:rPr lang="de-CH" dirty="0"/>
-              <a:t> Paket 3</a:t>
-            </a:r>
+              <a:rPr lang="en-US" b="1" dirty="0"/>
+              <a:t>Frequency</a:t>
+            </a:r>
+            <a:r>
+              <a:rPr lang="en-US" dirty="0"/>
+              <a:t>-</a:t>
+            </a:r>
+            <a:r>
+              <a:rPr lang="en-US" b="1" dirty="0"/>
+              <a:t>hopping spread spectrum</a:t>
+            </a:r>
+            <a:r>
+              <a:rPr lang="en-US" dirty="0"/>
+              <a:t> (FHSS) is a method of transmitting radio signals by rapidly switching a carrier among many </a:t>
+            </a:r>
+            <a:r>
+              <a:rPr lang="en-US" b="1" dirty="0"/>
+              <a:t>frequency</a:t>
+            </a:r>
+            <a:r>
+              <a:rPr lang="en-US" dirty="0"/>
+              <a:t> channels, using a pseudorandom sequence known to both transmitter and receiver. ... FHSS is a wireless technology that spreads its signal over rapidly changing </a:t>
+            </a:r>
+            <a:r>
+              <a:rPr lang="en-US" b="1" dirty="0"/>
+              <a:t>frequencies</a:t>
+            </a:r>
+            <a:r>
+              <a:rPr lang="en-US" dirty="0"/>
+              <a:t>.</a:t>
+            </a:r>
+          </a:p>
+          <a:p>
+            <a:endParaRPr lang="en-US" dirty="0"/>
+          </a:p>
+          <a:p>
+            <a:endParaRPr lang="de-CH" dirty="0"/>
           </a:p>
         </p:txBody>
       </p:sp>
@@ -2281,7 +2191,7 @@
           <a:p>
             <a:fld id="{C093BCC5-7CCA-45E0-AB4A-49099C6DCF85}" type="slidenum">
               <a:rPr lang="de-CH" smtClean="0"/>
-              <a:t>28</a:t>
+              <a:t>21</a:t>
             </a:fld>
             <a:endParaRPr lang="de-CH"/>
           </a:p>
@@ -2290,7 +2200,7 @@
     </p:spTree>
     <p:extLst>
       <p:ext uri="{BB962C8B-B14F-4D97-AF65-F5344CB8AC3E}">
-        <p14:creationId xmlns:p14="http://schemas.microsoft.com/office/powerpoint/2010/main" val="3890471973"/>
+        <p14:creationId xmlns:p14="http://schemas.microsoft.com/office/powerpoint/2010/main" val="2419180131"/>
       </p:ext>
     </p:extLst>
   </p:cSld>
@@ -2345,17 +2255,107 @@
           <a:lstStyle/>
           <a:p>
             <a:r>
+              <a:rPr lang="de-CH" dirty="0" err="1"/>
+              <a:t>Mbed</a:t>
+            </a:r>
+            <a:r>
               <a:rPr lang="de-CH" dirty="0"/>
-              <a:t>UAV 1 -&gt; UAV 2: Paket 1UAV 1 -&gt; UAV 2: Paket 2UAV 1 --&gt; UAV 2: Paket 3UAV 1 -&gt; UAV 2: Paket 4UAV 2 -&gt; UAV 1: </a:t>
+              <a:t> </a:t>
             </a:r>
             <a:r>
               <a:rPr lang="de-CH" dirty="0" err="1"/>
-              <a:t>Resend</a:t>
-            </a:r>
+              <a:t>tls</a:t>
+            </a:r>
+            <a:endParaRPr lang="de-CH" dirty="0"/>
+          </a:p>
+          <a:p>
             <a:r>
               <a:rPr lang="de-CH" dirty="0"/>
-              <a:t> Paket 3UAV 1 -&gt; UAV 2: Paket 3</a:t>
-            </a:r>
+              <a:t>Authentizität = Identität des Erstellers</a:t>
+            </a:r>
+          </a:p>
+          <a:p>
+            <a:r>
+              <a:rPr lang="de-CH" dirty="0" err="1"/>
+              <a:t>Inetgrität</a:t>
+            </a:r>
+            <a:r>
+              <a:rPr lang="de-CH" dirty="0"/>
+              <a:t> = Daten müssen unveränderbar sein</a:t>
+            </a:r>
+          </a:p>
+          <a:p>
+            <a:r>
+              <a:rPr lang="de-CH" dirty="0"/>
+              <a:t>Nachweisbarkeit = Sender kann nicht abstreiten, dass er der Verfasser ist</a:t>
+            </a:r>
+          </a:p>
+          <a:p>
+            <a:endParaRPr lang="de-CH" dirty="0"/>
+          </a:p>
+          <a:p>
+            <a:pPr marL="306000" indent="-306000" defTabSz="457200">
+              <a:spcBef>
+                <a:spcPct val="20000"/>
+              </a:spcBef>
+              <a:spcAft>
+                <a:spcPts val="600"/>
+              </a:spcAft>
+              <a:buClr>
+                <a:schemeClr val="accent2"/>
+              </a:buClr>
+              <a:buSzPct val="92000"/>
+              <a:buFont typeface="Wingdings 2" panose="05020102010507070707" pitchFamily="18" charset="2"/>
+              <a:buChar char=""/>
+            </a:pPr>
+            <a:r>
+              <a:rPr lang="de-CH" sz="2800" dirty="0">
+                <a:solidFill>
+                  <a:schemeClr val="tx1"/>
+                </a:solidFill>
+              </a:rPr>
+              <a:t>Schlüsselgenerierung / Schlüsselverteilung</a:t>
+            </a:r>
+          </a:p>
+          <a:p>
+            <a:pPr marL="598608" lvl="1" indent="-306000" defTabSz="457200">
+              <a:spcBef>
+                <a:spcPct val="20000"/>
+              </a:spcBef>
+              <a:spcAft>
+                <a:spcPts val="600"/>
+              </a:spcAft>
+              <a:buClr>
+                <a:schemeClr val="accent2"/>
+              </a:buClr>
+              <a:buSzPct val="92000"/>
+              <a:buFont typeface="Wingdings 2" panose="05020102010507070707" pitchFamily="18" charset="2"/>
+              <a:buChar char=""/>
+            </a:pPr>
+            <a:r>
+              <a:rPr lang="de-CH" sz="2400" dirty="0">
+                <a:solidFill>
+                  <a:schemeClr val="tx1"/>
+                </a:solidFill>
+              </a:rPr>
+              <a:t>Key Generation mithilfe der 128-Bit ID des </a:t>
+            </a:r>
+            <a:r>
+              <a:rPr lang="de-CH" sz="2400" dirty="0" err="1">
+                <a:solidFill>
+                  <a:schemeClr val="tx1"/>
+                </a:solidFill>
+              </a:rPr>
+              <a:t>uC</a:t>
+            </a:r>
+            <a:endParaRPr lang="de-CH" sz="2400" dirty="0">
+              <a:solidFill>
+                <a:schemeClr val="tx1"/>
+              </a:solidFill>
+            </a:endParaRPr>
+          </a:p>
+          <a:p>
+            <a:endParaRPr lang="de-CH" dirty="0"/>
           </a:p>
         </p:txBody>
       </p:sp>
@@ -2376,7 +2376,7 @@
           <a:p>
             <a:fld id="{C093BCC5-7CCA-45E0-AB4A-49099C6DCF85}" type="slidenum">
               <a:rPr lang="de-CH" smtClean="0"/>
-              <a:t>29</a:t>
+              <a:t>22</a:t>
             </a:fld>
             <a:endParaRPr lang="de-CH"/>
           </a:p>
@@ -2385,7 +2385,7 @@
     </p:spTree>
     <p:extLst>
       <p:ext uri="{BB962C8B-B14F-4D97-AF65-F5344CB8AC3E}">
-        <p14:creationId xmlns:p14="http://schemas.microsoft.com/office/powerpoint/2010/main" val="3892634992"/>
+        <p14:creationId xmlns:p14="http://schemas.microsoft.com/office/powerpoint/2010/main" val="2135503416"/>
       </p:ext>
     </p:extLst>
   </p:cSld>
@@ -2439,6 +2439,514 @@
           <a:bodyPr/>
           <a:lstStyle/>
           <a:p>
+            <a:r>
+              <a:rPr lang="de-CH" dirty="0"/>
+              <a:t>[</a:t>
+            </a:r>
+            <a:r>
+              <a:rPr lang="de-CH" dirty="0" err="1"/>
+              <a:t>Length</a:t>
+            </a:r>
+            <a:r>
+              <a:rPr lang="de-CH" dirty="0"/>
+              <a:t> </a:t>
+            </a:r>
+            <a:r>
+              <a:rPr lang="de-CH" dirty="0" err="1"/>
+              <a:t>of</a:t>
+            </a:r>
+            <a:r>
+              <a:rPr lang="de-CH" dirty="0"/>
+              <a:t> </a:t>
+            </a:r>
+            <a:r>
+              <a:rPr lang="de-CH" dirty="0" err="1"/>
+              <a:t>codeword</a:t>
+            </a:r>
+            <a:r>
+              <a:rPr lang="de-CH" dirty="0"/>
+              <a:t>, </a:t>
+            </a:r>
+            <a:r>
+              <a:rPr lang="de-CH" dirty="0" err="1"/>
+              <a:t>dimension</a:t>
+            </a:r>
+            <a:r>
+              <a:rPr lang="de-CH" dirty="0"/>
+              <a:t> </a:t>
+            </a:r>
+            <a:r>
+              <a:rPr lang="de-CH" dirty="0" err="1"/>
+              <a:t>of</a:t>
+            </a:r>
+            <a:r>
+              <a:rPr lang="de-CH" dirty="0"/>
+              <a:t> </a:t>
+            </a:r>
+            <a:r>
+              <a:rPr lang="de-CH" dirty="0" err="1"/>
+              <a:t>code</a:t>
+            </a:r>
+            <a:r>
+              <a:rPr lang="de-CH" dirty="0"/>
+              <a:t>, min </a:t>
+            </a:r>
+            <a:r>
+              <a:rPr lang="de-CH" dirty="0" err="1"/>
+              <a:t>hamming</a:t>
+            </a:r>
+            <a:r>
+              <a:rPr lang="de-CH" dirty="0"/>
+              <a:t> </a:t>
+            </a:r>
+            <a:r>
+              <a:rPr lang="de-CH" dirty="0" err="1"/>
+              <a:t>distance</a:t>
+            </a:r>
+            <a:r>
+              <a:rPr lang="de-CH" dirty="0"/>
+              <a:t> </a:t>
+            </a:r>
+            <a:r>
+              <a:rPr lang="de-CH" dirty="0" err="1"/>
+              <a:t>between</a:t>
+            </a:r>
+            <a:r>
+              <a:rPr lang="de-CH" dirty="0"/>
+              <a:t> </a:t>
+            </a:r>
+            <a:r>
+              <a:rPr lang="de-CH" dirty="0" err="1"/>
+              <a:t>two</a:t>
+            </a:r>
+            <a:r>
+              <a:rPr lang="de-CH" dirty="0"/>
+              <a:t> </a:t>
+            </a:r>
+            <a:r>
+              <a:rPr lang="de-CH" dirty="0" err="1"/>
+              <a:t>codewords</a:t>
+            </a:r>
+            <a:r>
+              <a:rPr lang="de-CH" dirty="0"/>
+              <a:t>]</a:t>
+            </a:r>
+          </a:p>
+        </p:txBody>
+      </p:sp>
+      <p:sp>
+        <p:nvSpPr>
+          <p:cNvPr id="4" name="Foliennummernplatzhalter 3"/>
+          <p:cNvSpPr>
+            <a:spLocks noGrp="1"/>
+          </p:cNvSpPr>
+          <p:nvPr>
+            <p:ph type="sldNum" sz="quarter" idx="10"/>
+          </p:nvPr>
+        </p:nvSpPr>
+        <p:spPr/>
+        <p:txBody>
+          <a:bodyPr/>
+          <a:lstStyle/>
+          <a:p>
+            <a:fld id="{C093BCC5-7CCA-45E0-AB4A-49099C6DCF85}" type="slidenum">
+              <a:rPr lang="de-CH" smtClean="0"/>
+              <a:t>25</a:t>
+            </a:fld>
+            <a:endParaRPr lang="de-CH"/>
+          </a:p>
+        </p:txBody>
+      </p:sp>
+    </p:spTree>
+    <p:extLst>
+      <p:ext uri="{BB962C8B-B14F-4D97-AF65-F5344CB8AC3E}">
+        <p14:creationId xmlns:p14="http://schemas.microsoft.com/office/powerpoint/2010/main" val="235687594"/>
+      </p:ext>
+    </p:extLst>
+  </p:cSld>
+  <p:clrMapOvr>
+    <a:masterClrMapping/>
+  </p:clrMapOvr>
+</p:notes>
+</file>
+
+<file path=ppt/notesSlides/notesSlide24.xml><?xml version="1.0" encoding="utf-8"?>
+<p:notes xmlns:a="http://schemas.openxmlformats.org/drawingml/2006/main" xmlns:r="http://schemas.openxmlformats.org/officeDocument/2006/relationships" xmlns:p="http://schemas.openxmlformats.org/presentationml/2006/main">
+  <p:cSld>
+    <p:spTree>
+      <p:nvGrpSpPr>
+        <p:cNvPr id="1" name=""/>
+        <p:cNvGrpSpPr/>
+        <p:nvPr/>
+      </p:nvGrpSpPr>
+      <p:grpSpPr>
+        <a:xfrm>
+          <a:off x="0" y="0"/>
+          <a:ext cx="0" cy="0"/>
+          <a:chOff x="0" y="0"/>
+          <a:chExt cx="0" cy="0"/>
+        </a:xfrm>
+      </p:grpSpPr>
+      <p:sp>
+        <p:nvSpPr>
+          <p:cNvPr id="2" name="Folienbildplatzhalter 1"/>
+          <p:cNvSpPr>
+            <a:spLocks noGrp="1" noRot="1" noChangeAspect="1"/>
+          </p:cNvSpPr>
+          <p:nvPr>
+            <p:ph type="sldImg"/>
+          </p:nvPr>
+        </p:nvSpPr>
+        <p:spPr/>
+      </p:sp>
+      <p:sp>
+        <p:nvSpPr>
+          <p:cNvPr id="3" name="Notizenplatzhalter 2"/>
+          <p:cNvSpPr>
+            <a:spLocks noGrp="1"/>
+          </p:cNvSpPr>
+          <p:nvPr>
+            <p:ph type="body" idx="1"/>
+          </p:nvPr>
+        </p:nvSpPr>
+        <p:spPr/>
+        <p:txBody>
+          <a:bodyPr/>
+          <a:lstStyle/>
+          <a:p>
+            <a:r>
+              <a:rPr lang="de-CH" dirty="0"/>
+              <a:t>UAV 1 -&gt; UAV 2: Paket 1UAV 1 -&gt; UAV 2: Paket 2UAV 2 -&gt; UAV 1: </a:t>
+            </a:r>
+            <a:r>
+              <a:rPr lang="de-CH" dirty="0" err="1"/>
+              <a:t>Ack</a:t>
+            </a:r>
+            <a:r>
+              <a:rPr lang="de-CH" dirty="0"/>
+              <a:t> Paket 1UAV 2 -&gt; UAV 1: </a:t>
+            </a:r>
+            <a:r>
+              <a:rPr lang="de-CH" dirty="0" err="1"/>
+              <a:t>Ack</a:t>
+            </a:r>
+            <a:r>
+              <a:rPr lang="de-CH" dirty="0"/>
+              <a:t> Paket 2UAV 1 --&gt; UAV 2: Paket 3UAV 1 -&gt; UAV 2: Paket 4UAV 1 -&gt; UAV 2: Paket 5UAV 2 -&gt; UAV 1: </a:t>
+            </a:r>
+            <a:r>
+              <a:rPr lang="de-CH" dirty="0" err="1"/>
+              <a:t>Ack</a:t>
+            </a:r>
+            <a:r>
+              <a:rPr lang="de-CH" dirty="0"/>
+              <a:t> Paket 4UAV 2 -&gt; UAV 1: </a:t>
+            </a:r>
+            <a:r>
+              <a:rPr lang="de-CH" dirty="0" err="1"/>
+              <a:t>Ack</a:t>
+            </a:r>
+            <a:r>
+              <a:rPr lang="de-CH" dirty="0"/>
+              <a:t> Paket 5UAV 1 -&gt; UAV 2: Paket 3UAV 2 -&gt; UAV 1: </a:t>
+            </a:r>
+            <a:r>
+              <a:rPr lang="de-CH" dirty="0" err="1"/>
+              <a:t>Ack</a:t>
+            </a:r>
+            <a:r>
+              <a:rPr lang="de-CH" dirty="0"/>
+              <a:t> Paket 3</a:t>
+            </a:r>
+          </a:p>
+        </p:txBody>
+      </p:sp>
+      <p:sp>
+        <p:nvSpPr>
+          <p:cNvPr id="4" name="Foliennummernplatzhalter 3"/>
+          <p:cNvSpPr>
+            <a:spLocks noGrp="1"/>
+          </p:cNvSpPr>
+          <p:nvPr>
+            <p:ph type="sldNum" sz="quarter" idx="10"/>
+          </p:nvPr>
+        </p:nvSpPr>
+        <p:spPr/>
+        <p:txBody>
+          <a:bodyPr/>
+          <a:lstStyle/>
+          <a:p>
+            <a:fld id="{C093BCC5-7CCA-45E0-AB4A-49099C6DCF85}" type="slidenum">
+              <a:rPr lang="de-CH" smtClean="0"/>
+              <a:t>26</a:t>
+            </a:fld>
+            <a:endParaRPr lang="de-CH"/>
+          </a:p>
+        </p:txBody>
+      </p:sp>
+    </p:spTree>
+    <p:extLst>
+      <p:ext uri="{BB962C8B-B14F-4D97-AF65-F5344CB8AC3E}">
+        <p14:creationId xmlns:p14="http://schemas.microsoft.com/office/powerpoint/2010/main" val="778420395"/>
+      </p:ext>
+    </p:extLst>
+  </p:cSld>
+  <p:clrMapOvr>
+    <a:masterClrMapping/>
+  </p:clrMapOvr>
+</p:notes>
+</file>
+
+<file path=ppt/notesSlides/notesSlide25.xml><?xml version="1.0" encoding="utf-8"?>
+<p:notes xmlns:a="http://schemas.openxmlformats.org/drawingml/2006/main" xmlns:r="http://schemas.openxmlformats.org/officeDocument/2006/relationships" xmlns:p="http://schemas.openxmlformats.org/presentationml/2006/main">
+  <p:cSld>
+    <p:spTree>
+      <p:nvGrpSpPr>
+        <p:cNvPr id="1" name=""/>
+        <p:cNvGrpSpPr/>
+        <p:nvPr/>
+      </p:nvGrpSpPr>
+      <p:grpSpPr>
+        <a:xfrm>
+          <a:off x="0" y="0"/>
+          <a:ext cx="0" cy="0"/>
+          <a:chOff x="0" y="0"/>
+          <a:chExt cx="0" cy="0"/>
+        </a:xfrm>
+      </p:grpSpPr>
+      <p:sp>
+        <p:nvSpPr>
+          <p:cNvPr id="2" name="Folienbildplatzhalter 1"/>
+          <p:cNvSpPr>
+            <a:spLocks noGrp="1" noRot="1" noChangeAspect="1"/>
+          </p:cNvSpPr>
+          <p:nvPr>
+            <p:ph type="sldImg"/>
+          </p:nvPr>
+        </p:nvSpPr>
+        <p:spPr/>
+      </p:sp>
+      <p:sp>
+        <p:nvSpPr>
+          <p:cNvPr id="3" name="Notizenplatzhalter 2"/>
+          <p:cNvSpPr>
+            <a:spLocks noGrp="1"/>
+          </p:cNvSpPr>
+          <p:nvPr>
+            <p:ph type="body" idx="1"/>
+          </p:nvPr>
+        </p:nvSpPr>
+        <p:spPr/>
+        <p:txBody>
+          <a:bodyPr/>
+          <a:lstStyle/>
+          <a:p>
+            <a:r>
+              <a:rPr lang="de-CH" dirty="0"/>
+              <a:t>UAV 1 -&gt; UAV 2: Paket 1UAV 2 -&gt; UAV 1: </a:t>
+            </a:r>
+            <a:r>
+              <a:rPr lang="de-CH" dirty="0" err="1"/>
+              <a:t>Ack</a:t>
+            </a:r>
+            <a:r>
+              <a:rPr lang="de-CH" dirty="0"/>
+              <a:t> Paket 1UAV 1 --&gt; UAV 2: Paket 2UAV 1 --&gt; UAV 2: Paket 2UAV 1 -&gt; UAV 2: Paket 2UAV 2 -&gt; UAV 1: </a:t>
+            </a:r>
+            <a:r>
+              <a:rPr lang="de-CH" dirty="0" err="1"/>
+              <a:t>Ack</a:t>
+            </a:r>
+            <a:r>
+              <a:rPr lang="de-CH" dirty="0"/>
+              <a:t> Paket 2UAV 1 -&gt; UAV 2: Paket 3UAV 2 -&gt; UAV 1: </a:t>
+            </a:r>
+            <a:r>
+              <a:rPr lang="de-CH" dirty="0" err="1"/>
+              <a:t>Ack</a:t>
+            </a:r>
+            <a:r>
+              <a:rPr lang="de-CH" dirty="0"/>
+              <a:t> Paket 3</a:t>
+            </a:r>
+          </a:p>
+        </p:txBody>
+      </p:sp>
+      <p:sp>
+        <p:nvSpPr>
+          <p:cNvPr id="4" name="Foliennummernplatzhalter 3"/>
+          <p:cNvSpPr>
+            <a:spLocks noGrp="1"/>
+          </p:cNvSpPr>
+          <p:nvPr>
+            <p:ph type="sldNum" sz="quarter" idx="10"/>
+          </p:nvPr>
+        </p:nvSpPr>
+        <p:spPr/>
+        <p:txBody>
+          <a:bodyPr/>
+          <a:lstStyle/>
+          <a:p>
+            <a:fld id="{C093BCC5-7CCA-45E0-AB4A-49099C6DCF85}" type="slidenum">
+              <a:rPr lang="de-CH" smtClean="0"/>
+              <a:t>27</a:t>
+            </a:fld>
+            <a:endParaRPr lang="de-CH"/>
+          </a:p>
+        </p:txBody>
+      </p:sp>
+    </p:spTree>
+    <p:extLst>
+      <p:ext uri="{BB962C8B-B14F-4D97-AF65-F5344CB8AC3E}">
+        <p14:creationId xmlns:p14="http://schemas.microsoft.com/office/powerpoint/2010/main" val="3890471973"/>
+      </p:ext>
+    </p:extLst>
+  </p:cSld>
+  <p:clrMapOvr>
+    <a:masterClrMapping/>
+  </p:clrMapOvr>
+</p:notes>
+</file>
+
+<file path=ppt/notesSlides/notesSlide26.xml><?xml version="1.0" encoding="utf-8"?>
+<p:notes xmlns:a="http://schemas.openxmlformats.org/drawingml/2006/main" xmlns:r="http://schemas.openxmlformats.org/officeDocument/2006/relationships" xmlns:p="http://schemas.openxmlformats.org/presentationml/2006/main">
+  <p:cSld>
+    <p:spTree>
+      <p:nvGrpSpPr>
+        <p:cNvPr id="1" name=""/>
+        <p:cNvGrpSpPr/>
+        <p:nvPr/>
+      </p:nvGrpSpPr>
+      <p:grpSpPr>
+        <a:xfrm>
+          <a:off x="0" y="0"/>
+          <a:ext cx="0" cy="0"/>
+          <a:chOff x="0" y="0"/>
+          <a:chExt cx="0" cy="0"/>
+        </a:xfrm>
+      </p:grpSpPr>
+      <p:sp>
+        <p:nvSpPr>
+          <p:cNvPr id="2" name="Folienbildplatzhalter 1"/>
+          <p:cNvSpPr>
+            <a:spLocks noGrp="1" noRot="1" noChangeAspect="1"/>
+          </p:cNvSpPr>
+          <p:nvPr>
+            <p:ph type="sldImg"/>
+          </p:nvPr>
+        </p:nvSpPr>
+        <p:spPr/>
+      </p:sp>
+      <p:sp>
+        <p:nvSpPr>
+          <p:cNvPr id="3" name="Notizenplatzhalter 2"/>
+          <p:cNvSpPr>
+            <a:spLocks noGrp="1"/>
+          </p:cNvSpPr>
+          <p:nvPr>
+            <p:ph type="body" idx="1"/>
+          </p:nvPr>
+        </p:nvSpPr>
+        <p:spPr/>
+        <p:txBody>
+          <a:bodyPr/>
+          <a:lstStyle/>
+          <a:p>
+            <a:r>
+              <a:rPr lang="de-CH" dirty="0"/>
+              <a:t>UAV 1 -&gt; UAV 2: Paket 1UAV 1 -&gt; UAV 2: Paket 2UAV 1 --&gt; UAV 2: Paket 3UAV 1 -&gt; UAV 2: Paket 4UAV 2 -&gt; UAV 1: </a:t>
+            </a:r>
+            <a:r>
+              <a:rPr lang="de-CH" dirty="0" err="1"/>
+              <a:t>Resend</a:t>
+            </a:r>
+            <a:r>
+              <a:rPr lang="de-CH" dirty="0"/>
+              <a:t> Paket 3UAV 1 -&gt; UAV 2: Paket 3</a:t>
+            </a:r>
+          </a:p>
+        </p:txBody>
+      </p:sp>
+      <p:sp>
+        <p:nvSpPr>
+          <p:cNvPr id="4" name="Foliennummernplatzhalter 3"/>
+          <p:cNvSpPr>
+            <a:spLocks noGrp="1"/>
+          </p:cNvSpPr>
+          <p:nvPr>
+            <p:ph type="sldNum" sz="quarter" idx="10"/>
+          </p:nvPr>
+        </p:nvSpPr>
+        <p:spPr/>
+        <p:txBody>
+          <a:bodyPr/>
+          <a:lstStyle/>
+          <a:p>
+            <a:fld id="{C093BCC5-7CCA-45E0-AB4A-49099C6DCF85}" type="slidenum">
+              <a:rPr lang="de-CH" smtClean="0"/>
+              <a:t>28</a:t>
+            </a:fld>
+            <a:endParaRPr lang="de-CH"/>
+          </a:p>
+        </p:txBody>
+      </p:sp>
+    </p:spTree>
+    <p:extLst>
+      <p:ext uri="{BB962C8B-B14F-4D97-AF65-F5344CB8AC3E}">
+        <p14:creationId xmlns:p14="http://schemas.microsoft.com/office/powerpoint/2010/main" val="3892634992"/>
+      </p:ext>
+    </p:extLst>
+  </p:cSld>
+  <p:clrMapOvr>
+    <a:masterClrMapping/>
+  </p:clrMapOvr>
+</p:notes>
+</file>
+
+<file path=ppt/notesSlides/notesSlide27.xml><?xml version="1.0" encoding="utf-8"?>
+<p:notes xmlns:a="http://schemas.openxmlformats.org/drawingml/2006/main" xmlns:r="http://schemas.openxmlformats.org/officeDocument/2006/relationships" xmlns:p="http://schemas.openxmlformats.org/presentationml/2006/main">
+  <p:cSld>
+    <p:spTree>
+      <p:nvGrpSpPr>
+        <p:cNvPr id="1" name=""/>
+        <p:cNvGrpSpPr/>
+        <p:nvPr/>
+      </p:nvGrpSpPr>
+      <p:grpSpPr>
+        <a:xfrm>
+          <a:off x="0" y="0"/>
+          <a:ext cx="0" cy="0"/>
+          <a:chOff x="0" y="0"/>
+          <a:chExt cx="0" cy="0"/>
+        </a:xfrm>
+      </p:grpSpPr>
+      <p:sp>
+        <p:nvSpPr>
+          <p:cNvPr id="2" name="Folienbildplatzhalter 1"/>
+          <p:cNvSpPr>
+            <a:spLocks noGrp="1" noRot="1" noChangeAspect="1"/>
+          </p:cNvSpPr>
+          <p:nvPr>
+            <p:ph type="sldImg"/>
+          </p:nvPr>
+        </p:nvSpPr>
+        <p:spPr/>
+      </p:sp>
+      <p:sp>
+        <p:nvSpPr>
+          <p:cNvPr id="3" name="Notizenplatzhalter 2"/>
+          <p:cNvSpPr>
+            <a:spLocks noGrp="1"/>
+          </p:cNvSpPr>
+          <p:nvPr>
+            <p:ph type="body" idx="1"/>
+          </p:nvPr>
+        </p:nvSpPr>
+        <p:spPr/>
+        <p:txBody>
+          <a:bodyPr/>
+          <a:lstStyle/>
+          <a:p>
             <a:pPr marL="0" marR="0" lvl="0" indent="0" algn="l" defTabSz="914400" rtl="0" eaLnBrk="1" fontAlgn="auto" latinLnBrk="0" hangingPunct="1">
               <a:lnSpc>
                 <a:spcPct val="100000"/>
@@ -2557,7 +3065,7 @@
           <a:p>
             <a:fld id="{C093BCC5-7CCA-45E0-AB4A-49099C6DCF85}" type="slidenum">
               <a:rPr lang="de-CH" smtClean="0"/>
-              <a:t>31</a:t>
+              <a:t>30</a:t>
             </a:fld>
             <a:endParaRPr lang="de-CH"/>
           </a:p>
@@ -2567,6 +3075,152 @@
     <p:extLst>
       <p:ext uri="{BB962C8B-B14F-4D97-AF65-F5344CB8AC3E}">
         <p14:creationId xmlns:p14="http://schemas.microsoft.com/office/powerpoint/2010/main" val="1831077905"/>
+      </p:ext>
+    </p:extLst>
+  </p:cSld>
+  <p:clrMapOvr>
+    <a:masterClrMapping/>
+  </p:clrMapOvr>
+</p:notes>
+</file>
+
+<file path=ppt/notesSlides/notesSlide28.xml><?xml version="1.0" encoding="utf-8"?>
+<p:notes xmlns:a="http://schemas.openxmlformats.org/drawingml/2006/main" xmlns:r="http://schemas.openxmlformats.org/officeDocument/2006/relationships" xmlns:p="http://schemas.openxmlformats.org/presentationml/2006/main">
+  <p:cSld>
+    <p:spTree>
+      <p:nvGrpSpPr>
+        <p:cNvPr id="1" name=""/>
+        <p:cNvGrpSpPr/>
+        <p:nvPr/>
+      </p:nvGrpSpPr>
+      <p:grpSpPr>
+        <a:xfrm>
+          <a:off x="0" y="0"/>
+          <a:ext cx="0" cy="0"/>
+          <a:chOff x="0" y="0"/>
+          <a:chExt cx="0" cy="0"/>
+        </a:xfrm>
+      </p:grpSpPr>
+      <p:sp>
+        <p:nvSpPr>
+          <p:cNvPr id="2" name="Folienbildplatzhalter 1"/>
+          <p:cNvSpPr>
+            <a:spLocks noGrp="1" noRot="1" noChangeAspect="1"/>
+          </p:cNvSpPr>
+          <p:nvPr>
+            <p:ph type="sldImg"/>
+          </p:nvPr>
+        </p:nvSpPr>
+        <p:spPr/>
+      </p:sp>
+      <p:sp>
+        <p:nvSpPr>
+          <p:cNvPr id="3" name="Notizenplatzhalter 2"/>
+          <p:cNvSpPr>
+            <a:spLocks noGrp="1"/>
+          </p:cNvSpPr>
+          <p:nvPr>
+            <p:ph type="body" idx="1"/>
+          </p:nvPr>
+        </p:nvSpPr>
+        <p:spPr/>
+        <p:txBody>
+          <a:bodyPr/>
+          <a:lstStyle/>
+          <a:p>
+            <a:r>
+              <a:rPr lang="de-CH" dirty="0"/>
+              <a:t>Events wie:</a:t>
+            </a:r>
+          </a:p>
+          <a:p>
+            <a:pPr marL="171450" indent="-171450">
+              <a:buFont typeface="Arial" panose="020B0604020202020204" pitchFamily="34" charset="0"/>
+              <a:buChar char="•"/>
+            </a:pPr>
+            <a:r>
+              <a:rPr lang="de-CH" dirty="0"/>
+              <a:t>Queue Operationen</a:t>
+            </a:r>
+          </a:p>
+          <a:p>
+            <a:pPr marL="171450" indent="-171450">
+              <a:buFont typeface="Arial" panose="020B0604020202020204" pitchFamily="34" charset="0"/>
+              <a:buChar char="•"/>
+            </a:pPr>
+            <a:r>
+              <a:rPr lang="de-CH" dirty="0" err="1"/>
+              <a:t>Context</a:t>
+            </a:r>
+            <a:r>
+              <a:rPr lang="de-CH" dirty="0"/>
+              <a:t> Switches</a:t>
+            </a:r>
+          </a:p>
+          <a:p>
+            <a:pPr marL="171450" indent="-171450">
+              <a:buFont typeface="Arial" panose="020B0604020202020204" pitchFamily="34" charset="0"/>
+              <a:buChar char="•"/>
+            </a:pPr>
+            <a:r>
+              <a:rPr lang="de-CH" dirty="0"/>
+              <a:t>Scheduler Informationen</a:t>
+            </a:r>
+          </a:p>
+          <a:p>
+            <a:pPr marL="171450" indent="-171450">
+              <a:buFont typeface="Arial" panose="020B0604020202020204" pitchFamily="34" charset="0"/>
+              <a:buChar char="•"/>
+            </a:pPr>
+            <a:r>
+              <a:rPr lang="de-CH" dirty="0"/>
+              <a:t>User Events</a:t>
+            </a:r>
+          </a:p>
+          <a:p>
+            <a:pPr marL="171450" indent="-171450">
+              <a:buFont typeface="Arial" panose="020B0604020202020204" pitchFamily="34" charset="0"/>
+              <a:buChar char="•"/>
+            </a:pPr>
+            <a:r>
+              <a:rPr lang="de-CH" dirty="0"/>
+              <a:t>Memory Heap </a:t>
+            </a:r>
+            <a:r>
+              <a:rPr lang="de-CH" dirty="0" err="1"/>
+              <a:t>Utilization</a:t>
+            </a:r>
+            <a:endParaRPr lang="de-CH" dirty="0"/>
+          </a:p>
+        </p:txBody>
+      </p:sp>
+      <p:sp>
+        <p:nvSpPr>
+          <p:cNvPr id="4" name="Foliennummernplatzhalter 3"/>
+          <p:cNvSpPr>
+            <a:spLocks noGrp="1"/>
+          </p:cNvSpPr>
+          <p:nvPr>
+            <p:ph type="sldNum" sz="quarter" idx="10"/>
+          </p:nvPr>
+        </p:nvSpPr>
+        <p:spPr/>
+        <p:txBody>
+          <a:bodyPr/>
+          <a:lstStyle/>
+          <a:p>
+            <a:fld id="{C093BCC5-7CCA-45E0-AB4A-49099C6DCF85}" type="slidenum">
+              <a:rPr lang="de-CH" smtClean="0"/>
+              <a:t>31</a:t>
+            </a:fld>
+            <a:endParaRPr lang="de-CH"/>
+          </a:p>
+        </p:txBody>
+      </p:sp>
+    </p:spTree>
+    <p:extLst>
+      <p:ext uri="{BB962C8B-B14F-4D97-AF65-F5344CB8AC3E}">
+        <p14:creationId xmlns:p14="http://schemas.microsoft.com/office/powerpoint/2010/main" val="3052570408"/>
       </p:ext>
     </p:extLst>
   </p:cSld>
@@ -3193,6 +3847,12 @@
           <a:p>
             <a:r>
               <a:rPr lang="de-CH" dirty="0"/>
+              <a:t>Free RTOS</a:t>
+            </a:r>
+          </a:p>
+          <a:p>
+            <a:r>
+              <a:rPr lang="de-CH" dirty="0"/>
               <a:t>Task Interkommunikation mit Queues</a:t>
             </a:r>
           </a:p>
@@ -3278,6 +3938,47 @@
           <a:bodyPr/>
           <a:lstStyle/>
           <a:p>
+            <a:r>
+              <a:rPr lang="de-CH" dirty="0"/>
+              <a:t>Verbesserung der Funktionalität der Tasks</a:t>
+            </a:r>
+          </a:p>
+          <a:p>
+            <a:r>
+              <a:rPr lang="de-CH" dirty="0" err="1"/>
+              <a:t>Debug</a:t>
+            </a:r>
+            <a:r>
+              <a:rPr lang="de-CH" dirty="0"/>
+              <a:t> Informationen</a:t>
+            </a:r>
+          </a:p>
+          <a:p>
+            <a:r>
+              <a:rPr lang="de-CH" dirty="0" err="1"/>
+              <a:t>Logging</a:t>
+            </a:r>
+            <a:endParaRPr lang="de-CH" dirty="0"/>
+          </a:p>
+          <a:p>
+            <a:r>
+              <a:rPr lang="de-CH" dirty="0" err="1"/>
+              <a:t>Acknowledge</a:t>
+            </a:r>
+            <a:r>
+              <a:rPr lang="de-CH" dirty="0"/>
+              <a:t> Handling</a:t>
+            </a:r>
+          </a:p>
+          <a:p>
+            <a:r>
+              <a:rPr lang="de-CH" dirty="0"/>
+              <a:t>Mehr </a:t>
+            </a:r>
+            <a:r>
+              <a:rPr lang="de-CH" dirty="0" err="1"/>
+              <a:t>Configurationsoptionen</a:t>
+            </a:r>
             <a:endParaRPr lang="de-CH" dirty="0"/>
           </a:p>
         </p:txBody>
@@ -3364,21 +4065,19 @@
           <a:p>
             <a:r>
               <a:rPr lang="de-CH" dirty="0"/>
-              <a:t>Vorher: Analyse mit </a:t>
-            </a:r>
-            <a:r>
-              <a:rPr lang="de-CH" dirty="0" err="1"/>
-              <a:t>SystemView</a:t>
-            </a:r>
+              <a:t>Es werden alle Felder eines Pakets geloggt</a:t>
+            </a:r>
+          </a:p>
+          <a:p>
             <a:r>
               <a:rPr lang="de-CH" dirty="0"/>
-              <a:t> -&gt; Limitiert</a:t>
+              <a:t>CSV</a:t>
             </a:r>
           </a:p>
           <a:p>
             <a:r>
               <a:rPr lang="de-CH" dirty="0"/>
-              <a:t>Durchschnittliche Auslastung unter 50%</a:t>
+              <a:t>In Hex</a:t>
             </a:r>
           </a:p>
         </p:txBody>
@@ -3400,7 +4099,7 @@
           <a:p>
             <a:fld id="{C093BCC5-7CCA-45E0-AB4A-49099C6DCF85}" type="slidenum">
               <a:rPr lang="de-CH" smtClean="0"/>
-              <a:t>9</a:t>
+              <a:t>8</a:t>
             </a:fld>
             <a:endParaRPr lang="de-CH"/>
           </a:p>
@@ -3409,7 +4108,7 @@
     </p:spTree>
     <p:extLst>
       <p:ext uri="{BB962C8B-B14F-4D97-AF65-F5344CB8AC3E}">
-        <p14:creationId xmlns:p14="http://schemas.microsoft.com/office/powerpoint/2010/main" val="1848502310"/>
+        <p14:creationId xmlns:p14="http://schemas.microsoft.com/office/powerpoint/2010/main" val="4065640809"/>
       </p:ext>
     </p:extLst>
   </p:cSld>
@@ -3463,7 +4162,53 @@
           <a:bodyPr/>
           <a:lstStyle/>
           <a:p>
+            <a:r>
+              <a:rPr lang="de-CH" dirty="0"/>
+              <a:t>Vorher: Analyse mit </a:t>
+            </a:r>
+            <a:r>
+              <a:rPr lang="de-CH" dirty="0" err="1"/>
+              <a:t>SystemView</a:t>
+            </a:r>
+            <a:r>
+              <a:rPr lang="de-CH" dirty="0"/>
+              <a:t> -&gt; Limitiert</a:t>
+            </a:r>
+          </a:p>
+          <a:p>
+            <a:r>
+              <a:rPr lang="de-CH" dirty="0"/>
+              <a:t>Ursache für sporadische </a:t>
+            </a:r>
+            <a:r>
+              <a:rPr lang="de-CH" dirty="0" err="1"/>
+              <a:t>Hardfaults</a:t>
+            </a:r>
             <a:endParaRPr lang="de-CH" dirty="0"/>
+          </a:p>
+          <a:p>
+            <a:r>
+              <a:rPr lang="de-CH" dirty="0"/>
+              <a:t>Durchschnittliche Auslastung unter 50%</a:t>
+            </a:r>
+          </a:p>
+          <a:p>
+            <a:endParaRPr lang="de-CH" dirty="0"/>
+          </a:p>
+          <a:p>
+            <a:r>
+              <a:rPr lang="de-CH" dirty="0"/>
+              <a:t>Systemperformance -&gt; Genügend Restbandbreite</a:t>
+            </a:r>
+          </a:p>
+          <a:p>
+            <a:endParaRPr lang="de-CH" dirty="0"/>
+          </a:p>
+          <a:p>
+            <a:r>
+              <a:rPr lang="de-CH" dirty="0"/>
+              <a:t>Gefühl für SW</a:t>
+            </a:r>
           </a:p>
         </p:txBody>
       </p:sp>
@@ -3484,7 +4229,7 @@
           <a:p>
             <a:fld id="{C093BCC5-7CCA-45E0-AB4A-49099C6DCF85}" type="slidenum">
               <a:rPr lang="de-CH" smtClean="0"/>
-              <a:t>10</a:t>
+              <a:t>9</a:t>
             </a:fld>
             <a:endParaRPr lang="de-CH"/>
           </a:p>
@@ -3493,7 +4238,7 @@
     </p:spTree>
     <p:extLst>
       <p:ext uri="{BB962C8B-B14F-4D97-AF65-F5344CB8AC3E}">
-        <p14:creationId xmlns:p14="http://schemas.microsoft.com/office/powerpoint/2010/main" val="3993785925"/>
+        <p14:creationId xmlns:p14="http://schemas.microsoft.com/office/powerpoint/2010/main" val="1848502310"/>
       </p:ext>
     </p:extLst>
   </p:cSld>
@@ -3645,7 +4390,7 @@
           <a:p>
             <a:fld id="{92CE9487-10DE-4EA8-8D1D-84FCF9B20CFC}" type="datetime1">
               <a:rPr lang="de-CH" smtClean="0"/>
-              <a:t>17.04.2018</a:t>
+              <a:t>18.04.2018</a:t>
             </a:fld>
             <a:endParaRPr lang="de-CH"/>
           </a:p>
@@ -3815,7 +4560,7 @@
           <a:p>
             <a:fld id="{83332150-A9D6-40FB-BE6F-C5629BD853BC}" type="datetime1">
               <a:rPr lang="de-CH" smtClean="0"/>
-              <a:t>17.04.2018</a:t>
+              <a:t>18.04.2018</a:t>
             </a:fld>
             <a:endParaRPr lang="de-CH"/>
           </a:p>
@@ -3995,7 +4740,7 @@
           <a:p>
             <a:fld id="{C8473188-3ED0-4682-87BA-909D93137063}" type="datetime1">
               <a:rPr lang="de-CH" smtClean="0"/>
-              <a:t>17.04.2018</a:t>
+              <a:t>18.04.2018</a:t>
             </a:fld>
             <a:endParaRPr lang="de-CH"/>
           </a:p>
@@ -4198,7 +4943,7 @@
           <a:p>
             <a:fld id="{65C2BF4A-4526-4D96-8702-9951490F0FE7}" type="datetime1">
               <a:rPr lang="de-CH" smtClean="0"/>
-              <a:t>17.04.2018</a:t>
+              <a:t>18.04.2018</a:t>
             </a:fld>
             <a:endParaRPr lang="de-CH"/>
           </a:p>
@@ -4368,7 +5113,7 @@
           <a:p>
             <a:fld id="{43C8F7DD-D873-4E60-B233-D89B22E1F5D8}" type="datetime1">
               <a:rPr lang="de-CH" smtClean="0"/>
-              <a:t>17.04.2018</a:t>
+              <a:t>18.04.2018</a:t>
             </a:fld>
             <a:endParaRPr lang="de-CH"/>
           </a:p>
@@ -4619,7 +5364,7 @@
           <a:p>
             <a:fld id="{149D7BEA-DFAD-4CB4-89BF-40585BAD0A33}" type="datetime1">
               <a:rPr lang="de-CH" smtClean="0"/>
-              <a:t>17.04.2018</a:t>
+              <a:t>18.04.2018</a:t>
             </a:fld>
             <a:endParaRPr lang="de-CH"/>
           </a:p>
@@ -4851,7 +5596,7 @@
           <a:p>
             <a:fld id="{8109CB25-12FF-4140-803D-9C58BA8166B6}" type="datetime1">
               <a:rPr lang="de-CH" smtClean="0"/>
-              <a:t>17.04.2018</a:t>
+              <a:t>18.04.2018</a:t>
             </a:fld>
             <a:endParaRPr lang="de-CH"/>
           </a:p>
@@ -5198,7 +5943,7 @@
           <a:p>
             <a:fld id="{E49C82DB-954F-417E-91A4-7B5C41176F8E}" type="datetime1">
               <a:rPr lang="de-CH" smtClean="0"/>
-              <a:t>17.04.2018</a:t>
+              <a:t>18.04.2018</a:t>
             </a:fld>
             <a:endParaRPr lang="de-CH"/>
           </a:p>
@@ -5316,7 +6061,7 @@
           <a:p>
             <a:fld id="{1A4FE7C4-7F4E-44B3-BE44-5976C495AD96}" type="datetime1">
               <a:rPr lang="de-CH" smtClean="0"/>
-              <a:t>17.04.2018</a:t>
+              <a:t>18.04.2018</a:t>
             </a:fld>
             <a:endParaRPr lang="de-CH"/>
           </a:p>
@@ -5434,7 +6179,7 @@
           <a:p>
             <a:fld id="{8D63DBB3-2E98-4120-8C76-0865BC0F6F38}" type="datetime1">
               <a:rPr lang="de-CH" smtClean="0"/>
-              <a:t>17.04.2018</a:t>
+              <a:t>18.04.2018</a:t>
             </a:fld>
             <a:endParaRPr lang="de-CH"/>
           </a:p>
@@ -5718,7 +6463,7 @@
           <a:p>
             <a:fld id="{F0D36B8A-40A6-4BBD-B731-76408BF4141C}" type="datetime1">
               <a:rPr lang="de-CH" smtClean="0"/>
-              <a:t>17.04.2018</a:t>
+              <a:t>18.04.2018</a:t>
             </a:fld>
             <a:endParaRPr lang="de-CH"/>
           </a:p>
@@ -5888,7 +6633,7 @@
           <a:p>
             <a:fld id="{396C5428-DF1E-4725-AAB3-628E44D8A387}" type="datetime1">
               <a:rPr lang="de-CH" smtClean="0"/>
-              <a:t>17.04.2018</a:t>
+              <a:t>18.04.2018</a:t>
             </a:fld>
             <a:endParaRPr lang="de-CH"/>
           </a:p>
@@ -6152,7 +6897,7 @@
           <a:p>
             <a:fld id="{E8259DAA-D1FC-4B12-B366-02E63DC40342}" type="datetime1">
               <a:rPr lang="de-CH" smtClean="0"/>
-              <a:t>17.04.2018</a:t>
+              <a:t>18.04.2018</a:t>
             </a:fld>
             <a:endParaRPr lang="de-CH"/>
           </a:p>
@@ -6322,7 +7067,7 @@
           <a:p>
             <a:fld id="{37373F8E-FCD9-49D9-90CB-01839E6A306E}" type="datetime1">
               <a:rPr lang="de-CH" smtClean="0"/>
-              <a:t>17.04.2018</a:t>
+              <a:t>18.04.2018</a:t>
             </a:fld>
             <a:endParaRPr lang="de-CH"/>
           </a:p>
@@ -6502,7 +7247,7 @@
           <a:p>
             <a:fld id="{870CA733-F26B-429B-B0FC-16009E4F39F0}" type="datetime1">
               <a:rPr lang="de-CH" smtClean="0"/>
-              <a:t>17.04.2018</a:t>
+              <a:t>18.04.2018</a:t>
             </a:fld>
             <a:endParaRPr lang="de-CH"/>
           </a:p>
@@ -6789,7 +7534,7 @@
           <a:p>
             <a:fld id="{E6D0F6AB-384F-447E-9CF8-0093FEDDFC7C}" type="datetime1">
               <a:rPr lang="de-CH" smtClean="0"/>
-              <a:t>17.04.2018</a:t>
+              <a:t>18.04.2018</a:t>
             </a:fld>
             <a:endParaRPr lang="de-CH"/>
           </a:p>
@@ -7001,7 +7746,7 @@
           <a:p>
             <a:fld id="{F5778BB4-303D-4672-AA3B-83AA861A7E39}" type="datetime1">
               <a:rPr lang="de-CH" smtClean="0"/>
-              <a:t>17.04.2018</a:t>
+              <a:t>18.04.2018</a:t>
             </a:fld>
             <a:endParaRPr lang="de-CH"/>
           </a:p>
@@ -7344,7 +8089,7 @@
           <a:p>
             <a:fld id="{A95F7576-1D67-4ED5-A4E2-E450DFB5B748}" type="datetime1">
               <a:rPr lang="de-CH" smtClean="0"/>
-              <a:t>17.04.2018</a:t>
+              <a:t>18.04.2018</a:t>
             </a:fld>
             <a:endParaRPr lang="de-CH"/>
           </a:p>
@@ -7619,7 +8364,7 @@
           <a:p>
             <a:fld id="{7D0C20F2-EC42-42D6-9E45-4461E831E47E}" type="datetime1">
               <a:rPr lang="de-CH" smtClean="0"/>
-              <a:t>17.04.2018</a:t>
+              <a:t>18.04.2018</a:t>
             </a:fld>
             <a:endParaRPr lang="de-CH"/>
           </a:p>
@@ -7998,7 +8743,7 @@
           <a:p>
             <a:fld id="{ECB9E0B9-4244-43E6-87F5-48C80A9D44AA}" type="datetime1">
               <a:rPr lang="de-CH" smtClean="0"/>
-              <a:t>17.04.2018</a:t>
+              <a:t>18.04.2018</a:t>
             </a:fld>
             <a:endParaRPr lang="de-CH"/>
           </a:p>
@@ -8116,7 +8861,7 @@
           <a:p>
             <a:fld id="{B738B2F3-F3B0-471D-8C57-C9A2C6BBA265}" type="datetime1">
               <a:rPr lang="de-CH" smtClean="0"/>
-              <a:t>17.04.2018</a:t>
+              <a:t>18.04.2018</a:t>
             </a:fld>
             <a:endParaRPr lang="de-CH"/>
           </a:p>
@@ -8287,7 +9032,7 @@
           <a:p>
             <a:fld id="{87708ADB-AD29-45F0-A3FB-B22995FC611D}" type="datetime1">
               <a:rPr lang="de-CH" smtClean="0"/>
-              <a:t>17.04.2018</a:t>
+              <a:t>18.04.2018</a:t>
             </a:fld>
             <a:endParaRPr lang="de-CH"/>
           </a:p>
@@ -8546,7 +9291,7 @@
           <a:p>
             <a:fld id="{21AEB89C-ED84-4AD9-9A82-80ADD1344A4B}" type="datetime1">
               <a:rPr lang="de-CH" smtClean="0"/>
-              <a:t>17.04.2018</a:t>
+              <a:t>18.04.2018</a:t>
             </a:fld>
             <a:endParaRPr lang="de-CH"/>
           </a:p>
@@ -8892,7 +9637,7 @@
           <a:p>
             <a:fld id="{610FFF6B-D0D1-4579-AAED-6CD5F0A486F4}" type="datetime1">
               <a:rPr lang="de-CH" smtClean="0"/>
-              <a:t>17.04.2018</a:t>
+              <a:t>18.04.2018</a:t>
             </a:fld>
             <a:endParaRPr lang="de-CH"/>
           </a:p>
@@ -9274,7 +10019,7 @@
           <a:p>
             <a:fld id="{954196E6-7469-49B3-9445-AB465F733898}" type="datetime1">
               <a:rPr lang="de-CH" smtClean="0"/>
-              <a:t>17.04.2018</a:t>
+              <a:t>18.04.2018</a:t>
             </a:fld>
             <a:endParaRPr lang="de-CH"/>
           </a:p>
@@ -9444,7 +10189,7 @@
           <a:p>
             <a:fld id="{E6DE0F54-C5EC-4D97-984B-2AD282216334}" type="datetime1">
               <a:rPr lang="de-CH" smtClean="0"/>
-              <a:t>17.04.2018</a:t>
+              <a:t>18.04.2018</a:t>
             </a:fld>
             <a:endParaRPr lang="de-CH"/>
           </a:p>
@@ -9700,7 +10445,7 @@
           <a:p>
             <a:fld id="{345F5FC5-6410-4525-9A08-F5CD1EF27B32}" type="datetime1">
               <a:rPr lang="de-CH" smtClean="0"/>
-              <a:t>17.04.2018</a:t>
+              <a:t>18.04.2018</a:t>
             </a:fld>
             <a:endParaRPr lang="de-CH"/>
           </a:p>
@@ -9932,7 +10677,7 @@
           <a:p>
             <a:fld id="{CEABC657-CBC9-4E2F-9FCD-158D0183269F}" type="datetime1">
               <a:rPr lang="de-CH" smtClean="0"/>
-              <a:t>17.04.2018</a:t>
+              <a:t>18.04.2018</a:t>
             </a:fld>
             <a:endParaRPr lang="de-CH"/>
           </a:p>
@@ -10279,7 +11024,7 @@
           <a:p>
             <a:fld id="{FFD4F182-C9A8-4D9D-A2E4-72C935D075E0}" type="datetime1">
               <a:rPr lang="de-CH" smtClean="0"/>
-              <a:t>17.04.2018</a:t>
+              <a:t>18.04.2018</a:t>
             </a:fld>
             <a:endParaRPr lang="de-CH"/>
           </a:p>
@@ -10397,7 +11142,7 @@
           <a:p>
             <a:fld id="{C7671364-9E0D-4519-B9C5-83A99FBDCBB2}" type="datetime1">
               <a:rPr lang="de-CH" smtClean="0"/>
-              <a:t>17.04.2018</a:t>
+              <a:t>18.04.2018</a:t>
             </a:fld>
             <a:endParaRPr lang="de-CH"/>
           </a:p>
@@ -10515,7 +11260,7 @@
           <a:p>
             <a:fld id="{89733557-EEB0-45FF-AD20-63522B86D12D}" type="datetime1">
               <a:rPr lang="de-CH" smtClean="0"/>
-              <a:t>17.04.2018</a:t>
+              <a:t>18.04.2018</a:t>
             </a:fld>
             <a:endParaRPr lang="de-CH"/>
           </a:p>
@@ -10799,7 +11544,7 @@
           <a:p>
             <a:fld id="{6BF3A0D4-5DA8-42FA-A5FE-56F3763FA9E2}" type="datetime1">
               <a:rPr lang="de-CH" smtClean="0"/>
-              <a:t>17.04.2018</a:t>
+              <a:t>18.04.2018</a:t>
             </a:fld>
             <a:endParaRPr lang="de-CH"/>
           </a:p>
@@ -11063,7 +11808,7 @@
           <a:p>
             <a:fld id="{B83A332D-C851-4BD6-99EC-EF4AFDC1DE5D}" type="datetime1">
               <a:rPr lang="de-CH" smtClean="0"/>
-              <a:t>17.04.2018</a:t>
+              <a:t>18.04.2018</a:t>
             </a:fld>
             <a:endParaRPr lang="de-CH"/>
           </a:p>
@@ -11277,7 +12022,7 @@
           <a:p>
             <a:fld id="{C3CC8473-FCAE-4D01-ABE4-2771877C77F3}" type="datetime1">
               <a:rPr lang="de-CH" smtClean="0"/>
-              <a:t>17.04.2018</a:t>
+              <a:t>18.04.2018</a:t>
             </a:fld>
             <a:endParaRPr lang="de-CH"/>
           </a:p>
@@ -11808,7 +12553,7 @@
           <a:p>
             <a:fld id="{0733927B-B3FF-4DB7-8614-85C1CEC69D97}" type="datetime1">
               <a:rPr lang="de-CH" smtClean="0"/>
-              <a:t>17.04.2018</a:t>
+              <a:t>18.04.2018</a:t>
             </a:fld>
             <a:endParaRPr lang="de-CH"/>
           </a:p>
@@ -12412,7 +13157,7 @@
           <a:p>
             <a:fld id="{5EA9CBA2-FE76-4CD0-B238-CED305050235}" type="datetime1">
               <a:rPr lang="de-CH" smtClean="0"/>
-              <a:t>17.04.2018</a:t>
+              <a:t>18.04.2018</a:t>
             </a:fld>
             <a:endParaRPr lang="de-CH"/>
           </a:p>
@@ -13145,7 +13890,7 @@
         <p:spPr>
           <a:xfrm>
             <a:off x="5365897" y="4748473"/>
-            <a:ext cx="2865143" cy="461665"/>
+            <a:ext cx="2794611" cy="461665"/>
           </a:xfrm>
           <a:prstGeom prst="rect">
             <a:avLst/>
@@ -13160,13 +13905,8 @@
           <a:p>
             <a:r>
               <a:rPr lang="de-CH" sz="2400" dirty="0"/>
-              <a:t>100-250Bps  /  5 </a:t>
-            </a:r>
-            <a:r>
-              <a:rPr lang="de-CH" sz="2400" dirty="0" err="1"/>
-              <a:t>kBps</a:t>
-            </a:r>
-            <a:endParaRPr lang="de-CH" sz="2400" dirty="0"/>
+              <a:t>500 Bps  /  17-30 Bps</a:t>
+            </a:r>
           </a:p>
         </p:txBody>
       </p:sp>
@@ -13230,7 +13970,7 @@
         <p:spPr>
           <a:xfrm>
             <a:off x="5365897" y="5216765"/>
-            <a:ext cx="3001399" cy="461665"/>
+            <a:ext cx="3209789" cy="461665"/>
           </a:xfrm>
           <a:prstGeom prst="rect">
             <a:avLst/>
@@ -13245,7 +13985,15 @@
           <a:p>
             <a:r>
               <a:rPr lang="de-CH" sz="2400" dirty="0"/>
-              <a:t>17-30Bps      /  500 Bps</a:t>
+              <a:t>5 </a:t>
+            </a:r>
+            <a:r>
+              <a:rPr lang="de-CH" sz="2400" dirty="0" err="1"/>
+              <a:t>kBps</a:t>
+            </a:r>
+            <a:r>
+              <a:rPr lang="de-CH" sz="2400" dirty="0"/>
+              <a:t>      /  100-250 Bps</a:t>
             </a:r>
           </a:p>
         </p:txBody>
@@ -13424,125 +14172,6 @@
           <p:cNvPr id="2" name="Foliennummernplatzhalter 1">
             <a:extLst>
               <a:ext uri="{FF2B5EF4-FFF2-40B4-BE49-F238E27FC236}">
-                <a16:creationId xmlns:a16="http://schemas.microsoft.com/office/drawing/2014/main" id="{CAA5C4BF-BE69-4F0D-955E-29C39EAD5319}"/>
-              </a:ext>
-            </a:extLst>
-          </p:cNvPr>
-          <p:cNvSpPr>
-            <a:spLocks noGrp="1"/>
-          </p:cNvSpPr>
-          <p:nvPr>
-            <p:ph type="sldNum" sz="quarter" idx="12"/>
-          </p:nvPr>
-        </p:nvSpPr>
-        <p:spPr/>
-        <p:txBody>
-          <a:bodyPr/>
-          <a:lstStyle/>
-          <a:p>
-            <a:fld id="{7AC51F72-762B-4631-A527-211F5F845826}" type="slidenum">
-              <a:rPr lang="de-CH" smtClean="0"/>
-              <a:t>12</a:t>
-            </a:fld>
-            <a:endParaRPr lang="de-CH"/>
-          </a:p>
-        </p:txBody>
-      </p:sp>
-      <p:pic>
-        <p:nvPicPr>
-          <p:cNvPr id="3" name="Grafik 2">
-            <a:extLst>
-              <a:ext uri="{FF2B5EF4-FFF2-40B4-BE49-F238E27FC236}">
-                <a16:creationId xmlns:a16="http://schemas.microsoft.com/office/drawing/2014/main" id="{5F02902A-1307-45DC-8134-31D32FB720C0}"/>
-              </a:ext>
-            </a:extLst>
-          </p:cNvPr>
-          <p:cNvPicPr>
-            <a:picLocks noChangeAspect="1"/>
-          </p:cNvPicPr>
-          <p:nvPr/>
-        </p:nvPicPr>
-        <p:blipFill>
-          <a:blip r:embed="rId2"/>
-          <a:stretch>
-            <a:fillRect/>
-          </a:stretch>
-        </p:blipFill>
-        <p:spPr>
-          <a:xfrm>
-            <a:off x="111637" y="101600"/>
-            <a:ext cx="6641666" cy="6129867"/>
-          </a:xfrm>
-          <a:prstGeom prst="rect">
-            <a:avLst/>
-          </a:prstGeom>
-        </p:spPr>
-      </p:pic>
-      <p:pic>
-        <p:nvPicPr>
-          <p:cNvPr id="4" name="Grafik 3">
-            <a:extLst>
-              <a:ext uri="{FF2B5EF4-FFF2-40B4-BE49-F238E27FC236}">
-                <a16:creationId xmlns:a16="http://schemas.microsoft.com/office/drawing/2014/main" id="{8C506E2F-2216-4519-B02E-0B92FB6659DF}"/>
-              </a:ext>
-            </a:extLst>
-          </p:cNvPr>
-          <p:cNvPicPr>
-            <a:picLocks noChangeAspect="1"/>
-          </p:cNvPicPr>
-          <p:nvPr/>
-        </p:nvPicPr>
-        <p:blipFill>
-          <a:blip r:embed="rId3"/>
-          <a:stretch>
-            <a:fillRect/>
-          </a:stretch>
-        </p:blipFill>
-        <p:spPr>
-          <a:xfrm>
-            <a:off x="6911048" y="868162"/>
-            <a:ext cx="5213218" cy="4573083"/>
-          </a:xfrm>
-          <a:prstGeom prst="rect">
-            <a:avLst/>
-          </a:prstGeom>
-        </p:spPr>
-      </p:pic>
-    </p:spTree>
-    <p:extLst>
-      <p:ext uri="{BB962C8B-B14F-4D97-AF65-F5344CB8AC3E}">
-        <p14:creationId xmlns:p14="http://schemas.microsoft.com/office/powerpoint/2010/main" val="739450324"/>
-      </p:ext>
-    </p:extLst>
-  </p:cSld>
-  <p:clrMapOvr>
-    <a:masterClrMapping/>
-  </p:clrMapOvr>
-</p:sld>
-</file>
-
-<file path=ppt/slides/slide13.xml><?xml version="1.0" encoding="utf-8"?>
-<p:sld xmlns:a="http://schemas.openxmlformats.org/drawingml/2006/main" xmlns:r="http://schemas.openxmlformats.org/officeDocument/2006/relationships" xmlns:p="http://schemas.openxmlformats.org/presentationml/2006/main">
-  <p:cSld>
-    <p:spTree>
-      <p:nvGrpSpPr>
-        <p:cNvPr id="1" name=""/>
-        <p:cNvGrpSpPr/>
-        <p:nvPr/>
-      </p:nvGrpSpPr>
-      <p:grpSpPr>
-        <a:xfrm>
-          <a:off x="0" y="0"/>
-          <a:ext cx="0" cy="0"/>
-          <a:chOff x="0" y="0"/>
-          <a:chExt cx="0" cy="0"/>
-        </a:xfrm>
-      </p:grpSpPr>
-      <p:sp>
-        <p:nvSpPr>
-          <p:cNvPr id="2" name="Foliennummernplatzhalter 1">
-            <a:extLst>
-              <a:ext uri="{FF2B5EF4-FFF2-40B4-BE49-F238E27FC236}">
                 <a16:creationId xmlns:a16="http://schemas.microsoft.com/office/drawing/2014/main" id="{F5B548F3-EFB4-47E2-A1BF-8DFEB2E49471}"/>
               </a:ext>
             </a:extLst>
@@ -13561,7 +14190,7 @@
           <a:p>
             <a:fld id="{7AC51F72-762B-4631-A527-211F5F845826}" type="slidenum">
               <a:rPr lang="de-CH" smtClean="0"/>
-              <a:t>13</a:t>
+              <a:t>12</a:t>
             </a:fld>
             <a:endParaRPr lang="de-CH"/>
           </a:p>
@@ -13610,7 +14239,7 @@
 </p:sld>
 </file>
 
-<file path=ppt/slides/slide14.xml><?xml version="1.0" encoding="utf-8"?>
+<file path=ppt/slides/slide13.xml><?xml version="1.0" encoding="utf-8"?>
 <p:sld xmlns:a="http://schemas.openxmlformats.org/drawingml/2006/main" xmlns:r="http://schemas.openxmlformats.org/officeDocument/2006/relationships" xmlns:p="http://schemas.openxmlformats.org/presentationml/2006/main">
   <p:cSld>
     <p:spTree>
@@ -13650,7 +14279,7 @@
           <a:p>
             <a:fld id="{7AC51F72-762B-4631-A527-211F5F845826}" type="slidenum">
               <a:rPr lang="de-CH" smtClean="0"/>
-              <a:t>14</a:t>
+              <a:t>13</a:t>
             </a:fld>
             <a:endParaRPr lang="de-CH"/>
           </a:p>
@@ -13729,7 +14358,7 @@
 </p:sld>
 </file>
 
-<file path=ppt/slides/slide15.xml><?xml version="1.0" encoding="utf-8"?>
+<file path=ppt/slides/slide14.xml><?xml version="1.0" encoding="utf-8"?>
 <p:sld xmlns:a="http://schemas.openxmlformats.org/drawingml/2006/main" xmlns:r="http://schemas.openxmlformats.org/officeDocument/2006/relationships" xmlns:p="http://schemas.openxmlformats.org/presentationml/2006/main">
   <p:cSld>
     <p:spTree>
@@ -13797,7 +14426,7 @@
           <a:p>
             <a:fld id="{7AC51F72-762B-4631-A527-211F5F845826}" type="slidenum">
               <a:rPr lang="de-CH" smtClean="0"/>
-              <a:t>15</a:t>
+              <a:t>14</a:t>
             </a:fld>
             <a:endParaRPr lang="de-CH"/>
           </a:p>
@@ -14220,7 +14849,7 @@
 </p:sld>
 </file>
 
-<file path=ppt/slides/slide16.xml><?xml version="1.0" encoding="utf-8"?>
+<file path=ppt/slides/slide15.xml><?xml version="1.0" encoding="utf-8"?>
 <p:sld xmlns:a="http://schemas.openxmlformats.org/drawingml/2006/main" xmlns:r="http://schemas.openxmlformats.org/officeDocument/2006/relationships" xmlns:p="http://schemas.openxmlformats.org/presentationml/2006/main">
   <p:cSld>
     <p:spTree>
@@ -14281,7 +14910,7 @@
             <p:ph sz="half" idx="2"/>
             <p:extLst>
               <p:ext uri="{D42A27DB-BD31-4B8C-83A1-F6EECF244321}">
-                <p14:modId xmlns:p14="http://schemas.microsoft.com/office/powerpoint/2010/main" val="1867295458"/>
+                <p14:modId xmlns:p14="http://schemas.microsoft.com/office/powerpoint/2010/main" val="3492465012"/>
               </p:ext>
             </p:extLst>
           </p:nvPr>
@@ -14686,7 +15315,7 @@
                       </a:pPr>
                       <a:r>
                         <a:rPr lang="de-CH" dirty="0"/>
-                        <a:t>-</a:t>
+                        <a:t>?</a:t>
                       </a:r>
                     </a:p>
                   </a:txBody>
@@ -15056,7 +15685,7 @@
           <a:p>
             <a:fld id="{7AC51F72-762B-4631-A527-211F5F845826}" type="slidenum">
               <a:rPr lang="de-CH" smtClean="0"/>
-              <a:t>16</a:t>
+              <a:t>15</a:t>
             </a:fld>
             <a:endParaRPr lang="de-CH"/>
           </a:p>
@@ -15066,6 +15695,535 @@
     <p:extLst>
       <p:ext uri="{BB962C8B-B14F-4D97-AF65-F5344CB8AC3E}">
         <p14:creationId xmlns:p14="http://schemas.microsoft.com/office/powerpoint/2010/main" val="4150390200"/>
+      </p:ext>
+    </p:extLst>
+  </p:cSld>
+  <p:clrMapOvr>
+    <a:masterClrMapping/>
+  </p:clrMapOvr>
+</p:sld>
+</file>
+
+<file path=ppt/slides/slide16.xml><?xml version="1.0" encoding="utf-8"?>
+<p:sld xmlns:a="http://schemas.openxmlformats.org/drawingml/2006/main" xmlns:r="http://schemas.openxmlformats.org/officeDocument/2006/relationships" xmlns:p="http://schemas.openxmlformats.org/presentationml/2006/main">
+  <p:cSld>
+    <p:spTree>
+      <p:nvGrpSpPr>
+        <p:cNvPr id="1" name=""/>
+        <p:cNvGrpSpPr/>
+        <p:nvPr/>
+      </p:nvGrpSpPr>
+      <p:grpSpPr>
+        <a:xfrm>
+          <a:off x="0" y="0"/>
+          <a:ext cx="0" cy="0"/>
+          <a:chOff x="0" y="0"/>
+          <a:chExt cx="0" cy="0"/>
+        </a:xfrm>
+      </p:grpSpPr>
+      <p:sp>
+        <p:nvSpPr>
+          <p:cNvPr id="2" name="Titel 1">
+            <a:extLst>
+              <a:ext uri="{FF2B5EF4-FFF2-40B4-BE49-F238E27FC236}">
+                <a16:creationId xmlns:a16="http://schemas.microsoft.com/office/drawing/2014/main" id="{738FF16F-A08F-47B3-B38F-AA9C9AF71518}"/>
+              </a:ext>
+            </a:extLst>
+          </p:cNvPr>
+          <p:cNvSpPr>
+            <a:spLocks noGrp="1"/>
+          </p:cNvSpPr>
+          <p:nvPr>
+            <p:ph type="title"/>
+          </p:nvPr>
+        </p:nvSpPr>
+        <p:spPr/>
+        <p:txBody>
+          <a:bodyPr/>
+          <a:lstStyle/>
+          <a:p>
+            <a:r>
+              <a:rPr lang="de-CH" dirty="0"/>
+              <a:t>Zuverlässigkeit</a:t>
+            </a:r>
+          </a:p>
+        </p:txBody>
+      </p:sp>
+      <p:sp>
+        <p:nvSpPr>
+          <p:cNvPr id="5" name="Foliennummernplatzhalter 4">
+            <a:extLst>
+              <a:ext uri="{FF2B5EF4-FFF2-40B4-BE49-F238E27FC236}">
+                <a16:creationId xmlns:a16="http://schemas.microsoft.com/office/drawing/2014/main" id="{AE134FCB-4BA9-44F7-B1A5-03B54EBBF465}"/>
+              </a:ext>
+            </a:extLst>
+          </p:cNvPr>
+          <p:cNvSpPr>
+            <a:spLocks noGrp="1"/>
+          </p:cNvSpPr>
+          <p:nvPr>
+            <p:ph type="sldNum" sz="quarter" idx="12"/>
+          </p:nvPr>
+        </p:nvSpPr>
+        <p:spPr/>
+        <p:txBody>
+          <a:bodyPr/>
+          <a:lstStyle/>
+          <a:p>
+            <a:fld id="{7AC51F72-762B-4631-A527-211F5F845826}" type="slidenum">
+              <a:rPr lang="de-CH" smtClean="0"/>
+              <a:t>16</a:t>
+            </a:fld>
+            <a:endParaRPr lang="de-CH"/>
+          </a:p>
+        </p:txBody>
+      </p:sp>
+      <p:sp>
+        <p:nvSpPr>
+          <p:cNvPr id="6" name="Inhaltsplatzhalter 2">
+            <a:extLst>
+              <a:ext uri="{FF2B5EF4-FFF2-40B4-BE49-F238E27FC236}">
+                <a16:creationId xmlns:a16="http://schemas.microsoft.com/office/drawing/2014/main" id="{249355D4-76DC-44C9-9E84-C2F0BEE0AF2E}"/>
+              </a:ext>
+            </a:extLst>
+          </p:cNvPr>
+          <p:cNvSpPr txBox="1">
+            <a:spLocks/>
+          </p:cNvSpPr>
+          <p:nvPr/>
+        </p:nvSpPr>
+        <p:spPr>
+          <a:xfrm>
+            <a:off x="1219200" y="1845735"/>
+            <a:ext cx="9936480" cy="4358215"/>
+          </a:xfrm>
+          <a:prstGeom prst="rect">
+            <a:avLst/>
+          </a:prstGeom>
+        </p:spPr>
+        <p:txBody>
+          <a:bodyPr vert="horz" lIns="91440" tIns="45720" rIns="91440" bIns="45720" rtlCol="0" anchor="ctr">
+            <a:normAutofit/>
+          </a:bodyPr>
+          <a:lstStyle>
+            <a:lvl1pPr marL="91440" indent="-91440" algn="l" defTabSz="914400" rtl="0" eaLnBrk="1" latinLnBrk="0" hangingPunct="1">
+              <a:lnSpc>
+                <a:spcPct val="90000"/>
+              </a:lnSpc>
+              <a:spcBef>
+                <a:spcPts val="1200"/>
+              </a:spcBef>
+              <a:spcAft>
+                <a:spcPts val="200"/>
+              </a:spcAft>
+              <a:buClr>
+                <a:schemeClr val="accent1"/>
+              </a:buClr>
+              <a:buSzPct val="100000"/>
+              <a:buFont typeface="Calibri" panose="020F0502020204030204" pitchFamily="34" charset="0"/>
+              <a:buChar char=" "/>
+              <a:defRPr sz="2000" kern="1200">
+                <a:solidFill>
+                  <a:schemeClr val="tx1">
+                    <a:lumMod val="75000"/>
+                    <a:lumOff val="25000"/>
+                  </a:schemeClr>
+                </a:solidFill>
+                <a:latin typeface="+mn-lt"/>
+                <a:ea typeface="+mn-ea"/>
+                <a:cs typeface="+mn-cs"/>
+              </a:defRPr>
+            </a:lvl1pPr>
+            <a:lvl2pPr marL="384048" indent="-182880" algn="l" defTabSz="914400" rtl="0" eaLnBrk="1" latinLnBrk="0" hangingPunct="1">
+              <a:lnSpc>
+                <a:spcPct val="90000"/>
+              </a:lnSpc>
+              <a:spcBef>
+                <a:spcPts val="200"/>
+              </a:spcBef>
+              <a:spcAft>
+                <a:spcPts val="400"/>
+              </a:spcAft>
+              <a:buClr>
+                <a:schemeClr val="accent1"/>
+              </a:buClr>
+              <a:buFont typeface="Calibri" pitchFamily="34" charset="0"/>
+              <a:buChar char="◦"/>
+              <a:defRPr sz="1800" kern="1200">
+                <a:solidFill>
+                  <a:schemeClr val="tx1">
+                    <a:lumMod val="75000"/>
+                    <a:lumOff val="25000"/>
+                  </a:schemeClr>
+                </a:solidFill>
+                <a:latin typeface="+mn-lt"/>
+                <a:ea typeface="+mn-ea"/>
+                <a:cs typeface="+mn-cs"/>
+              </a:defRPr>
+            </a:lvl2pPr>
+            <a:lvl3pPr marL="566928" indent="-182880" algn="l" defTabSz="914400" rtl="0" eaLnBrk="1" latinLnBrk="0" hangingPunct="1">
+              <a:lnSpc>
+                <a:spcPct val="90000"/>
+              </a:lnSpc>
+              <a:spcBef>
+                <a:spcPts val="200"/>
+              </a:spcBef>
+              <a:spcAft>
+                <a:spcPts val="400"/>
+              </a:spcAft>
+              <a:buClr>
+                <a:schemeClr val="accent1"/>
+              </a:buClr>
+              <a:buFont typeface="Calibri" pitchFamily="34" charset="0"/>
+              <a:buChar char="◦"/>
+              <a:defRPr sz="1400" kern="1200">
+                <a:solidFill>
+                  <a:schemeClr val="tx1">
+                    <a:lumMod val="75000"/>
+                    <a:lumOff val="25000"/>
+                  </a:schemeClr>
+                </a:solidFill>
+                <a:latin typeface="+mn-lt"/>
+                <a:ea typeface="+mn-ea"/>
+                <a:cs typeface="+mn-cs"/>
+              </a:defRPr>
+            </a:lvl3pPr>
+            <a:lvl4pPr marL="749808" indent="-182880" algn="l" defTabSz="914400" rtl="0" eaLnBrk="1" latinLnBrk="0" hangingPunct="1">
+              <a:lnSpc>
+                <a:spcPct val="90000"/>
+              </a:lnSpc>
+              <a:spcBef>
+                <a:spcPts val="200"/>
+              </a:spcBef>
+              <a:spcAft>
+                <a:spcPts val="400"/>
+              </a:spcAft>
+              <a:buClr>
+                <a:schemeClr val="accent1"/>
+              </a:buClr>
+              <a:buFont typeface="Calibri" pitchFamily="34" charset="0"/>
+              <a:buChar char="◦"/>
+              <a:defRPr sz="1400" kern="1200">
+                <a:solidFill>
+                  <a:schemeClr val="tx1">
+                    <a:lumMod val="75000"/>
+                    <a:lumOff val="25000"/>
+                  </a:schemeClr>
+                </a:solidFill>
+                <a:latin typeface="+mn-lt"/>
+                <a:ea typeface="+mn-ea"/>
+                <a:cs typeface="+mn-cs"/>
+              </a:defRPr>
+            </a:lvl4pPr>
+            <a:lvl5pPr marL="932688" indent="-182880" algn="l" defTabSz="914400" rtl="0" eaLnBrk="1" latinLnBrk="0" hangingPunct="1">
+              <a:lnSpc>
+                <a:spcPct val="90000"/>
+              </a:lnSpc>
+              <a:spcBef>
+                <a:spcPts val="200"/>
+              </a:spcBef>
+              <a:spcAft>
+                <a:spcPts val="400"/>
+              </a:spcAft>
+              <a:buClr>
+                <a:schemeClr val="accent1"/>
+              </a:buClr>
+              <a:buFont typeface="Calibri" pitchFamily="34" charset="0"/>
+              <a:buChar char="◦"/>
+              <a:defRPr sz="1400" kern="1200">
+                <a:solidFill>
+                  <a:schemeClr val="tx1">
+                    <a:lumMod val="75000"/>
+                    <a:lumOff val="25000"/>
+                  </a:schemeClr>
+                </a:solidFill>
+                <a:latin typeface="+mn-lt"/>
+                <a:ea typeface="+mn-ea"/>
+                <a:cs typeface="+mn-cs"/>
+              </a:defRPr>
+            </a:lvl5pPr>
+            <a:lvl6pPr marL="1100000" indent="-228600" algn="l" defTabSz="914400" rtl="0" eaLnBrk="1" latinLnBrk="0" hangingPunct="1">
+              <a:lnSpc>
+                <a:spcPct val="90000"/>
+              </a:lnSpc>
+              <a:spcBef>
+                <a:spcPts val="200"/>
+              </a:spcBef>
+              <a:spcAft>
+                <a:spcPts val="400"/>
+              </a:spcAft>
+              <a:buClr>
+                <a:schemeClr val="accent1"/>
+              </a:buClr>
+              <a:buFont typeface="Calibri" pitchFamily="34" charset="0"/>
+              <a:buChar char="◦"/>
+              <a:defRPr sz="1400" kern="1200">
+                <a:solidFill>
+                  <a:schemeClr val="tx1">
+                    <a:lumMod val="75000"/>
+                    <a:lumOff val="25000"/>
+                  </a:schemeClr>
+                </a:solidFill>
+                <a:latin typeface="+mn-lt"/>
+                <a:ea typeface="+mn-ea"/>
+                <a:cs typeface="+mn-cs"/>
+              </a:defRPr>
+            </a:lvl6pPr>
+            <a:lvl7pPr marL="1300000" indent="-228600" algn="l" defTabSz="914400" rtl="0" eaLnBrk="1" latinLnBrk="0" hangingPunct="1">
+              <a:lnSpc>
+                <a:spcPct val="90000"/>
+              </a:lnSpc>
+              <a:spcBef>
+                <a:spcPts val="200"/>
+              </a:spcBef>
+              <a:spcAft>
+                <a:spcPts val="400"/>
+              </a:spcAft>
+              <a:buClr>
+                <a:schemeClr val="accent1"/>
+              </a:buClr>
+              <a:buFont typeface="Calibri" pitchFamily="34" charset="0"/>
+              <a:buChar char="◦"/>
+              <a:defRPr sz="1400" kern="1200">
+                <a:solidFill>
+                  <a:schemeClr val="tx1">
+                    <a:lumMod val="75000"/>
+                    <a:lumOff val="25000"/>
+                  </a:schemeClr>
+                </a:solidFill>
+                <a:latin typeface="+mn-lt"/>
+                <a:ea typeface="+mn-ea"/>
+                <a:cs typeface="+mn-cs"/>
+              </a:defRPr>
+            </a:lvl7pPr>
+            <a:lvl8pPr marL="1500000" indent="-228600" algn="l" defTabSz="914400" rtl="0" eaLnBrk="1" latinLnBrk="0" hangingPunct="1">
+              <a:lnSpc>
+                <a:spcPct val="90000"/>
+              </a:lnSpc>
+              <a:spcBef>
+                <a:spcPts val="200"/>
+              </a:spcBef>
+              <a:spcAft>
+                <a:spcPts val="400"/>
+              </a:spcAft>
+              <a:buClr>
+                <a:schemeClr val="accent1"/>
+              </a:buClr>
+              <a:buFont typeface="Calibri" pitchFamily="34" charset="0"/>
+              <a:buChar char="◦"/>
+              <a:defRPr sz="1400" kern="1200">
+                <a:solidFill>
+                  <a:schemeClr val="tx1">
+                    <a:lumMod val="75000"/>
+                    <a:lumOff val="25000"/>
+                  </a:schemeClr>
+                </a:solidFill>
+                <a:latin typeface="+mn-lt"/>
+                <a:ea typeface="+mn-ea"/>
+                <a:cs typeface="+mn-cs"/>
+              </a:defRPr>
+            </a:lvl8pPr>
+            <a:lvl9pPr marL="1700000" indent="-228600" algn="l" defTabSz="914400" rtl="0" eaLnBrk="1" latinLnBrk="0" hangingPunct="1">
+              <a:lnSpc>
+                <a:spcPct val="90000"/>
+              </a:lnSpc>
+              <a:spcBef>
+                <a:spcPts val="200"/>
+              </a:spcBef>
+              <a:spcAft>
+                <a:spcPts val="400"/>
+              </a:spcAft>
+              <a:buClr>
+                <a:schemeClr val="accent1"/>
+              </a:buClr>
+              <a:buFont typeface="Calibri" pitchFamily="34" charset="0"/>
+              <a:buChar char="◦"/>
+              <a:defRPr sz="1400" kern="1200">
+                <a:solidFill>
+                  <a:schemeClr val="tx1">
+                    <a:lumMod val="75000"/>
+                    <a:lumOff val="25000"/>
+                  </a:schemeClr>
+                </a:solidFill>
+                <a:latin typeface="+mn-lt"/>
+                <a:ea typeface="+mn-ea"/>
+                <a:cs typeface="+mn-cs"/>
+              </a:defRPr>
+            </a:lvl9pPr>
+          </a:lstStyle>
+          <a:p>
+            <a:pPr marL="0" indent="0" defTabSz="457200">
+              <a:spcBef>
+                <a:spcPct val="20000"/>
+              </a:spcBef>
+              <a:spcAft>
+                <a:spcPts val="600"/>
+              </a:spcAft>
+              <a:buClr>
+                <a:schemeClr val="accent2"/>
+              </a:buClr>
+              <a:buSzPct val="92000"/>
+              <a:buNone/>
+            </a:pPr>
+            <a:r>
+              <a:rPr lang="de-CH" sz="2800" dirty="0">
+                <a:solidFill>
+                  <a:schemeClr val="tx1"/>
+                </a:solidFill>
+              </a:rPr>
+              <a:t>Error </a:t>
+            </a:r>
+            <a:r>
+              <a:rPr lang="de-CH" sz="2800" dirty="0" err="1">
+                <a:solidFill>
+                  <a:schemeClr val="tx1"/>
+                </a:solidFill>
+              </a:rPr>
+              <a:t>Correction</a:t>
+            </a:r>
+            <a:r>
+              <a:rPr lang="de-CH" sz="2800" dirty="0">
+                <a:solidFill>
+                  <a:schemeClr val="tx1"/>
+                </a:solidFill>
+              </a:rPr>
+              <a:t> Code: </a:t>
+            </a:r>
+            <a:r>
+              <a:rPr lang="de-CH" sz="2800" dirty="0" err="1">
+                <a:solidFill>
+                  <a:schemeClr val="tx1"/>
+                </a:solidFill>
+              </a:rPr>
+              <a:t>Golay</a:t>
+            </a:r>
+            <a:r>
+              <a:rPr lang="de-CH" sz="2800" dirty="0">
+                <a:solidFill>
+                  <a:schemeClr val="tx1"/>
+                </a:solidFill>
+              </a:rPr>
+              <a:t> G</a:t>
+            </a:r>
+            <a:r>
+              <a:rPr lang="de-CH" sz="2800" baseline="-25000" dirty="0">
+                <a:solidFill>
+                  <a:schemeClr val="tx1"/>
+                </a:solidFill>
+              </a:rPr>
+              <a:t>24</a:t>
+            </a:r>
+            <a:r>
+              <a:rPr lang="de-CH" sz="2800" dirty="0">
+                <a:solidFill>
+                  <a:schemeClr val="tx1"/>
+                </a:solidFill>
+              </a:rPr>
+              <a:t> </a:t>
+            </a:r>
+          </a:p>
+          <a:p>
+            <a:pPr marL="306000" indent="-306000" defTabSz="457200">
+              <a:spcBef>
+                <a:spcPct val="20000"/>
+              </a:spcBef>
+              <a:spcAft>
+                <a:spcPts val="600"/>
+              </a:spcAft>
+              <a:buClr>
+                <a:schemeClr val="accent2"/>
+              </a:buClr>
+              <a:buSzPct val="92000"/>
+              <a:buFont typeface="Wingdings 2" panose="05020102010507070707" pitchFamily="18" charset="2"/>
+              <a:buChar char=""/>
+            </a:pPr>
+            <a:r>
+              <a:rPr lang="de-CH" sz="2800" dirty="0">
+                <a:solidFill>
+                  <a:schemeClr val="tx1"/>
+                </a:solidFill>
+              </a:rPr>
+              <a:t>[24, 12, 8]</a:t>
+            </a:r>
+          </a:p>
+          <a:p>
+            <a:pPr marL="306000" indent="-306000" defTabSz="457200">
+              <a:spcBef>
+                <a:spcPct val="20000"/>
+              </a:spcBef>
+              <a:spcAft>
+                <a:spcPts val="600"/>
+              </a:spcAft>
+              <a:buClr>
+                <a:schemeClr val="accent2"/>
+              </a:buClr>
+              <a:buSzPct val="92000"/>
+              <a:buFont typeface="Wingdings 2" panose="05020102010507070707" pitchFamily="18" charset="2"/>
+              <a:buChar char=""/>
+            </a:pPr>
+            <a:r>
+              <a:rPr lang="de-CH" sz="2800" dirty="0">
+                <a:solidFill>
+                  <a:schemeClr val="tx1"/>
+                </a:solidFill>
+              </a:rPr>
+              <a:t>Rate = 12/24 = 0.5</a:t>
+            </a:r>
+          </a:p>
+          <a:p>
+            <a:pPr marL="306000" indent="-306000" defTabSz="457200">
+              <a:spcBef>
+                <a:spcPct val="20000"/>
+              </a:spcBef>
+              <a:spcAft>
+                <a:spcPts val="600"/>
+              </a:spcAft>
+              <a:buClr>
+                <a:schemeClr val="accent2"/>
+              </a:buClr>
+              <a:buSzPct val="92000"/>
+              <a:buFont typeface="Wingdings 2" panose="05020102010507070707" pitchFamily="18" charset="2"/>
+              <a:buChar char=""/>
+            </a:pPr>
+            <a:r>
+              <a:rPr lang="de-CH" sz="2800" dirty="0">
+                <a:solidFill>
+                  <a:schemeClr val="tx1"/>
+                </a:solidFill>
+              </a:rPr>
+              <a:t>7-bit Fehler werden erkannt</a:t>
+            </a:r>
+          </a:p>
+          <a:p>
+            <a:pPr marL="306000" indent="-306000" defTabSz="457200">
+              <a:spcBef>
+                <a:spcPct val="20000"/>
+              </a:spcBef>
+              <a:spcAft>
+                <a:spcPts val="600"/>
+              </a:spcAft>
+              <a:buClr>
+                <a:schemeClr val="accent2"/>
+              </a:buClr>
+              <a:buSzPct val="92000"/>
+              <a:buFont typeface="Wingdings 2" panose="05020102010507070707" pitchFamily="18" charset="2"/>
+              <a:buChar char=""/>
+            </a:pPr>
+            <a:r>
+              <a:rPr lang="de-CH" sz="2800" dirty="0">
+                <a:solidFill>
+                  <a:schemeClr val="tx1"/>
+                </a:solidFill>
+              </a:rPr>
+              <a:t>3-bit Fehler können korrigiert werden</a:t>
+            </a:r>
+          </a:p>
+        </p:txBody>
+      </p:sp>
+    </p:spTree>
+    <p:extLst>
+      <p:ext uri="{BB962C8B-B14F-4D97-AF65-F5344CB8AC3E}">
+        <p14:creationId xmlns:p14="http://schemas.microsoft.com/office/powerpoint/2010/main" val="1505972619"/>
       </p:ext>
     </p:extLst>
   </p:cSld>
@@ -15097,7 +16255,7 @@
           <p:cNvPr id="2" name="Titel 1">
             <a:extLst>
               <a:ext uri="{FF2B5EF4-FFF2-40B4-BE49-F238E27FC236}">
-                <a16:creationId xmlns:a16="http://schemas.microsoft.com/office/drawing/2014/main" id="{738FF16F-A08F-47B3-B38F-AA9C9AF71518}"/>
+                <a16:creationId xmlns:a16="http://schemas.microsoft.com/office/drawing/2014/main" id="{0C749123-34B7-4FBE-960A-19328A97FF19}"/>
               </a:ext>
             </a:extLst>
           </p:cNvPr>
@@ -15122,10 +16280,10 @@
       </p:sp>
       <p:sp>
         <p:nvSpPr>
-          <p:cNvPr id="5" name="Foliennummernplatzhalter 4">
+          <p:cNvPr id="4" name="Foliennummernplatzhalter 3">
             <a:extLst>
               <a:ext uri="{FF2B5EF4-FFF2-40B4-BE49-F238E27FC236}">
-                <a16:creationId xmlns:a16="http://schemas.microsoft.com/office/drawing/2014/main" id="{AE134FCB-4BA9-44F7-B1A5-03B54EBBF465}"/>
+                <a16:creationId xmlns:a16="http://schemas.microsoft.com/office/drawing/2014/main" id="{701F772E-503F-49C6-98FD-BE48594B02E8}"/>
               </a:ext>
             </a:extLst>
           </p:cNvPr>
@@ -15151,10 +16309,10 @@
       </p:sp>
       <p:sp>
         <p:nvSpPr>
-          <p:cNvPr id="6" name="Inhaltsplatzhalter 2">
+          <p:cNvPr id="7" name="Inhaltsplatzhalter 2">
             <a:extLst>
               <a:ext uri="{FF2B5EF4-FFF2-40B4-BE49-F238E27FC236}">
-                <a16:creationId xmlns:a16="http://schemas.microsoft.com/office/drawing/2014/main" id="{249355D4-76DC-44C9-9E84-C2F0BEE0AF2E}"/>
+                <a16:creationId xmlns:a16="http://schemas.microsoft.com/office/drawing/2014/main" id="{EA460858-2B62-476C-8832-C75AA6BE375E}"/>
               </a:ext>
             </a:extLst>
           </p:cNvPr>
@@ -15165,8 +16323,8 @@
         </p:nvSpPr>
         <p:spPr>
           <a:xfrm>
-            <a:off x="1219200" y="1845735"/>
-            <a:ext cx="9936480" cy="4358215"/>
+            <a:off x="1162386" y="1778311"/>
+            <a:ext cx="9993294" cy="4476439"/>
           </a:xfrm>
           <a:prstGeom prst="rect">
             <a:avLst/>
@@ -15442,55 +16600,7 @@
                   <a:schemeClr val="tx1"/>
                 </a:solidFill>
               </a:rPr>
-              <a:t>Error </a:t>
-            </a:r>
-            <a:r>
-              <a:rPr lang="de-CH" sz="2800" dirty="0" err="1">
-                <a:solidFill>
-                  <a:schemeClr val="tx1"/>
-                </a:solidFill>
-              </a:rPr>
-              <a:t>Correction</a:t>
-            </a:r>
-            <a:r>
-              <a:rPr lang="de-CH" sz="2800" dirty="0">
-                <a:solidFill>
-                  <a:schemeClr val="tx1"/>
-                </a:solidFill>
-              </a:rPr>
-              <a:t> Code: </a:t>
-            </a:r>
-            <a:r>
-              <a:rPr lang="de-CH" sz="2800" dirty="0" err="1">
-                <a:solidFill>
-                  <a:schemeClr val="tx1"/>
-                </a:solidFill>
-              </a:rPr>
-              <a:t>Golay</a:t>
-            </a:r>
-            <a:r>
-              <a:rPr lang="de-CH" sz="2800" dirty="0">
-                <a:solidFill>
-                  <a:schemeClr val="tx1"/>
-                </a:solidFill>
-              </a:rPr>
-              <a:t> G</a:t>
-            </a:r>
-            <a:r>
-              <a:rPr lang="de-CH" sz="2800" baseline="-25000" dirty="0">
-                <a:solidFill>
-                  <a:schemeClr val="tx1"/>
-                </a:solidFill>
-              </a:rPr>
-              <a:t>24</a:t>
-            </a:r>
-            <a:r>
-              <a:rPr lang="de-CH" sz="2800" dirty="0">
-                <a:solidFill>
-                  <a:schemeClr val="tx1"/>
-                </a:solidFill>
-              </a:rPr>
-              <a:t> </a:t>
+              <a:t>Paketverlust:</a:t>
             </a:r>
           </a:p>
           <a:p>
@@ -15509,12 +16619,100 @@
               <a:buChar char=""/>
             </a:pPr>
             <a:r>
+              <a:rPr lang="de-CH" sz="2800" dirty="0" err="1">
+                <a:solidFill>
+                  <a:schemeClr val="tx1"/>
+                </a:solidFill>
+              </a:rPr>
+              <a:t>Acknowledge</a:t>
+            </a:r>
+            <a:r>
               <a:rPr lang="de-CH" sz="2800" dirty="0">
                 <a:solidFill>
                   <a:schemeClr val="tx1"/>
                 </a:solidFill>
               </a:rPr>
-              <a:t>[24, 12, 8]</a:t>
+              <a:t> </a:t>
+            </a:r>
+          </a:p>
+          <a:p>
+            <a:pPr marL="598608" lvl="1" indent="-306000" defTabSz="457200">
+              <a:spcBef>
+                <a:spcPct val="20000"/>
+              </a:spcBef>
+              <a:spcAft>
+                <a:spcPts val="600"/>
+              </a:spcAft>
+              <a:buClr>
+                <a:schemeClr val="accent2"/>
+              </a:buClr>
+              <a:buSzPct val="92000"/>
+              <a:buFont typeface="Wingdings 2" panose="05020102010507070707" pitchFamily="18" charset="2"/>
+              <a:buChar char=""/>
+            </a:pPr>
+            <a:r>
+              <a:rPr lang="de-CH" sz="2400" dirty="0">
+                <a:solidFill>
+                  <a:schemeClr val="tx1"/>
+                </a:solidFill>
+              </a:rPr>
+              <a:t>Paketstrom und </a:t>
+            </a:r>
+            <a:r>
+              <a:rPr lang="de-CH" sz="2400" dirty="0" err="1">
+                <a:solidFill>
+                  <a:schemeClr val="tx1"/>
+                </a:solidFill>
+              </a:rPr>
+              <a:t>Retry</a:t>
+            </a:r>
+            <a:r>
+              <a:rPr lang="de-CH" sz="2400" dirty="0">
+                <a:solidFill>
+                  <a:schemeClr val="tx1"/>
+                </a:solidFill>
+              </a:rPr>
+              <a:t> wenn kein </a:t>
+            </a:r>
+            <a:r>
+              <a:rPr lang="de-CH" sz="2400" dirty="0" err="1">
+                <a:solidFill>
+                  <a:schemeClr val="tx1"/>
+                </a:solidFill>
+              </a:rPr>
+              <a:t>Acknowledge</a:t>
+            </a:r>
+            <a:r>
+              <a:rPr lang="de-CH" sz="2400" dirty="0">
+                <a:solidFill>
+                  <a:schemeClr val="tx1"/>
+                </a:solidFill>
+              </a:rPr>
+              <a:t> innerhalb von Timeout</a:t>
+            </a:r>
+          </a:p>
+          <a:p>
+            <a:pPr marL="598608" lvl="1" indent="-306000" defTabSz="457200">
+              <a:spcBef>
+                <a:spcPct val="20000"/>
+              </a:spcBef>
+              <a:spcAft>
+                <a:spcPts val="600"/>
+              </a:spcAft>
+              <a:buClr>
+                <a:schemeClr val="accent2"/>
+              </a:buClr>
+              <a:buSzPct val="92000"/>
+              <a:buFont typeface="Wingdings 2" panose="05020102010507070707" pitchFamily="18" charset="2"/>
+              <a:buChar char=""/>
+            </a:pPr>
+            <a:r>
+              <a:rPr lang="de-CH" sz="2400" dirty="0">
+                <a:solidFill>
+                  <a:schemeClr val="tx1"/>
+                </a:solidFill>
+              </a:rPr>
+              <a:t>Nächstes Paket erst senden wenn vorheriges bestätigt</a:t>
             </a:r>
           </a:p>
           <a:p>
@@ -15533,12 +16731,41 @@
               <a:buChar char=""/>
             </a:pPr>
             <a:r>
-              <a:rPr lang="de-CH" sz="2800" dirty="0">
+              <a:rPr lang="de-CH" sz="2800" dirty="0" err="1">
                 <a:solidFill>
                   <a:schemeClr val="tx1"/>
                 </a:solidFill>
               </a:rPr>
-              <a:t>Rate = 12/24 = 0.5</a:t>
+              <a:t>Resend</a:t>
+            </a:r>
+            <a:endParaRPr lang="de-CH" sz="2800" dirty="0">
+              <a:solidFill>
+                <a:schemeClr val="tx1"/>
+              </a:solidFill>
+            </a:endParaRPr>
+          </a:p>
+          <a:p>
+            <a:pPr marL="598608" lvl="1" indent="-306000" defTabSz="457200">
+              <a:spcBef>
+                <a:spcPct val="20000"/>
+              </a:spcBef>
+              <a:spcAft>
+                <a:spcPts val="600"/>
+              </a:spcAft>
+              <a:buClr>
+                <a:schemeClr val="accent2"/>
+              </a:buClr>
+              <a:buSzPct val="92000"/>
+              <a:buFont typeface="Wingdings 2" panose="05020102010507070707" pitchFamily="18" charset="2"/>
+              <a:buChar char=""/>
+            </a:pPr>
+            <a:r>
+              <a:rPr lang="de-CH" sz="2400" dirty="0">
+                <a:solidFill>
+                  <a:schemeClr val="tx1"/>
+                </a:solidFill>
+              </a:rPr>
+              <a:t>Empfänger fordert fehlendes Paket nochmal an</a:t>
             </a:r>
           </a:p>
           <a:p>
@@ -15562,8 +16789,37 @@
                   <a:schemeClr val="tx1"/>
                 </a:solidFill>
               </a:rPr>
-              <a:t>7-bit Fehler werden erkannt</a:t>
-            </a:r>
+              <a:t>Kombination aus </a:t>
+            </a:r>
+            <a:r>
+              <a:rPr lang="de-CH" sz="2800" dirty="0" err="1">
+                <a:solidFill>
+                  <a:schemeClr val="tx1"/>
+                </a:solidFill>
+              </a:rPr>
+              <a:t>Acknowledge</a:t>
+            </a:r>
+            <a:r>
+              <a:rPr lang="de-CH" sz="2800" dirty="0">
+                <a:solidFill>
+                  <a:schemeClr val="tx1"/>
+                </a:solidFill>
+              </a:rPr>
+              <a:t> und </a:t>
+            </a:r>
+            <a:r>
+              <a:rPr lang="de-CH" sz="2800" dirty="0" err="1">
+                <a:solidFill>
+                  <a:schemeClr val="tx1"/>
+                </a:solidFill>
+              </a:rPr>
+              <a:t>Resend</a:t>
+            </a:r>
+            <a:endParaRPr lang="de-CH" sz="2800" dirty="0">
+              <a:solidFill>
+                <a:schemeClr val="tx1"/>
+              </a:solidFill>
+            </a:endParaRPr>
           </a:p>
           <a:p>
             <a:pPr marL="306000" indent="-306000" defTabSz="457200">
@@ -15586,633 +16842,6 @@
                   <a:schemeClr val="tx1"/>
                 </a:solidFill>
               </a:rPr>
-              <a:t>3-bit Fehler können korrigiert werden</a:t>
-            </a:r>
-          </a:p>
-        </p:txBody>
-      </p:sp>
-    </p:spTree>
-    <p:extLst>
-      <p:ext uri="{BB962C8B-B14F-4D97-AF65-F5344CB8AC3E}">
-        <p14:creationId xmlns:p14="http://schemas.microsoft.com/office/powerpoint/2010/main" val="1505972619"/>
-      </p:ext>
-    </p:extLst>
-  </p:cSld>
-  <p:clrMapOvr>
-    <a:masterClrMapping/>
-  </p:clrMapOvr>
-</p:sld>
-</file>
-
-<file path=ppt/slides/slide18.xml><?xml version="1.0" encoding="utf-8"?>
-<p:sld xmlns:a="http://schemas.openxmlformats.org/drawingml/2006/main" xmlns:r="http://schemas.openxmlformats.org/officeDocument/2006/relationships" xmlns:p="http://schemas.openxmlformats.org/presentationml/2006/main">
-  <p:cSld>
-    <p:spTree>
-      <p:nvGrpSpPr>
-        <p:cNvPr id="1" name=""/>
-        <p:cNvGrpSpPr/>
-        <p:nvPr/>
-      </p:nvGrpSpPr>
-      <p:grpSpPr>
-        <a:xfrm>
-          <a:off x="0" y="0"/>
-          <a:ext cx="0" cy="0"/>
-          <a:chOff x="0" y="0"/>
-          <a:chExt cx="0" cy="0"/>
-        </a:xfrm>
-      </p:grpSpPr>
-      <p:sp>
-        <p:nvSpPr>
-          <p:cNvPr id="2" name="Titel 1">
-            <a:extLst>
-              <a:ext uri="{FF2B5EF4-FFF2-40B4-BE49-F238E27FC236}">
-                <a16:creationId xmlns:a16="http://schemas.microsoft.com/office/drawing/2014/main" id="{0C749123-34B7-4FBE-960A-19328A97FF19}"/>
-              </a:ext>
-            </a:extLst>
-          </p:cNvPr>
-          <p:cNvSpPr>
-            <a:spLocks noGrp="1"/>
-          </p:cNvSpPr>
-          <p:nvPr>
-            <p:ph type="title"/>
-          </p:nvPr>
-        </p:nvSpPr>
-        <p:spPr/>
-        <p:txBody>
-          <a:bodyPr/>
-          <a:lstStyle/>
-          <a:p>
-            <a:r>
-              <a:rPr lang="de-CH" dirty="0"/>
-              <a:t>Zuverlässigkeit</a:t>
-            </a:r>
-          </a:p>
-        </p:txBody>
-      </p:sp>
-      <p:sp>
-        <p:nvSpPr>
-          <p:cNvPr id="4" name="Foliennummernplatzhalter 3">
-            <a:extLst>
-              <a:ext uri="{FF2B5EF4-FFF2-40B4-BE49-F238E27FC236}">
-                <a16:creationId xmlns:a16="http://schemas.microsoft.com/office/drawing/2014/main" id="{701F772E-503F-49C6-98FD-BE48594B02E8}"/>
-              </a:ext>
-            </a:extLst>
-          </p:cNvPr>
-          <p:cNvSpPr>
-            <a:spLocks noGrp="1"/>
-          </p:cNvSpPr>
-          <p:nvPr>
-            <p:ph type="sldNum" sz="quarter" idx="12"/>
-          </p:nvPr>
-        </p:nvSpPr>
-        <p:spPr/>
-        <p:txBody>
-          <a:bodyPr/>
-          <a:lstStyle/>
-          <a:p>
-            <a:fld id="{7AC51F72-762B-4631-A527-211F5F845826}" type="slidenum">
-              <a:rPr lang="de-CH" smtClean="0"/>
-              <a:t>18</a:t>
-            </a:fld>
-            <a:endParaRPr lang="de-CH"/>
-          </a:p>
-        </p:txBody>
-      </p:sp>
-      <p:sp>
-        <p:nvSpPr>
-          <p:cNvPr id="7" name="Inhaltsplatzhalter 2">
-            <a:extLst>
-              <a:ext uri="{FF2B5EF4-FFF2-40B4-BE49-F238E27FC236}">
-                <a16:creationId xmlns:a16="http://schemas.microsoft.com/office/drawing/2014/main" id="{EA460858-2B62-476C-8832-C75AA6BE375E}"/>
-              </a:ext>
-            </a:extLst>
-          </p:cNvPr>
-          <p:cNvSpPr txBox="1">
-            <a:spLocks/>
-          </p:cNvSpPr>
-          <p:nvPr/>
-        </p:nvSpPr>
-        <p:spPr>
-          <a:xfrm>
-            <a:off x="1162386" y="1778311"/>
-            <a:ext cx="9993294" cy="4476439"/>
-          </a:xfrm>
-          <a:prstGeom prst="rect">
-            <a:avLst/>
-          </a:prstGeom>
-        </p:spPr>
-        <p:txBody>
-          <a:bodyPr vert="horz" lIns="91440" tIns="45720" rIns="91440" bIns="45720" rtlCol="0" anchor="ctr">
-            <a:normAutofit/>
-          </a:bodyPr>
-          <a:lstStyle>
-            <a:lvl1pPr marL="91440" indent="-91440" algn="l" defTabSz="914400" rtl="0" eaLnBrk="1" latinLnBrk="0" hangingPunct="1">
-              <a:lnSpc>
-                <a:spcPct val="90000"/>
-              </a:lnSpc>
-              <a:spcBef>
-                <a:spcPts val="1200"/>
-              </a:spcBef>
-              <a:spcAft>
-                <a:spcPts val="200"/>
-              </a:spcAft>
-              <a:buClr>
-                <a:schemeClr val="accent1"/>
-              </a:buClr>
-              <a:buSzPct val="100000"/>
-              <a:buFont typeface="Calibri" panose="020F0502020204030204" pitchFamily="34" charset="0"/>
-              <a:buChar char=" "/>
-              <a:defRPr sz="2000" kern="1200">
-                <a:solidFill>
-                  <a:schemeClr val="tx1">
-                    <a:lumMod val="75000"/>
-                    <a:lumOff val="25000"/>
-                  </a:schemeClr>
-                </a:solidFill>
-                <a:latin typeface="+mn-lt"/>
-                <a:ea typeface="+mn-ea"/>
-                <a:cs typeface="+mn-cs"/>
-              </a:defRPr>
-            </a:lvl1pPr>
-            <a:lvl2pPr marL="384048" indent="-182880" algn="l" defTabSz="914400" rtl="0" eaLnBrk="1" latinLnBrk="0" hangingPunct="1">
-              <a:lnSpc>
-                <a:spcPct val="90000"/>
-              </a:lnSpc>
-              <a:spcBef>
-                <a:spcPts val="200"/>
-              </a:spcBef>
-              <a:spcAft>
-                <a:spcPts val="400"/>
-              </a:spcAft>
-              <a:buClr>
-                <a:schemeClr val="accent1"/>
-              </a:buClr>
-              <a:buFont typeface="Calibri" pitchFamily="34" charset="0"/>
-              <a:buChar char="◦"/>
-              <a:defRPr sz="1800" kern="1200">
-                <a:solidFill>
-                  <a:schemeClr val="tx1">
-                    <a:lumMod val="75000"/>
-                    <a:lumOff val="25000"/>
-                  </a:schemeClr>
-                </a:solidFill>
-                <a:latin typeface="+mn-lt"/>
-                <a:ea typeface="+mn-ea"/>
-                <a:cs typeface="+mn-cs"/>
-              </a:defRPr>
-            </a:lvl2pPr>
-            <a:lvl3pPr marL="566928" indent="-182880" algn="l" defTabSz="914400" rtl="0" eaLnBrk="1" latinLnBrk="0" hangingPunct="1">
-              <a:lnSpc>
-                <a:spcPct val="90000"/>
-              </a:lnSpc>
-              <a:spcBef>
-                <a:spcPts val="200"/>
-              </a:spcBef>
-              <a:spcAft>
-                <a:spcPts val="400"/>
-              </a:spcAft>
-              <a:buClr>
-                <a:schemeClr val="accent1"/>
-              </a:buClr>
-              <a:buFont typeface="Calibri" pitchFamily="34" charset="0"/>
-              <a:buChar char="◦"/>
-              <a:defRPr sz="1400" kern="1200">
-                <a:solidFill>
-                  <a:schemeClr val="tx1">
-                    <a:lumMod val="75000"/>
-                    <a:lumOff val="25000"/>
-                  </a:schemeClr>
-                </a:solidFill>
-                <a:latin typeface="+mn-lt"/>
-                <a:ea typeface="+mn-ea"/>
-                <a:cs typeface="+mn-cs"/>
-              </a:defRPr>
-            </a:lvl3pPr>
-            <a:lvl4pPr marL="749808" indent="-182880" algn="l" defTabSz="914400" rtl="0" eaLnBrk="1" latinLnBrk="0" hangingPunct="1">
-              <a:lnSpc>
-                <a:spcPct val="90000"/>
-              </a:lnSpc>
-              <a:spcBef>
-                <a:spcPts val="200"/>
-              </a:spcBef>
-              <a:spcAft>
-                <a:spcPts val="400"/>
-              </a:spcAft>
-              <a:buClr>
-                <a:schemeClr val="accent1"/>
-              </a:buClr>
-              <a:buFont typeface="Calibri" pitchFamily="34" charset="0"/>
-              <a:buChar char="◦"/>
-              <a:defRPr sz="1400" kern="1200">
-                <a:solidFill>
-                  <a:schemeClr val="tx1">
-                    <a:lumMod val="75000"/>
-                    <a:lumOff val="25000"/>
-                  </a:schemeClr>
-                </a:solidFill>
-                <a:latin typeface="+mn-lt"/>
-                <a:ea typeface="+mn-ea"/>
-                <a:cs typeface="+mn-cs"/>
-              </a:defRPr>
-            </a:lvl4pPr>
-            <a:lvl5pPr marL="932688" indent="-182880" algn="l" defTabSz="914400" rtl="0" eaLnBrk="1" latinLnBrk="0" hangingPunct="1">
-              <a:lnSpc>
-                <a:spcPct val="90000"/>
-              </a:lnSpc>
-              <a:spcBef>
-                <a:spcPts val="200"/>
-              </a:spcBef>
-              <a:spcAft>
-                <a:spcPts val="400"/>
-              </a:spcAft>
-              <a:buClr>
-                <a:schemeClr val="accent1"/>
-              </a:buClr>
-              <a:buFont typeface="Calibri" pitchFamily="34" charset="0"/>
-              <a:buChar char="◦"/>
-              <a:defRPr sz="1400" kern="1200">
-                <a:solidFill>
-                  <a:schemeClr val="tx1">
-                    <a:lumMod val="75000"/>
-                    <a:lumOff val="25000"/>
-                  </a:schemeClr>
-                </a:solidFill>
-                <a:latin typeface="+mn-lt"/>
-                <a:ea typeface="+mn-ea"/>
-                <a:cs typeface="+mn-cs"/>
-              </a:defRPr>
-            </a:lvl5pPr>
-            <a:lvl6pPr marL="1100000" indent="-228600" algn="l" defTabSz="914400" rtl="0" eaLnBrk="1" latinLnBrk="0" hangingPunct="1">
-              <a:lnSpc>
-                <a:spcPct val="90000"/>
-              </a:lnSpc>
-              <a:spcBef>
-                <a:spcPts val="200"/>
-              </a:spcBef>
-              <a:spcAft>
-                <a:spcPts val="400"/>
-              </a:spcAft>
-              <a:buClr>
-                <a:schemeClr val="accent1"/>
-              </a:buClr>
-              <a:buFont typeface="Calibri" pitchFamily="34" charset="0"/>
-              <a:buChar char="◦"/>
-              <a:defRPr sz="1400" kern="1200">
-                <a:solidFill>
-                  <a:schemeClr val="tx1">
-                    <a:lumMod val="75000"/>
-                    <a:lumOff val="25000"/>
-                  </a:schemeClr>
-                </a:solidFill>
-                <a:latin typeface="+mn-lt"/>
-                <a:ea typeface="+mn-ea"/>
-                <a:cs typeface="+mn-cs"/>
-              </a:defRPr>
-            </a:lvl6pPr>
-            <a:lvl7pPr marL="1300000" indent="-228600" algn="l" defTabSz="914400" rtl="0" eaLnBrk="1" latinLnBrk="0" hangingPunct="1">
-              <a:lnSpc>
-                <a:spcPct val="90000"/>
-              </a:lnSpc>
-              <a:spcBef>
-                <a:spcPts val="200"/>
-              </a:spcBef>
-              <a:spcAft>
-                <a:spcPts val="400"/>
-              </a:spcAft>
-              <a:buClr>
-                <a:schemeClr val="accent1"/>
-              </a:buClr>
-              <a:buFont typeface="Calibri" pitchFamily="34" charset="0"/>
-              <a:buChar char="◦"/>
-              <a:defRPr sz="1400" kern="1200">
-                <a:solidFill>
-                  <a:schemeClr val="tx1">
-                    <a:lumMod val="75000"/>
-                    <a:lumOff val="25000"/>
-                  </a:schemeClr>
-                </a:solidFill>
-                <a:latin typeface="+mn-lt"/>
-                <a:ea typeface="+mn-ea"/>
-                <a:cs typeface="+mn-cs"/>
-              </a:defRPr>
-            </a:lvl7pPr>
-            <a:lvl8pPr marL="1500000" indent="-228600" algn="l" defTabSz="914400" rtl="0" eaLnBrk="1" latinLnBrk="0" hangingPunct="1">
-              <a:lnSpc>
-                <a:spcPct val="90000"/>
-              </a:lnSpc>
-              <a:spcBef>
-                <a:spcPts val="200"/>
-              </a:spcBef>
-              <a:spcAft>
-                <a:spcPts val="400"/>
-              </a:spcAft>
-              <a:buClr>
-                <a:schemeClr val="accent1"/>
-              </a:buClr>
-              <a:buFont typeface="Calibri" pitchFamily="34" charset="0"/>
-              <a:buChar char="◦"/>
-              <a:defRPr sz="1400" kern="1200">
-                <a:solidFill>
-                  <a:schemeClr val="tx1">
-                    <a:lumMod val="75000"/>
-                    <a:lumOff val="25000"/>
-                  </a:schemeClr>
-                </a:solidFill>
-                <a:latin typeface="+mn-lt"/>
-                <a:ea typeface="+mn-ea"/>
-                <a:cs typeface="+mn-cs"/>
-              </a:defRPr>
-            </a:lvl8pPr>
-            <a:lvl9pPr marL="1700000" indent="-228600" algn="l" defTabSz="914400" rtl="0" eaLnBrk="1" latinLnBrk="0" hangingPunct="1">
-              <a:lnSpc>
-                <a:spcPct val="90000"/>
-              </a:lnSpc>
-              <a:spcBef>
-                <a:spcPts val="200"/>
-              </a:spcBef>
-              <a:spcAft>
-                <a:spcPts val="400"/>
-              </a:spcAft>
-              <a:buClr>
-                <a:schemeClr val="accent1"/>
-              </a:buClr>
-              <a:buFont typeface="Calibri" pitchFamily="34" charset="0"/>
-              <a:buChar char="◦"/>
-              <a:defRPr sz="1400" kern="1200">
-                <a:solidFill>
-                  <a:schemeClr val="tx1">
-                    <a:lumMod val="75000"/>
-                    <a:lumOff val="25000"/>
-                  </a:schemeClr>
-                </a:solidFill>
-                <a:latin typeface="+mn-lt"/>
-                <a:ea typeface="+mn-ea"/>
-                <a:cs typeface="+mn-cs"/>
-              </a:defRPr>
-            </a:lvl9pPr>
-          </a:lstStyle>
-          <a:p>
-            <a:pPr marL="0" indent="0" defTabSz="457200">
-              <a:spcBef>
-                <a:spcPct val="20000"/>
-              </a:spcBef>
-              <a:spcAft>
-                <a:spcPts val="600"/>
-              </a:spcAft>
-              <a:buClr>
-                <a:schemeClr val="accent2"/>
-              </a:buClr>
-              <a:buSzPct val="92000"/>
-              <a:buNone/>
-            </a:pPr>
-            <a:r>
-              <a:rPr lang="de-CH" sz="2800" dirty="0">
-                <a:solidFill>
-                  <a:schemeClr val="tx1"/>
-                </a:solidFill>
-              </a:rPr>
-              <a:t>Paketverlust:</a:t>
-            </a:r>
-          </a:p>
-          <a:p>
-            <a:pPr marL="306000" indent="-306000" defTabSz="457200">
-              <a:spcBef>
-                <a:spcPct val="20000"/>
-              </a:spcBef>
-              <a:spcAft>
-                <a:spcPts val="600"/>
-              </a:spcAft>
-              <a:buClr>
-                <a:schemeClr val="accent2"/>
-              </a:buClr>
-              <a:buSzPct val="92000"/>
-              <a:buFont typeface="Wingdings 2" panose="05020102010507070707" pitchFamily="18" charset="2"/>
-              <a:buChar char=""/>
-            </a:pPr>
-            <a:r>
-              <a:rPr lang="de-CH" sz="2800" dirty="0" err="1">
-                <a:solidFill>
-                  <a:schemeClr val="tx1"/>
-                </a:solidFill>
-              </a:rPr>
-              <a:t>Acknowledge</a:t>
-            </a:r>
-            <a:r>
-              <a:rPr lang="de-CH" sz="2800" dirty="0">
-                <a:solidFill>
-                  <a:schemeClr val="tx1"/>
-                </a:solidFill>
-              </a:rPr>
-              <a:t> </a:t>
-            </a:r>
-          </a:p>
-          <a:p>
-            <a:pPr marL="598608" lvl="1" indent="-306000" defTabSz="457200">
-              <a:spcBef>
-                <a:spcPct val="20000"/>
-              </a:spcBef>
-              <a:spcAft>
-                <a:spcPts val="600"/>
-              </a:spcAft>
-              <a:buClr>
-                <a:schemeClr val="accent2"/>
-              </a:buClr>
-              <a:buSzPct val="92000"/>
-              <a:buFont typeface="Wingdings 2" panose="05020102010507070707" pitchFamily="18" charset="2"/>
-              <a:buChar char=""/>
-            </a:pPr>
-            <a:r>
-              <a:rPr lang="de-CH" sz="2400" dirty="0">
-                <a:solidFill>
-                  <a:schemeClr val="tx1"/>
-                </a:solidFill>
-              </a:rPr>
-              <a:t>Paketstrom und </a:t>
-            </a:r>
-            <a:r>
-              <a:rPr lang="de-CH" sz="2400" dirty="0" err="1">
-                <a:solidFill>
-                  <a:schemeClr val="tx1"/>
-                </a:solidFill>
-              </a:rPr>
-              <a:t>Retry</a:t>
-            </a:r>
-            <a:r>
-              <a:rPr lang="de-CH" sz="2400" dirty="0">
-                <a:solidFill>
-                  <a:schemeClr val="tx1"/>
-                </a:solidFill>
-              </a:rPr>
-              <a:t> wenn kein </a:t>
-            </a:r>
-            <a:r>
-              <a:rPr lang="de-CH" sz="2400" dirty="0" err="1">
-                <a:solidFill>
-                  <a:schemeClr val="tx1"/>
-                </a:solidFill>
-              </a:rPr>
-              <a:t>Acknowledge</a:t>
-            </a:r>
-            <a:r>
-              <a:rPr lang="de-CH" sz="2400" dirty="0">
-                <a:solidFill>
-                  <a:schemeClr val="tx1"/>
-                </a:solidFill>
-              </a:rPr>
-              <a:t> innerhalb von Timeout</a:t>
-            </a:r>
-          </a:p>
-          <a:p>
-            <a:pPr marL="598608" lvl="1" indent="-306000" defTabSz="457200">
-              <a:spcBef>
-                <a:spcPct val="20000"/>
-              </a:spcBef>
-              <a:spcAft>
-                <a:spcPts val="600"/>
-              </a:spcAft>
-              <a:buClr>
-                <a:schemeClr val="accent2"/>
-              </a:buClr>
-              <a:buSzPct val="92000"/>
-              <a:buFont typeface="Wingdings 2" panose="05020102010507070707" pitchFamily="18" charset="2"/>
-              <a:buChar char=""/>
-            </a:pPr>
-            <a:r>
-              <a:rPr lang="de-CH" sz="2400" dirty="0">
-                <a:solidFill>
-                  <a:schemeClr val="tx1"/>
-                </a:solidFill>
-              </a:rPr>
-              <a:t>Nächstes Paket erst senden wenn vorheriges bestätigt</a:t>
-            </a:r>
-          </a:p>
-          <a:p>
-            <a:pPr marL="306000" indent="-306000" defTabSz="457200">
-              <a:spcBef>
-                <a:spcPct val="20000"/>
-              </a:spcBef>
-              <a:spcAft>
-                <a:spcPts val="600"/>
-              </a:spcAft>
-              <a:buClr>
-                <a:schemeClr val="accent2"/>
-              </a:buClr>
-              <a:buSzPct val="92000"/>
-              <a:buFont typeface="Wingdings 2" panose="05020102010507070707" pitchFamily="18" charset="2"/>
-              <a:buChar char=""/>
-            </a:pPr>
-            <a:r>
-              <a:rPr lang="de-CH" sz="2800" dirty="0" err="1">
-                <a:solidFill>
-                  <a:schemeClr val="tx1"/>
-                </a:solidFill>
-              </a:rPr>
-              <a:t>Resend</a:t>
-            </a:r>
-            <a:endParaRPr lang="de-CH" sz="2800" dirty="0">
-              <a:solidFill>
-                <a:schemeClr val="tx1"/>
-              </a:solidFill>
-            </a:endParaRPr>
-          </a:p>
-          <a:p>
-            <a:pPr marL="598608" lvl="1" indent="-306000" defTabSz="457200">
-              <a:spcBef>
-                <a:spcPct val="20000"/>
-              </a:spcBef>
-              <a:spcAft>
-                <a:spcPts val="600"/>
-              </a:spcAft>
-              <a:buClr>
-                <a:schemeClr val="accent2"/>
-              </a:buClr>
-              <a:buSzPct val="92000"/>
-              <a:buFont typeface="Wingdings 2" panose="05020102010507070707" pitchFamily="18" charset="2"/>
-              <a:buChar char=""/>
-            </a:pPr>
-            <a:r>
-              <a:rPr lang="de-CH" sz="2400" dirty="0">
-                <a:solidFill>
-                  <a:schemeClr val="tx1"/>
-                </a:solidFill>
-              </a:rPr>
-              <a:t>Empfänger fordert fehlendes Paket nochmal an</a:t>
-            </a:r>
-          </a:p>
-          <a:p>
-            <a:pPr marL="306000" indent="-306000" defTabSz="457200">
-              <a:spcBef>
-                <a:spcPct val="20000"/>
-              </a:spcBef>
-              <a:spcAft>
-                <a:spcPts val="600"/>
-              </a:spcAft>
-              <a:buClr>
-                <a:schemeClr val="accent2"/>
-              </a:buClr>
-              <a:buSzPct val="92000"/>
-              <a:buFont typeface="Wingdings 2" panose="05020102010507070707" pitchFamily="18" charset="2"/>
-              <a:buChar char=""/>
-            </a:pPr>
-            <a:r>
-              <a:rPr lang="de-CH" sz="2800" dirty="0">
-                <a:solidFill>
-                  <a:schemeClr val="tx1"/>
-                </a:solidFill>
-              </a:rPr>
-              <a:t>Kombination aus </a:t>
-            </a:r>
-            <a:r>
-              <a:rPr lang="de-CH" sz="2800" dirty="0" err="1">
-                <a:solidFill>
-                  <a:schemeClr val="tx1"/>
-                </a:solidFill>
-              </a:rPr>
-              <a:t>Acknowledge</a:t>
-            </a:r>
-            <a:r>
-              <a:rPr lang="de-CH" sz="2800" dirty="0">
-                <a:solidFill>
-                  <a:schemeClr val="tx1"/>
-                </a:solidFill>
-              </a:rPr>
-              <a:t> und </a:t>
-            </a:r>
-            <a:r>
-              <a:rPr lang="de-CH" sz="2800" dirty="0" err="1">
-                <a:solidFill>
-                  <a:schemeClr val="tx1"/>
-                </a:solidFill>
-              </a:rPr>
-              <a:t>Resend</a:t>
-            </a:r>
-            <a:endParaRPr lang="de-CH" sz="2800" dirty="0">
-              <a:solidFill>
-                <a:schemeClr val="tx1"/>
-              </a:solidFill>
-            </a:endParaRPr>
-          </a:p>
-          <a:p>
-            <a:pPr marL="306000" indent="-306000" defTabSz="457200">
-              <a:spcBef>
-                <a:spcPct val="20000"/>
-              </a:spcBef>
-              <a:spcAft>
-                <a:spcPts val="600"/>
-              </a:spcAft>
-              <a:buClr>
-                <a:schemeClr val="accent2"/>
-              </a:buClr>
-              <a:buSzPct val="92000"/>
-              <a:buFont typeface="Wingdings 2" panose="05020102010507070707" pitchFamily="18" charset="2"/>
-              <a:buChar char=""/>
-            </a:pPr>
-            <a:r>
-              <a:rPr lang="de-CH" sz="2800" dirty="0">
-                <a:solidFill>
-                  <a:schemeClr val="tx1"/>
-                </a:solidFill>
-              </a:rPr>
               <a:t>Redundante Datenübertragung</a:t>
             </a:r>
           </a:p>
@@ -16231,7 +16860,7 @@
 </p:sld>
 </file>
 
-<file path=ppt/slides/slide19.xml><?xml version="1.0" encoding="utf-8"?>
+<file path=ppt/slides/slide18.xml><?xml version="1.0" encoding="utf-8"?>
 <p:sld xmlns:a="http://schemas.openxmlformats.org/drawingml/2006/main" xmlns:r="http://schemas.openxmlformats.org/officeDocument/2006/relationships" xmlns:p="http://schemas.openxmlformats.org/presentationml/2006/main">
   <p:cSld>
     <p:spTree>
@@ -17071,7 +17700,7 @@
           <a:p>
             <a:fld id="{7AC51F72-762B-4631-A527-211F5F845826}" type="slidenum">
               <a:rPr lang="de-CH" smtClean="0"/>
-              <a:t>19</a:t>
+              <a:t>18</a:t>
             </a:fld>
             <a:endParaRPr lang="de-CH"/>
           </a:p>
@@ -17081,6 +17710,496 @@
     <p:extLst>
       <p:ext uri="{BB962C8B-B14F-4D97-AF65-F5344CB8AC3E}">
         <p14:creationId xmlns:p14="http://schemas.microsoft.com/office/powerpoint/2010/main" val="4204399535"/>
+      </p:ext>
+    </p:extLst>
+  </p:cSld>
+  <p:clrMapOvr>
+    <a:masterClrMapping/>
+  </p:clrMapOvr>
+</p:sld>
+</file>
+
+<file path=ppt/slides/slide19.xml><?xml version="1.0" encoding="utf-8"?>
+<p:sld xmlns:a="http://schemas.openxmlformats.org/drawingml/2006/main" xmlns:r="http://schemas.openxmlformats.org/officeDocument/2006/relationships" xmlns:p="http://schemas.openxmlformats.org/presentationml/2006/main">
+  <p:cSld>
+    <p:spTree>
+      <p:nvGrpSpPr>
+        <p:cNvPr id="1" name=""/>
+        <p:cNvGrpSpPr/>
+        <p:nvPr/>
+      </p:nvGrpSpPr>
+      <p:grpSpPr>
+        <a:xfrm>
+          <a:off x="0" y="0"/>
+          <a:ext cx="0" cy="0"/>
+          <a:chOff x="0" y="0"/>
+          <a:chExt cx="0" cy="0"/>
+        </a:xfrm>
+      </p:grpSpPr>
+      <p:sp>
+        <p:nvSpPr>
+          <p:cNvPr id="2" name="Titel 1">
+            <a:extLst>
+              <a:ext uri="{FF2B5EF4-FFF2-40B4-BE49-F238E27FC236}">
+                <a16:creationId xmlns:a16="http://schemas.microsoft.com/office/drawing/2014/main" id="{92914278-D6E7-42A3-A68F-C6E3B4A37C97}"/>
+              </a:ext>
+            </a:extLst>
+          </p:cNvPr>
+          <p:cNvSpPr>
+            <a:spLocks noGrp="1"/>
+          </p:cNvSpPr>
+          <p:nvPr>
+            <p:ph type="title"/>
+          </p:nvPr>
+        </p:nvSpPr>
+        <p:spPr/>
+        <p:txBody>
+          <a:bodyPr/>
+          <a:lstStyle/>
+          <a:p>
+            <a:r>
+              <a:rPr lang="de-CH" dirty="0"/>
+              <a:t>Informationssicherheit</a:t>
+            </a:r>
+          </a:p>
+        </p:txBody>
+      </p:sp>
+      <p:sp>
+        <p:nvSpPr>
+          <p:cNvPr id="4" name="Foliennummernplatzhalter 3">
+            <a:extLst>
+              <a:ext uri="{FF2B5EF4-FFF2-40B4-BE49-F238E27FC236}">
+                <a16:creationId xmlns:a16="http://schemas.microsoft.com/office/drawing/2014/main" id="{E13198D6-E23B-4DB7-9B94-217239E0EF78}"/>
+              </a:ext>
+            </a:extLst>
+          </p:cNvPr>
+          <p:cNvSpPr>
+            <a:spLocks noGrp="1"/>
+          </p:cNvSpPr>
+          <p:nvPr>
+            <p:ph type="sldNum" sz="quarter" idx="12"/>
+          </p:nvPr>
+        </p:nvSpPr>
+        <p:spPr/>
+        <p:txBody>
+          <a:bodyPr/>
+          <a:lstStyle/>
+          <a:p>
+            <a:fld id="{7AC51F72-762B-4631-A527-211F5F845826}" type="slidenum">
+              <a:rPr lang="de-CH" smtClean="0"/>
+              <a:t>19</a:t>
+            </a:fld>
+            <a:endParaRPr lang="de-CH"/>
+          </a:p>
+        </p:txBody>
+      </p:sp>
+      <p:sp>
+        <p:nvSpPr>
+          <p:cNvPr id="5" name="Inhaltsplatzhalter 2">
+            <a:extLst>
+              <a:ext uri="{FF2B5EF4-FFF2-40B4-BE49-F238E27FC236}">
+                <a16:creationId xmlns:a16="http://schemas.microsoft.com/office/drawing/2014/main" id="{8DDD5B10-F67A-4775-A644-D49E1590E463}"/>
+              </a:ext>
+            </a:extLst>
+          </p:cNvPr>
+          <p:cNvSpPr txBox="1">
+            <a:spLocks/>
+          </p:cNvSpPr>
+          <p:nvPr/>
+        </p:nvSpPr>
+        <p:spPr>
+          <a:xfrm>
+            <a:off x="1162386" y="1778311"/>
+            <a:ext cx="9993294" cy="4476439"/>
+          </a:xfrm>
+          <a:prstGeom prst="rect">
+            <a:avLst/>
+          </a:prstGeom>
+        </p:spPr>
+        <p:txBody>
+          <a:bodyPr vert="horz" lIns="91440" tIns="45720" rIns="91440" bIns="45720" rtlCol="0" anchor="ctr">
+            <a:normAutofit/>
+          </a:bodyPr>
+          <a:lstStyle>
+            <a:lvl1pPr marL="91440" indent="-91440" algn="l" defTabSz="914400" rtl="0" eaLnBrk="1" latinLnBrk="0" hangingPunct="1">
+              <a:lnSpc>
+                <a:spcPct val="90000"/>
+              </a:lnSpc>
+              <a:spcBef>
+                <a:spcPts val="1200"/>
+              </a:spcBef>
+              <a:spcAft>
+                <a:spcPts val="200"/>
+              </a:spcAft>
+              <a:buClr>
+                <a:schemeClr val="accent1"/>
+              </a:buClr>
+              <a:buSzPct val="100000"/>
+              <a:buFont typeface="Calibri" panose="020F0502020204030204" pitchFamily="34" charset="0"/>
+              <a:buChar char=" "/>
+              <a:defRPr sz="2000" kern="1200">
+                <a:solidFill>
+                  <a:schemeClr val="tx1">
+                    <a:lumMod val="75000"/>
+                    <a:lumOff val="25000"/>
+                  </a:schemeClr>
+                </a:solidFill>
+                <a:latin typeface="+mn-lt"/>
+                <a:ea typeface="+mn-ea"/>
+                <a:cs typeface="+mn-cs"/>
+              </a:defRPr>
+            </a:lvl1pPr>
+            <a:lvl2pPr marL="384048" indent="-182880" algn="l" defTabSz="914400" rtl="0" eaLnBrk="1" latinLnBrk="0" hangingPunct="1">
+              <a:lnSpc>
+                <a:spcPct val="90000"/>
+              </a:lnSpc>
+              <a:spcBef>
+                <a:spcPts val="200"/>
+              </a:spcBef>
+              <a:spcAft>
+                <a:spcPts val="400"/>
+              </a:spcAft>
+              <a:buClr>
+                <a:schemeClr val="accent1"/>
+              </a:buClr>
+              <a:buFont typeface="Calibri" pitchFamily="34" charset="0"/>
+              <a:buChar char="◦"/>
+              <a:defRPr sz="1800" kern="1200">
+                <a:solidFill>
+                  <a:schemeClr val="tx1">
+                    <a:lumMod val="75000"/>
+                    <a:lumOff val="25000"/>
+                  </a:schemeClr>
+                </a:solidFill>
+                <a:latin typeface="+mn-lt"/>
+                <a:ea typeface="+mn-ea"/>
+                <a:cs typeface="+mn-cs"/>
+              </a:defRPr>
+            </a:lvl2pPr>
+            <a:lvl3pPr marL="566928" indent="-182880" algn="l" defTabSz="914400" rtl="0" eaLnBrk="1" latinLnBrk="0" hangingPunct="1">
+              <a:lnSpc>
+                <a:spcPct val="90000"/>
+              </a:lnSpc>
+              <a:spcBef>
+                <a:spcPts val="200"/>
+              </a:spcBef>
+              <a:spcAft>
+                <a:spcPts val="400"/>
+              </a:spcAft>
+              <a:buClr>
+                <a:schemeClr val="accent1"/>
+              </a:buClr>
+              <a:buFont typeface="Calibri" pitchFamily="34" charset="0"/>
+              <a:buChar char="◦"/>
+              <a:defRPr sz="1400" kern="1200">
+                <a:solidFill>
+                  <a:schemeClr val="tx1">
+                    <a:lumMod val="75000"/>
+                    <a:lumOff val="25000"/>
+                  </a:schemeClr>
+                </a:solidFill>
+                <a:latin typeface="+mn-lt"/>
+                <a:ea typeface="+mn-ea"/>
+                <a:cs typeface="+mn-cs"/>
+              </a:defRPr>
+            </a:lvl3pPr>
+            <a:lvl4pPr marL="749808" indent="-182880" algn="l" defTabSz="914400" rtl="0" eaLnBrk="1" latinLnBrk="0" hangingPunct="1">
+              <a:lnSpc>
+                <a:spcPct val="90000"/>
+              </a:lnSpc>
+              <a:spcBef>
+                <a:spcPts val="200"/>
+              </a:spcBef>
+              <a:spcAft>
+                <a:spcPts val="400"/>
+              </a:spcAft>
+              <a:buClr>
+                <a:schemeClr val="accent1"/>
+              </a:buClr>
+              <a:buFont typeface="Calibri" pitchFamily="34" charset="0"/>
+              <a:buChar char="◦"/>
+              <a:defRPr sz="1400" kern="1200">
+                <a:solidFill>
+                  <a:schemeClr val="tx1">
+                    <a:lumMod val="75000"/>
+                    <a:lumOff val="25000"/>
+                  </a:schemeClr>
+                </a:solidFill>
+                <a:latin typeface="+mn-lt"/>
+                <a:ea typeface="+mn-ea"/>
+                <a:cs typeface="+mn-cs"/>
+              </a:defRPr>
+            </a:lvl4pPr>
+            <a:lvl5pPr marL="932688" indent="-182880" algn="l" defTabSz="914400" rtl="0" eaLnBrk="1" latinLnBrk="0" hangingPunct="1">
+              <a:lnSpc>
+                <a:spcPct val="90000"/>
+              </a:lnSpc>
+              <a:spcBef>
+                <a:spcPts val="200"/>
+              </a:spcBef>
+              <a:spcAft>
+                <a:spcPts val="400"/>
+              </a:spcAft>
+              <a:buClr>
+                <a:schemeClr val="accent1"/>
+              </a:buClr>
+              <a:buFont typeface="Calibri" pitchFamily="34" charset="0"/>
+              <a:buChar char="◦"/>
+              <a:defRPr sz="1400" kern="1200">
+                <a:solidFill>
+                  <a:schemeClr val="tx1">
+                    <a:lumMod val="75000"/>
+                    <a:lumOff val="25000"/>
+                  </a:schemeClr>
+                </a:solidFill>
+                <a:latin typeface="+mn-lt"/>
+                <a:ea typeface="+mn-ea"/>
+                <a:cs typeface="+mn-cs"/>
+              </a:defRPr>
+            </a:lvl5pPr>
+            <a:lvl6pPr marL="1100000" indent="-228600" algn="l" defTabSz="914400" rtl="0" eaLnBrk="1" latinLnBrk="0" hangingPunct="1">
+              <a:lnSpc>
+                <a:spcPct val="90000"/>
+              </a:lnSpc>
+              <a:spcBef>
+                <a:spcPts val="200"/>
+              </a:spcBef>
+              <a:spcAft>
+                <a:spcPts val="400"/>
+              </a:spcAft>
+              <a:buClr>
+                <a:schemeClr val="accent1"/>
+              </a:buClr>
+              <a:buFont typeface="Calibri" pitchFamily="34" charset="0"/>
+              <a:buChar char="◦"/>
+              <a:defRPr sz="1400" kern="1200">
+                <a:solidFill>
+                  <a:schemeClr val="tx1">
+                    <a:lumMod val="75000"/>
+                    <a:lumOff val="25000"/>
+                  </a:schemeClr>
+                </a:solidFill>
+                <a:latin typeface="+mn-lt"/>
+                <a:ea typeface="+mn-ea"/>
+                <a:cs typeface="+mn-cs"/>
+              </a:defRPr>
+            </a:lvl6pPr>
+            <a:lvl7pPr marL="1300000" indent="-228600" algn="l" defTabSz="914400" rtl="0" eaLnBrk="1" latinLnBrk="0" hangingPunct="1">
+              <a:lnSpc>
+                <a:spcPct val="90000"/>
+              </a:lnSpc>
+              <a:spcBef>
+                <a:spcPts val="200"/>
+              </a:spcBef>
+              <a:spcAft>
+                <a:spcPts val="400"/>
+              </a:spcAft>
+              <a:buClr>
+                <a:schemeClr val="accent1"/>
+              </a:buClr>
+              <a:buFont typeface="Calibri" pitchFamily="34" charset="0"/>
+              <a:buChar char="◦"/>
+              <a:defRPr sz="1400" kern="1200">
+                <a:solidFill>
+                  <a:schemeClr val="tx1">
+                    <a:lumMod val="75000"/>
+                    <a:lumOff val="25000"/>
+                  </a:schemeClr>
+                </a:solidFill>
+                <a:latin typeface="+mn-lt"/>
+                <a:ea typeface="+mn-ea"/>
+                <a:cs typeface="+mn-cs"/>
+              </a:defRPr>
+            </a:lvl7pPr>
+            <a:lvl8pPr marL="1500000" indent="-228600" algn="l" defTabSz="914400" rtl="0" eaLnBrk="1" latinLnBrk="0" hangingPunct="1">
+              <a:lnSpc>
+                <a:spcPct val="90000"/>
+              </a:lnSpc>
+              <a:spcBef>
+                <a:spcPts val="200"/>
+              </a:spcBef>
+              <a:spcAft>
+                <a:spcPts val="400"/>
+              </a:spcAft>
+              <a:buClr>
+                <a:schemeClr val="accent1"/>
+              </a:buClr>
+              <a:buFont typeface="Calibri" pitchFamily="34" charset="0"/>
+              <a:buChar char="◦"/>
+              <a:defRPr sz="1400" kern="1200">
+                <a:solidFill>
+                  <a:schemeClr val="tx1">
+                    <a:lumMod val="75000"/>
+                    <a:lumOff val="25000"/>
+                  </a:schemeClr>
+                </a:solidFill>
+                <a:latin typeface="+mn-lt"/>
+                <a:ea typeface="+mn-ea"/>
+                <a:cs typeface="+mn-cs"/>
+              </a:defRPr>
+            </a:lvl8pPr>
+            <a:lvl9pPr marL="1700000" indent="-228600" algn="l" defTabSz="914400" rtl="0" eaLnBrk="1" latinLnBrk="0" hangingPunct="1">
+              <a:lnSpc>
+                <a:spcPct val="90000"/>
+              </a:lnSpc>
+              <a:spcBef>
+                <a:spcPts val="200"/>
+              </a:spcBef>
+              <a:spcAft>
+                <a:spcPts val="400"/>
+              </a:spcAft>
+              <a:buClr>
+                <a:schemeClr val="accent1"/>
+              </a:buClr>
+              <a:buFont typeface="Calibri" pitchFamily="34" charset="0"/>
+              <a:buChar char="◦"/>
+              <a:defRPr sz="1400" kern="1200">
+                <a:solidFill>
+                  <a:schemeClr val="tx1">
+                    <a:lumMod val="75000"/>
+                    <a:lumOff val="25000"/>
+                  </a:schemeClr>
+                </a:solidFill>
+                <a:latin typeface="+mn-lt"/>
+                <a:ea typeface="+mn-ea"/>
+                <a:cs typeface="+mn-cs"/>
+              </a:defRPr>
+            </a:lvl9pPr>
+          </a:lstStyle>
+          <a:p>
+            <a:pPr marL="306000" indent="-306000" defTabSz="457200">
+              <a:spcBef>
+                <a:spcPct val="20000"/>
+              </a:spcBef>
+              <a:spcAft>
+                <a:spcPts val="600"/>
+              </a:spcAft>
+              <a:buClr>
+                <a:schemeClr val="accent2"/>
+              </a:buClr>
+              <a:buSzPct val="92000"/>
+              <a:buFont typeface="Wingdings 2" panose="05020102010507070707" pitchFamily="18" charset="2"/>
+              <a:buChar char=""/>
+            </a:pPr>
+            <a:r>
+              <a:rPr lang="de-CH" sz="3000" b="1" dirty="0">
+                <a:solidFill>
+                  <a:schemeClr val="tx1"/>
+                </a:solidFill>
+              </a:rPr>
+              <a:t>Vertraulichkeit</a:t>
+            </a:r>
+            <a:r>
+              <a:rPr lang="de-CH" sz="3000" dirty="0">
+                <a:solidFill>
+                  <a:schemeClr val="tx1"/>
+                </a:solidFill>
+              </a:rPr>
+              <a:t>: Daten dürfen lediglich von autorisierten Benutzern gelesen bzw. modifiziert werden -&gt; Verschlüsselung</a:t>
+            </a:r>
+          </a:p>
+          <a:p>
+            <a:pPr marL="306000" indent="-306000" defTabSz="457200">
+              <a:spcBef>
+                <a:spcPct val="20000"/>
+              </a:spcBef>
+              <a:spcAft>
+                <a:spcPts val="600"/>
+              </a:spcAft>
+              <a:buClr>
+                <a:schemeClr val="accent2"/>
+              </a:buClr>
+              <a:buSzPct val="92000"/>
+              <a:buFont typeface="Wingdings 2" panose="05020102010507070707" pitchFamily="18" charset="2"/>
+              <a:buChar char=""/>
+            </a:pPr>
+            <a:r>
+              <a:rPr lang="de-CH" sz="3000" b="1" dirty="0">
+                <a:solidFill>
+                  <a:schemeClr val="tx1"/>
+                </a:solidFill>
+              </a:rPr>
+              <a:t>Integrität:</a:t>
+            </a:r>
+            <a:r>
+              <a:rPr lang="de-CH" sz="3000" dirty="0">
+                <a:solidFill>
+                  <a:schemeClr val="tx1"/>
+                </a:solidFill>
+              </a:rPr>
+              <a:t> Daten dürfen nicht unbemerkt verändert werden -&gt; CRC/Hash Funktion</a:t>
+            </a:r>
+          </a:p>
+          <a:p>
+            <a:pPr marL="306000" indent="-306000" defTabSz="457200">
+              <a:spcBef>
+                <a:spcPct val="20000"/>
+              </a:spcBef>
+              <a:spcAft>
+                <a:spcPts val="600"/>
+              </a:spcAft>
+              <a:buClr>
+                <a:schemeClr val="accent2"/>
+              </a:buClr>
+              <a:buSzPct val="92000"/>
+              <a:buFont typeface="Wingdings 2" panose="05020102010507070707" pitchFamily="18" charset="2"/>
+              <a:buChar char=""/>
+            </a:pPr>
+            <a:r>
+              <a:rPr lang="de-CH" sz="3000" b="1" dirty="0">
+                <a:solidFill>
+                  <a:schemeClr val="tx1"/>
+                </a:solidFill>
+              </a:rPr>
+              <a:t>Verfügbarkeit: </a:t>
+            </a:r>
+            <a:r>
+              <a:rPr lang="de-CH" sz="3000" dirty="0">
+                <a:solidFill>
+                  <a:schemeClr val="tx1"/>
+                </a:solidFill>
+              </a:rPr>
+              <a:t>Datenzugriff gewährleistet</a:t>
+            </a:r>
+          </a:p>
+          <a:p>
+            <a:pPr marL="306000" indent="-306000" defTabSz="457200">
+              <a:spcBef>
+                <a:spcPct val="20000"/>
+              </a:spcBef>
+              <a:spcAft>
+                <a:spcPts val="600"/>
+              </a:spcAft>
+              <a:buClr>
+                <a:schemeClr val="accent2"/>
+              </a:buClr>
+              <a:buSzPct val="92000"/>
+              <a:buFont typeface="Wingdings 2" panose="05020102010507070707" pitchFamily="18" charset="2"/>
+              <a:buChar char=""/>
+            </a:pPr>
+            <a:r>
+              <a:rPr lang="de-CH" sz="3000" b="1" dirty="0">
+                <a:solidFill>
+                  <a:schemeClr val="tx1"/>
+                </a:solidFill>
+              </a:rPr>
+              <a:t>Authentizität: </a:t>
+            </a:r>
+            <a:r>
+              <a:rPr lang="de-CH" sz="3000" dirty="0">
+                <a:solidFill>
+                  <a:schemeClr val="tx1"/>
+                </a:solidFill>
+              </a:rPr>
+              <a:t>Ersteller der Message bekannt -&gt; Digitale Signatur</a:t>
+            </a:r>
+          </a:p>
+        </p:txBody>
+      </p:sp>
+    </p:spTree>
+    <p:extLst>
+      <p:ext uri="{BB962C8B-B14F-4D97-AF65-F5344CB8AC3E}">
+        <p14:creationId xmlns:p14="http://schemas.microsoft.com/office/powerpoint/2010/main" val="1496340579"/>
       </p:ext>
     </p:extLst>
   </p:cSld>
@@ -17384,7 +18503,7 @@
           <p:cNvPr id="2" name="Titel 1">
             <a:extLst>
               <a:ext uri="{FF2B5EF4-FFF2-40B4-BE49-F238E27FC236}">
-                <a16:creationId xmlns:a16="http://schemas.microsoft.com/office/drawing/2014/main" id="{92914278-D6E7-42A3-A68F-C6E3B4A37C97}"/>
+                <a16:creationId xmlns:a16="http://schemas.microsoft.com/office/drawing/2014/main" id="{4C856FDC-8734-491B-929D-B15297C82BFC}"/>
               </a:ext>
             </a:extLst>
           </p:cNvPr>
@@ -17412,7 +18531,7 @@
           <p:cNvPr id="4" name="Foliennummernplatzhalter 3">
             <a:extLst>
               <a:ext uri="{FF2B5EF4-FFF2-40B4-BE49-F238E27FC236}">
-                <a16:creationId xmlns:a16="http://schemas.microsoft.com/office/drawing/2014/main" id="{E13198D6-E23B-4DB7-9B94-217239E0EF78}"/>
+                <a16:creationId xmlns:a16="http://schemas.microsoft.com/office/drawing/2014/main" id="{F43595EA-8C35-4D27-99BB-C70221BFE95B}"/>
               </a:ext>
             </a:extLst>
           </p:cNvPr>
@@ -17441,7 +18560,7 @@
           <p:cNvPr id="5" name="Inhaltsplatzhalter 2">
             <a:extLst>
               <a:ext uri="{FF2B5EF4-FFF2-40B4-BE49-F238E27FC236}">
-                <a16:creationId xmlns:a16="http://schemas.microsoft.com/office/drawing/2014/main" id="{8DDD5B10-F67A-4775-A644-D49E1590E463}"/>
+                <a16:creationId xmlns:a16="http://schemas.microsoft.com/office/drawing/2014/main" id="{7FD3AB85-B658-4CC8-BBD2-0CD1F5AD9BAF}"/>
               </a:ext>
             </a:extLst>
           </p:cNvPr>
@@ -17710,6 +18829,29 @@
             </a:lvl9pPr>
           </a:lstStyle>
           <a:p>
+            <a:pPr marL="0" indent="0" defTabSz="457200">
+              <a:spcBef>
+                <a:spcPct val="20000"/>
+              </a:spcBef>
+              <a:spcAft>
+                <a:spcPts val="600"/>
+              </a:spcAft>
+              <a:buClr>
+                <a:schemeClr val="accent2"/>
+              </a:buClr>
+              <a:buSzPct val="92000"/>
+              <a:buNone/>
+            </a:pPr>
+            <a:r>
+              <a:rPr lang="de-CH" sz="2800" dirty="0">
+                <a:solidFill>
+                  <a:schemeClr val="tx1"/>
+                </a:solidFill>
+              </a:rPr>
+              <a:t>Verschlüsselte Datenübertragung:</a:t>
+            </a:r>
+          </a:p>
+          <a:p>
             <a:pPr marL="306000" indent="-306000" defTabSz="457200">
               <a:spcBef>
                 <a:spcPct val="20000"/>
@@ -17725,16 +18867,39 @@
               <a:buChar char=""/>
             </a:pPr>
             <a:r>
-              <a:rPr lang="de-CH" sz="3200" dirty="0">
+              <a:rPr lang="de-CH" sz="2800" dirty="0" err="1">
                 <a:solidFill>
                   <a:schemeClr val="tx1"/>
                 </a:solidFill>
               </a:rPr>
-              <a:t>Informationssicherheit</a:t>
-            </a:r>
-          </a:p>
-          <a:p>
-            <a:pPr marL="598608" lvl="1" indent="-306000" defTabSz="457200">
+              <a:t>Teensy</a:t>
+            </a:r>
+            <a:r>
+              <a:rPr lang="de-CH" sz="2800" dirty="0">
+                <a:solidFill>
+                  <a:schemeClr val="tx1"/>
+                </a:solidFill>
+              </a:rPr>
+              <a:t> hat Hardware Encryption Support für: </a:t>
+            </a:r>
+            <a:br>
+              <a:rPr lang="de-CH" sz="2800" dirty="0">
+                <a:solidFill>
+                  <a:schemeClr val="tx1"/>
+                </a:solidFill>
+              </a:rPr>
+            </a:br>
+            <a:r>
+              <a:rPr lang="de-CH" sz="2800" dirty="0">
+                <a:solidFill>
+                  <a:schemeClr val="tx1"/>
+                </a:solidFill>
+              </a:rPr>
+              <a:t>DES, 3DES, AES, MD5, SHA-1 und SHA-256</a:t>
+            </a:r>
+          </a:p>
+          <a:p>
+            <a:pPr marL="306000" indent="-306000" defTabSz="457200">
               <a:spcBef>
                 <a:spcPct val="20000"/>
               </a:spcBef>
@@ -17749,12 +18914,12 @@
               <a:buChar char=""/>
             </a:pPr>
             <a:r>
-              <a:rPr lang="de-CH" sz="2800" b="1" dirty="0">
+              <a:rPr lang="de-CH" sz="2800" dirty="0" err="1">
                 <a:solidFill>
                   <a:schemeClr val="tx1"/>
                 </a:solidFill>
               </a:rPr>
-              <a:t>Vertraulichkeit</a:t>
+              <a:t>mmCAU</a:t>
             </a:r>
             <a:r>
               <a:rPr lang="de-CH" sz="2800" dirty="0">
@@ -17762,103 +18927,7 @@
                   <a:schemeClr val="tx1"/>
                 </a:solidFill>
               </a:rPr>
-              <a:t>: Daten dürfen lediglich von autorisierten Benutzern gelesen bzw. modifiziert werden -&gt; Verschlüsselung</a:t>
-            </a:r>
-          </a:p>
-          <a:p>
-            <a:pPr marL="598608" lvl="1" indent="-306000" defTabSz="457200">
-              <a:spcBef>
-                <a:spcPct val="20000"/>
-              </a:spcBef>
-              <a:spcAft>
-                <a:spcPts val="600"/>
-              </a:spcAft>
-              <a:buClr>
-                <a:schemeClr val="accent2"/>
-              </a:buClr>
-              <a:buSzPct val="92000"/>
-              <a:buFont typeface="Wingdings 2" panose="05020102010507070707" pitchFamily="18" charset="2"/>
-              <a:buChar char=""/>
-            </a:pPr>
-            <a:r>
-              <a:rPr lang="de-CH" sz="2800" b="1" dirty="0">
-                <a:solidFill>
-                  <a:schemeClr val="tx1"/>
-                </a:solidFill>
-              </a:rPr>
-              <a:t>Integrität:</a:t>
-            </a:r>
-            <a:r>
-              <a:rPr lang="de-CH" sz="2800" dirty="0">
-                <a:solidFill>
-                  <a:schemeClr val="tx1"/>
-                </a:solidFill>
-              </a:rPr>
-              <a:t> Daten dürfen nicht unbemerkt verändert werden -&gt; CRC/Hash Funktion</a:t>
-            </a:r>
-          </a:p>
-          <a:p>
-            <a:pPr marL="598608" lvl="1" indent="-306000" defTabSz="457200">
-              <a:spcBef>
-                <a:spcPct val="20000"/>
-              </a:spcBef>
-              <a:spcAft>
-                <a:spcPts val="600"/>
-              </a:spcAft>
-              <a:buClr>
-                <a:schemeClr val="accent2"/>
-              </a:buClr>
-              <a:buSzPct val="92000"/>
-              <a:buFont typeface="Wingdings 2" panose="05020102010507070707" pitchFamily="18" charset="2"/>
-              <a:buChar char=""/>
-            </a:pPr>
-            <a:r>
-              <a:rPr lang="de-CH" sz="2800" b="1" dirty="0">
-                <a:solidFill>
-                  <a:schemeClr val="tx1"/>
-                </a:solidFill>
-              </a:rPr>
-              <a:t>Verfügbarkeit: </a:t>
-            </a:r>
-            <a:r>
-              <a:rPr lang="de-CH" sz="2800" dirty="0">
-                <a:solidFill>
-                  <a:schemeClr val="tx1"/>
-                </a:solidFill>
-              </a:rPr>
-              <a:t>Datenzugriff gewährleistet</a:t>
-            </a:r>
-          </a:p>
-          <a:p>
-            <a:pPr marL="598608" lvl="1" indent="-306000" defTabSz="457200">
-              <a:spcBef>
-                <a:spcPct val="20000"/>
-              </a:spcBef>
-              <a:spcAft>
-                <a:spcPts val="600"/>
-              </a:spcAft>
-              <a:buClr>
-                <a:schemeClr val="accent2"/>
-              </a:buClr>
-              <a:buSzPct val="92000"/>
-              <a:buFont typeface="Wingdings 2" panose="05020102010507070707" pitchFamily="18" charset="2"/>
-              <a:buChar char=""/>
-            </a:pPr>
-            <a:r>
-              <a:rPr lang="de-CH" sz="2800" b="1" dirty="0">
-                <a:solidFill>
-                  <a:schemeClr val="tx1"/>
-                </a:solidFill>
-              </a:rPr>
-              <a:t>Authentizität: </a:t>
-            </a:r>
-            <a:r>
-              <a:rPr lang="de-CH" sz="2800" dirty="0">
-                <a:solidFill>
-                  <a:schemeClr val="tx1"/>
-                </a:solidFill>
-              </a:rPr>
-              <a:t>Ersteller der Message bekannt -&gt; Digitale Signatur</a:t>
+              <a:t> (Library von NXP für Cortex M4)</a:t>
             </a:r>
           </a:p>
         </p:txBody>
@@ -17866,7 +18935,7 @@
     </p:spTree>
     <p:extLst>
       <p:ext uri="{BB962C8B-B14F-4D97-AF65-F5344CB8AC3E}">
-        <p14:creationId xmlns:p14="http://schemas.microsoft.com/office/powerpoint/2010/main" val="1496340579"/>
+        <p14:creationId xmlns:p14="http://schemas.microsoft.com/office/powerpoint/2010/main" val="877426745"/>
       </p:ext>
     </p:extLst>
   </p:cSld>
@@ -17898,550 +18967,6 @@
           <p:cNvPr id="2" name="Titel 1">
             <a:extLst>
               <a:ext uri="{FF2B5EF4-FFF2-40B4-BE49-F238E27FC236}">
-                <a16:creationId xmlns:a16="http://schemas.microsoft.com/office/drawing/2014/main" id="{4C856FDC-8734-491B-929D-B15297C82BFC}"/>
-              </a:ext>
-            </a:extLst>
-          </p:cNvPr>
-          <p:cNvSpPr>
-            <a:spLocks noGrp="1"/>
-          </p:cNvSpPr>
-          <p:nvPr>
-            <p:ph type="title"/>
-          </p:nvPr>
-        </p:nvSpPr>
-        <p:spPr/>
-        <p:txBody>
-          <a:bodyPr/>
-          <a:lstStyle/>
-          <a:p>
-            <a:r>
-              <a:rPr lang="de-CH" dirty="0"/>
-              <a:t>Vertraulichkeit</a:t>
-            </a:r>
-          </a:p>
-        </p:txBody>
-      </p:sp>
-      <p:sp>
-        <p:nvSpPr>
-          <p:cNvPr id="4" name="Foliennummernplatzhalter 3">
-            <a:extLst>
-              <a:ext uri="{FF2B5EF4-FFF2-40B4-BE49-F238E27FC236}">
-                <a16:creationId xmlns:a16="http://schemas.microsoft.com/office/drawing/2014/main" id="{F43595EA-8C35-4D27-99BB-C70221BFE95B}"/>
-              </a:ext>
-            </a:extLst>
-          </p:cNvPr>
-          <p:cNvSpPr>
-            <a:spLocks noGrp="1"/>
-          </p:cNvSpPr>
-          <p:nvPr>
-            <p:ph type="sldNum" sz="quarter" idx="12"/>
-          </p:nvPr>
-        </p:nvSpPr>
-        <p:spPr/>
-        <p:txBody>
-          <a:bodyPr/>
-          <a:lstStyle/>
-          <a:p>
-            <a:fld id="{7AC51F72-762B-4631-A527-211F5F845826}" type="slidenum">
-              <a:rPr lang="de-CH" smtClean="0"/>
-              <a:t>21</a:t>
-            </a:fld>
-            <a:endParaRPr lang="de-CH"/>
-          </a:p>
-        </p:txBody>
-      </p:sp>
-      <p:sp>
-        <p:nvSpPr>
-          <p:cNvPr id="5" name="Inhaltsplatzhalter 2">
-            <a:extLst>
-              <a:ext uri="{FF2B5EF4-FFF2-40B4-BE49-F238E27FC236}">
-                <a16:creationId xmlns:a16="http://schemas.microsoft.com/office/drawing/2014/main" id="{7FD3AB85-B658-4CC8-BBD2-0CD1F5AD9BAF}"/>
-              </a:ext>
-            </a:extLst>
-          </p:cNvPr>
-          <p:cNvSpPr txBox="1">
-            <a:spLocks/>
-          </p:cNvSpPr>
-          <p:nvPr/>
-        </p:nvSpPr>
-        <p:spPr>
-          <a:xfrm>
-            <a:off x="1162386" y="1778311"/>
-            <a:ext cx="9993294" cy="4476439"/>
-          </a:xfrm>
-          <a:prstGeom prst="rect">
-            <a:avLst/>
-          </a:prstGeom>
-        </p:spPr>
-        <p:txBody>
-          <a:bodyPr vert="horz" lIns="91440" tIns="45720" rIns="91440" bIns="45720" rtlCol="0" anchor="ctr">
-            <a:normAutofit/>
-          </a:bodyPr>
-          <a:lstStyle>
-            <a:lvl1pPr marL="91440" indent="-91440" algn="l" defTabSz="914400" rtl="0" eaLnBrk="1" latinLnBrk="0" hangingPunct="1">
-              <a:lnSpc>
-                <a:spcPct val="90000"/>
-              </a:lnSpc>
-              <a:spcBef>
-                <a:spcPts val="1200"/>
-              </a:spcBef>
-              <a:spcAft>
-                <a:spcPts val="200"/>
-              </a:spcAft>
-              <a:buClr>
-                <a:schemeClr val="accent1"/>
-              </a:buClr>
-              <a:buSzPct val="100000"/>
-              <a:buFont typeface="Calibri" panose="020F0502020204030204" pitchFamily="34" charset="0"/>
-              <a:buChar char=" "/>
-              <a:defRPr sz="2000" kern="1200">
-                <a:solidFill>
-                  <a:schemeClr val="tx1">
-                    <a:lumMod val="75000"/>
-                    <a:lumOff val="25000"/>
-                  </a:schemeClr>
-                </a:solidFill>
-                <a:latin typeface="+mn-lt"/>
-                <a:ea typeface="+mn-ea"/>
-                <a:cs typeface="+mn-cs"/>
-              </a:defRPr>
-            </a:lvl1pPr>
-            <a:lvl2pPr marL="384048" indent="-182880" algn="l" defTabSz="914400" rtl="0" eaLnBrk="1" latinLnBrk="0" hangingPunct="1">
-              <a:lnSpc>
-                <a:spcPct val="90000"/>
-              </a:lnSpc>
-              <a:spcBef>
-                <a:spcPts val="200"/>
-              </a:spcBef>
-              <a:spcAft>
-                <a:spcPts val="400"/>
-              </a:spcAft>
-              <a:buClr>
-                <a:schemeClr val="accent1"/>
-              </a:buClr>
-              <a:buFont typeface="Calibri" pitchFamily="34" charset="0"/>
-              <a:buChar char="◦"/>
-              <a:defRPr sz="1800" kern="1200">
-                <a:solidFill>
-                  <a:schemeClr val="tx1">
-                    <a:lumMod val="75000"/>
-                    <a:lumOff val="25000"/>
-                  </a:schemeClr>
-                </a:solidFill>
-                <a:latin typeface="+mn-lt"/>
-                <a:ea typeface="+mn-ea"/>
-                <a:cs typeface="+mn-cs"/>
-              </a:defRPr>
-            </a:lvl2pPr>
-            <a:lvl3pPr marL="566928" indent="-182880" algn="l" defTabSz="914400" rtl="0" eaLnBrk="1" latinLnBrk="0" hangingPunct="1">
-              <a:lnSpc>
-                <a:spcPct val="90000"/>
-              </a:lnSpc>
-              <a:spcBef>
-                <a:spcPts val="200"/>
-              </a:spcBef>
-              <a:spcAft>
-                <a:spcPts val="400"/>
-              </a:spcAft>
-              <a:buClr>
-                <a:schemeClr val="accent1"/>
-              </a:buClr>
-              <a:buFont typeface="Calibri" pitchFamily="34" charset="0"/>
-              <a:buChar char="◦"/>
-              <a:defRPr sz="1400" kern="1200">
-                <a:solidFill>
-                  <a:schemeClr val="tx1">
-                    <a:lumMod val="75000"/>
-                    <a:lumOff val="25000"/>
-                  </a:schemeClr>
-                </a:solidFill>
-                <a:latin typeface="+mn-lt"/>
-                <a:ea typeface="+mn-ea"/>
-                <a:cs typeface="+mn-cs"/>
-              </a:defRPr>
-            </a:lvl3pPr>
-            <a:lvl4pPr marL="749808" indent="-182880" algn="l" defTabSz="914400" rtl="0" eaLnBrk="1" latinLnBrk="0" hangingPunct="1">
-              <a:lnSpc>
-                <a:spcPct val="90000"/>
-              </a:lnSpc>
-              <a:spcBef>
-                <a:spcPts val="200"/>
-              </a:spcBef>
-              <a:spcAft>
-                <a:spcPts val="400"/>
-              </a:spcAft>
-              <a:buClr>
-                <a:schemeClr val="accent1"/>
-              </a:buClr>
-              <a:buFont typeface="Calibri" pitchFamily="34" charset="0"/>
-              <a:buChar char="◦"/>
-              <a:defRPr sz="1400" kern="1200">
-                <a:solidFill>
-                  <a:schemeClr val="tx1">
-                    <a:lumMod val="75000"/>
-                    <a:lumOff val="25000"/>
-                  </a:schemeClr>
-                </a:solidFill>
-                <a:latin typeface="+mn-lt"/>
-                <a:ea typeface="+mn-ea"/>
-                <a:cs typeface="+mn-cs"/>
-              </a:defRPr>
-            </a:lvl4pPr>
-            <a:lvl5pPr marL="932688" indent="-182880" algn="l" defTabSz="914400" rtl="0" eaLnBrk="1" latinLnBrk="0" hangingPunct="1">
-              <a:lnSpc>
-                <a:spcPct val="90000"/>
-              </a:lnSpc>
-              <a:spcBef>
-                <a:spcPts val="200"/>
-              </a:spcBef>
-              <a:spcAft>
-                <a:spcPts val="400"/>
-              </a:spcAft>
-              <a:buClr>
-                <a:schemeClr val="accent1"/>
-              </a:buClr>
-              <a:buFont typeface="Calibri" pitchFamily="34" charset="0"/>
-              <a:buChar char="◦"/>
-              <a:defRPr sz="1400" kern="1200">
-                <a:solidFill>
-                  <a:schemeClr val="tx1">
-                    <a:lumMod val="75000"/>
-                    <a:lumOff val="25000"/>
-                  </a:schemeClr>
-                </a:solidFill>
-                <a:latin typeface="+mn-lt"/>
-                <a:ea typeface="+mn-ea"/>
-                <a:cs typeface="+mn-cs"/>
-              </a:defRPr>
-            </a:lvl5pPr>
-            <a:lvl6pPr marL="1100000" indent="-228600" algn="l" defTabSz="914400" rtl="0" eaLnBrk="1" latinLnBrk="0" hangingPunct="1">
-              <a:lnSpc>
-                <a:spcPct val="90000"/>
-              </a:lnSpc>
-              <a:spcBef>
-                <a:spcPts val="200"/>
-              </a:spcBef>
-              <a:spcAft>
-                <a:spcPts val="400"/>
-              </a:spcAft>
-              <a:buClr>
-                <a:schemeClr val="accent1"/>
-              </a:buClr>
-              <a:buFont typeface="Calibri" pitchFamily="34" charset="0"/>
-              <a:buChar char="◦"/>
-              <a:defRPr sz="1400" kern="1200">
-                <a:solidFill>
-                  <a:schemeClr val="tx1">
-                    <a:lumMod val="75000"/>
-                    <a:lumOff val="25000"/>
-                  </a:schemeClr>
-                </a:solidFill>
-                <a:latin typeface="+mn-lt"/>
-                <a:ea typeface="+mn-ea"/>
-                <a:cs typeface="+mn-cs"/>
-              </a:defRPr>
-            </a:lvl6pPr>
-            <a:lvl7pPr marL="1300000" indent="-228600" algn="l" defTabSz="914400" rtl="0" eaLnBrk="1" latinLnBrk="0" hangingPunct="1">
-              <a:lnSpc>
-                <a:spcPct val="90000"/>
-              </a:lnSpc>
-              <a:spcBef>
-                <a:spcPts val="200"/>
-              </a:spcBef>
-              <a:spcAft>
-                <a:spcPts val="400"/>
-              </a:spcAft>
-              <a:buClr>
-                <a:schemeClr val="accent1"/>
-              </a:buClr>
-              <a:buFont typeface="Calibri" pitchFamily="34" charset="0"/>
-              <a:buChar char="◦"/>
-              <a:defRPr sz="1400" kern="1200">
-                <a:solidFill>
-                  <a:schemeClr val="tx1">
-                    <a:lumMod val="75000"/>
-                    <a:lumOff val="25000"/>
-                  </a:schemeClr>
-                </a:solidFill>
-                <a:latin typeface="+mn-lt"/>
-                <a:ea typeface="+mn-ea"/>
-                <a:cs typeface="+mn-cs"/>
-              </a:defRPr>
-            </a:lvl7pPr>
-            <a:lvl8pPr marL="1500000" indent="-228600" algn="l" defTabSz="914400" rtl="0" eaLnBrk="1" latinLnBrk="0" hangingPunct="1">
-              <a:lnSpc>
-                <a:spcPct val="90000"/>
-              </a:lnSpc>
-              <a:spcBef>
-                <a:spcPts val="200"/>
-              </a:spcBef>
-              <a:spcAft>
-                <a:spcPts val="400"/>
-              </a:spcAft>
-              <a:buClr>
-                <a:schemeClr val="accent1"/>
-              </a:buClr>
-              <a:buFont typeface="Calibri" pitchFamily="34" charset="0"/>
-              <a:buChar char="◦"/>
-              <a:defRPr sz="1400" kern="1200">
-                <a:solidFill>
-                  <a:schemeClr val="tx1">
-                    <a:lumMod val="75000"/>
-                    <a:lumOff val="25000"/>
-                  </a:schemeClr>
-                </a:solidFill>
-                <a:latin typeface="+mn-lt"/>
-                <a:ea typeface="+mn-ea"/>
-                <a:cs typeface="+mn-cs"/>
-              </a:defRPr>
-            </a:lvl8pPr>
-            <a:lvl9pPr marL="1700000" indent="-228600" algn="l" defTabSz="914400" rtl="0" eaLnBrk="1" latinLnBrk="0" hangingPunct="1">
-              <a:lnSpc>
-                <a:spcPct val="90000"/>
-              </a:lnSpc>
-              <a:spcBef>
-                <a:spcPts val="200"/>
-              </a:spcBef>
-              <a:spcAft>
-                <a:spcPts val="400"/>
-              </a:spcAft>
-              <a:buClr>
-                <a:schemeClr val="accent1"/>
-              </a:buClr>
-              <a:buFont typeface="Calibri" pitchFamily="34" charset="0"/>
-              <a:buChar char="◦"/>
-              <a:defRPr sz="1400" kern="1200">
-                <a:solidFill>
-                  <a:schemeClr val="tx1">
-                    <a:lumMod val="75000"/>
-                    <a:lumOff val="25000"/>
-                  </a:schemeClr>
-                </a:solidFill>
-                <a:latin typeface="+mn-lt"/>
-                <a:ea typeface="+mn-ea"/>
-                <a:cs typeface="+mn-cs"/>
-              </a:defRPr>
-            </a:lvl9pPr>
-          </a:lstStyle>
-          <a:p>
-            <a:pPr marL="0" indent="0" defTabSz="457200">
-              <a:spcBef>
-                <a:spcPct val="20000"/>
-              </a:spcBef>
-              <a:spcAft>
-                <a:spcPts val="600"/>
-              </a:spcAft>
-              <a:buClr>
-                <a:schemeClr val="accent2"/>
-              </a:buClr>
-              <a:buSzPct val="92000"/>
-              <a:buNone/>
-            </a:pPr>
-            <a:r>
-              <a:rPr lang="de-CH" sz="2800" dirty="0">
-                <a:solidFill>
-                  <a:schemeClr val="tx1"/>
-                </a:solidFill>
-              </a:rPr>
-              <a:t>Verschlüsselte Datenübertragung:</a:t>
-            </a:r>
-          </a:p>
-          <a:p>
-            <a:pPr marL="306000" indent="-306000" defTabSz="457200">
-              <a:spcBef>
-                <a:spcPct val="20000"/>
-              </a:spcBef>
-              <a:spcAft>
-                <a:spcPts val="600"/>
-              </a:spcAft>
-              <a:buClr>
-                <a:schemeClr val="accent2"/>
-              </a:buClr>
-              <a:buSzPct val="92000"/>
-              <a:buFont typeface="Wingdings 2" panose="05020102010507070707" pitchFamily="18" charset="2"/>
-              <a:buChar char=""/>
-            </a:pPr>
-            <a:r>
-              <a:rPr lang="de-CH" sz="2800" dirty="0" err="1">
-                <a:solidFill>
-                  <a:schemeClr val="tx1"/>
-                </a:solidFill>
-              </a:rPr>
-              <a:t>Teensy</a:t>
-            </a:r>
-            <a:r>
-              <a:rPr lang="de-CH" sz="2800" dirty="0">
-                <a:solidFill>
-                  <a:schemeClr val="tx1"/>
-                </a:solidFill>
-              </a:rPr>
-              <a:t> hat Hardware Encryption Support für: </a:t>
-            </a:r>
-            <a:br>
-              <a:rPr lang="de-CH" sz="2800" dirty="0">
-                <a:solidFill>
-                  <a:schemeClr val="tx1"/>
-                </a:solidFill>
-              </a:rPr>
-            </a:br>
-            <a:r>
-              <a:rPr lang="de-CH" sz="2800" dirty="0">
-                <a:solidFill>
-                  <a:schemeClr val="tx1"/>
-                </a:solidFill>
-              </a:rPr>
-              <a:t>DES, 3DES, AES, MD5, SHA-1 und SHA-256</a:t>
-            </a:r>
-          </a:p>
-          <a:p>
-            <a:pPr marL="306000" indent="-306000" defTabSz="457200">
-              <a:spcBef>
-                <a:spcPct val="20000"/>
-              </a:spcBef>
-              <a:spcAft>
-                <a:spcPts val="600"/>
-              </a:spcAft>
-              <a:buClr>
-                <a:schemeClr val="accent2"/>
-              </a:buClr>
-              <a:buSzPct val="92000"/>
-              <a:buFont typeface="Wingdings 2" panose="05020102010507070707" pitchFamily="18" charset="2"/>
-              <a:buChar char=""/>
-            </a:pPr>
-            <a:r>
-              <a:rPr lang="de-CH" sz="2800" dirty="0" err="1">
-                <a:solidFill>
-                  <a:schemeClr val="tx1"/>
-                </a:solidFill>
-              </a:rPr>
-              <a:t>mmCAU</a:t>
-            </a:r>
-            <a:r>
-              <a:rPr lang="de-CH" sz="2800" dirty="0">
-                <a:solidFill>
-                  <a:schemeClr val="tx1"/>
-                </a:solidFill>
-              </a:rPr>
-              <a:t> (Library von NXP für Cortex M4)</a:t>
-            </a:r>
-          </a:p>
-          <a:p>
-            <a:pPr marL="0" indent="0" defTabSz="457200">
-              <a:spcBef>
-                <a:spcPct val="20000"/>
-              </a:spcBef>
-              <a:spcAft>
-                <a:spcPts val="600"/>
-              </a:spcAft>
-              <a:buClr>
-                <a:schemeClr val="accent2"/>
-              </a:buClr>
-              <a:buSzPct val="92000"/>
-              <a:buNone/>
-            </a:pPr>
-            <a:endParaRPr lang="de-CH" sz="2800" dirty="0">
-              <a:solidFill>
-                <a:schemeClr val="tx1"/>
-              </a:solidFill>
-            </a:endParaRPr>
-          </a:p>
-          <a:p>
-            <a:pPr marL="0" indent="0" defTabSz="457200">
-              <a:spcBef>
-                <a:spcPct val="20000"/>
-              </a:spcBef>
-              <a:spcAft>
-                <a:spcPts val="600"/>
-              </a:spcAft>
-              <a:buClr>
-                <a:schemeClr val="accent2"/>
-              </a:buClr>
-              <a:buSzPct val="92000"/>
-              <a:buNone/>
-            </a:pPr>
-            <a:r>
-              <a:rPr lang="de-CH" sz="2800" dirty="0">
-                <a:solidFill>
-                  <a:schemeClr val="tx1"/>
-                </a:solidFill>
-              </a:rPr>
-              <a:t>Schlüsselgenerierung / Schlüsselverteilung</a:t>
-            </a:r>
-          </a:p>
-          <a:p>
-            <a:pPr marL="306000" indent="-306000" defTabSz="457200">
-              <a:spcBef>
-                <a:spcPct val="20000"/>
-              </a:spcBef>
-              <a:spcAft>
-                <a:spcPts val="600"/>
-              </a:spcAft>
-              <a:buClr>
-                <a:schemeClr val="accent2"/>
-              </a:buClr>
-              <a:buSzPct val="92000"/>
-              <a:buFont typeface="Wingdings 2" panose="05020102010507070707" pitchFamily="18" charset="2"/>
-              <a:buChar char=""/>
-            </a:pPr>
-            <a:r>
-              <a:rPr lang="de-CH" sz="2800" dirty="0">
-                <a:solidFill>
-                  <a:schemeClr val="tx1"/>
-                </a:solidFill>
-              </a:rPr>
-              <a:t>Key Generation mithilfe der 128-Bit ID des </a:t>
-            </a:r>
-            <a:r>
-              <a:rPr lang="de-CH" sz="2800" dirty="0" err="1">
-                <a:solidFill>
-                  <a:schemeClr val="tx1"/>
-                </a:solidFill>
-              </a:rPr>
-              <a:t>uC</a:t>
-            </a:r>
-            <a:endParaRPr lang="de-CH" sz="2800" dirty="0">
-              <a:solidFill>
-                <a:schemeClr val="tx1"/>
-              </a:solidFill>
-            </a:endParaRPr>
-          </a:p>
-        </p:txBody>
-      </p:sp>
-    </p:spTree>
-    <p:extLst>
-      <p:ext uri="{BB962C8B-B14F-4D97-AF65-F5344CB8AC3E}">
-        <p14:creationId xmlns:p14="http://schemas.microsoft.com/office/powerpoint/2010/main" val="877426745"/>
-      </p:ext>
-    </p:extLst>
-  </p:cSld>
-  <p:clrMapOvr>
-    <a:masterClrMapping/>
-  </p:clrMapOvr>
-</p:sld>
-</file>
-
-<file path=ppt/slides/slide22.xml><?xml version="1.0" encoding="utf-8"?>
-<p:sld xmlns:a="http://schemas.openxmlformats.org/drawingml/2006/main" xmlns:r="http://schemas.openxmlformats.org/officeDocument/2006/relationships" xmlns:p="http://schemas.openxmlformats.org/presentationml/2006/main">
-  <p:cSld>
-    <p:spTree>
-      <p:nvGrpSpPr>
-        <p:cNvPr id="1" name=""/>
-        <p:cNvGrpSpPr/>
-        <p:nvPr/>
-      </p:nvGrpSpPr>
-      <p:grpSpPr>
-        <a:xfrm>
-          <a:off x="0" y="0"/>
-          <a:ext cx="0" cy="0"/>
-          <a:chOff x="0" y="0"/>
-          <a:chExt cx="0" cy="0"/>
-        </a:xfrm>
-      </p:grpSpPr>
-      <p:sp>
-        <p:nvSpPr>
-          <p:cNvPr id="2" name="Titel 1">
-            <a:extLst>
-              <a:ext uri="{FF2B5EF4-FFF2-40B4-BE49-F238E27FC236}">
                 <a16:creationId xmlns:a16="http://schemas.microsoft.com/office/drawing/2014/main" id="{DDB3C6ED-908B-456F-B814-25502BBB99B0}"/>
               </a:ext>
             </a:extLst>
@@ -18481,7 +19006,7 @@
             <p:ph sz="half" idx="2"/>
             <p:extLst>
               <p:ext uri="{D42A27DB-BD31-4B8C-83A1-F6EECF244321}">
-                <p14:modId xmlns:p14="http://schemas.microsoft.com/office/powerpoint/2010/main" val="4158046688"/>
+                <p14:modId xmlns:p14="http://schemas.microsoft.com/office/powerpoint/2010/main" val="2134358147"/>
               </p:ext>
             </p:extLst>
           </p:nvPr>
@@ -18886,7 +19411,7 @@
                       </a:pPr>
                       <a:r>
                         <a:rPr lang="de-CH" dirty="0"/>
-                        <a:t>-</a:t>
+                        <a:t>?</a:t>
                       </a:r>
                     </a:p>
                   </a:txBody>
@@ -19260,7 +19785,7 @@
           <a:p>
             <a:fld id="{7AC51F72-762B-4631-A527-211F5F845826}" type="slidenum">
               <a:rPr lang="de-CH" smtClean="0"/>
-              <a:t>22</a:t>
+              <a:t>21</a:t>
             </a:fld>
             <a:endParaRPr lang="de-CH"/>
           </a:p>
@@ -19270,6 +19795,512 @@
     <p:extLst>
       <p:ext uri="{BB962C8B-B14F-4D97-AF65-F5344CB8AC3E}">
         <p14:creationId xmlns:p14="http://schemas.microsoft.com/office/powerpoint/2010/main" val="2130935292"/>
+      </p:ext>
+    </p:extLst>
+  </p:cSld>
+  <p:clrMapOvr>
+    <a:masterClrMapping/>
+  </p:clrMapOvr>
+</p:sld>
+</file>
+
+<file path=ppt/slides/slide22.xml><?xml version="1.0" encoding="utf-8"?>
+<p:sld xmlns:a="http://schemas.openxmlformats.org/drawingml/2006/main" xmlns:r="http://schemas.openxmlformats.org/officeDocument/2006/relationships" xmlns:p="http://schemas.openxmlformats.org/presentationml/2006/main">
+  <p:cSld>
+    <p:spTree>
+      <p:nvGrpSpPr>
+        <p:cNvPr id="1" name=""/>
+        <p:cNvGrpSpPr/>
+        <p:nvPr/>
+      </p:nvGrpSpPr>
+      <p:grpSpPr>
+        <a:xfrm>
+          <a:off x="0" y="0"/>
+          <a:ext cx="0" cy="0"/>
+          <a:chOff x="0" y="0"/>
+          <a:chExt cx="0" cy="0"/>
+        </a:xfrm>
+      </p:grpSpPr>
+      <p:sp>
+        <p:nvSpPr>
+          <p:cNvPr id="2" name="Titel 1">
+            <a:extLst>
+              <a:ext uri="{FF2B5EF4-FFF2-40B4-BE49-F238E27FC236}">
+                <a16:creationId xmlns:a16="http://schemas.microsoft.com/office/drawing/2014/main" id="{92914278-D6E7-42A3-A68F-C6E3B4A37C97}"/>
+              </a:ext>
+            </a:extLst>
+          </p:cNvPr>
+          <p:cNvSpPr>
+            <a:spLocks noGrp="1"/>
+          </p:cNvSpPr>
+          <p:nvPr>
+            <p:ph type="title"/>
+          </p:nvPr>
+        </p:nvSpPr>
+        <p:spPr/>
+        <p:txBody>
+          <a:bodyPr/>
+          <a:lstStyle/>
+          <a:p>
+            <a:r>
+              <a:rPr lang="de-CH" dirty="0"/>
+              <a:t>Integrität / Authentizität</a:t>
+            </a:r>
+          </a:p>
+        </p:txBody>
+      </p:sp>
+      <p:sp>
+        <p:nvSpPr>
+          <p:cNvPr id="4" name="Foliennummernplatzhalter 3">
+            <a:extLst>
+              <a:ext uri="{FF2B5EF4-FFF2-40B4-BE49-F238E27FC236}">
+                <a16:creationId xmlns:a16="http://schemas.microsoft.com/office/drawing/2014/main" id="{E13198D6-E23B-4DB7-9B94-217239E0EF78}"/>
+              </a:ext>
+            </a:extLst>
+          </p:cNvPr>
+          <p:cNvSpPr>
+            <a:spLocks noGrp="1"/>
+          </p:cNvSpPr>
+          <p:nvPr>
+            <p:ph type="sldNum" sz="quarter" idx="12"/>
+          </p:nvPr>
+        </p:nvSpPr>
+        <p:spPr/>
+        <p:txBody>
+          <a:bodyPr/>
+          <a:lstStyle/>
+          <a:p>
+            <a:fld id="{7AC51F72-762B-4631-A527-211F5F845826}" type="slidenum">
+              <a:rPr lang="de-CH" smtClean="0"/>
+              <a:t>22</a:t>
+            </a:fld>
+            <a:endParaRPr lang="de-CH"/>
+          </a:p>
+        </p:txBody>
+      </p:sp>
+      <p:sp>
+        <p:nvSpPr>
+          <p:cNvPr id="5" name="Inhaltsplatzhalter 2">
+            <a:extLst>
+              <a:ext uri="{FF2B5EF4-FFF2-40B4-BE49-F238E27FC236}">
+                <a16:creationId xmlns:a16="http://schemas.microsoft.com/office/drawing/2014/main" id="{8DDD5B10-F67A-4775-A644-D49E1590E463}"/>
+              </a:ext>
+            </a:extLst>
+          </p:cNvPr>
+          <p:cNvSpPr txBox="1">
+            <a:spLocks/>
+          </p:cNvSpPr>
+          <p:nvPr/>
+        </p:nvSpPr>
+        <p:spPr>
+          <a:xfrm>
+            <a:off x="1162386" y="1778311"/>
+            <a:ext cx="9993294" cy="4476439"/>
+          </a:xfrm>
+          <a:prstGeom prst="rect">
+            <a:avLst/>
+          </a:prstGeom>
+        </p:spPr>
+        <p:txBody>
+          <a:bodyPr vert="horz" lIns="91440" tIns="45720" rIns="91440" bIns="45720" rtlCol="0" anchor="ctr">
+            <a:normAutofit/>
+          </a:bodyPr>
+          <a:lstStyle>
+            <a:lvl1pPr marL="91440" indent="-91440" algn="l" defTabSz="914400" rtl="0" eaLnBrk="1" latinLnBrk="0" hangingPunct="1">
+              <a:lnSpc>
+                <a:spcPct val="90000"/>
+              </a:lnSpc>
+              <a:spcBef>
+                <a:spcPts val="1200"/>
+              </a:spcBef>
+              <a:spcAft>
+                <a:spcPts val="200"/>
+              </a:spcAft>
+              <a:buClr>
+                <a:schemeClr val="accent1"/>
+              </a:buClr>
+              <a:buSzPct val="100000"/>
+              <a:buFont typeface="Calibri" panose="020F0502020204030204" pitchFamily="34" charset="0"/>
+              <a:buChar char=" "/>
+              <a:defRPr sz="2000" kern="1200">
+                <a:solidFill>
+                  <a:schemeClr val="tx1">
+                    <a:lumMod val="75000"/>
+                    <a:lumOff val="25000"/>
+                  </a:schemeClr>
+                </a:solidFill>
+                <a:latin typeface="+mn-lt"/>
+                <a:ea typeface="+mn-ea"/>
+                <a:cs typeface="+mn-cs"/>
+              </a:defRPr>
+            </a:lvl1pPr>
+            <a:lvl2pPr marL="384048" indent="-182880" algn="l" defTabSz="914400" rtl="0" eaLnBrk="1" latinLnBrk="0" hangingPunct="1">
+              <a:lnSpc>
+                <a:spcPct val="90000"/>
+              </a:lnSpc>
+              <a:spcBef>
+                <a:spcPts val="200"/>
+              </a:spcBef>
+              <a:spcAft>
+                <a:spcPts val="400"/>
+              </a:spcAft>
+              <a:buClr>
+                <a:schemeClr val="accent1"/>
+              </a:buClr>
+              <a:buFont typeface="Calibri" pitchFamily="34" charset="0"/>
+              <a:buChar char="◦"/>
+              <a:defRPr sz="1800" kern="1200">
+                <a:solidFill>
+                  <a:schemeClr val="tx1">
+                    <a:lumMod val="75000"/>
+                    <a:lumOff val="25000"/>
+                  </a:schemeClr>
+                </a:solidFill>
+                <a:latin typeface="+mn-lt"/>
+                <a:ea typeface="+mn-ea"/>
+                <a:cs typeface="+mn-cs"/>
+              </a:defRPr>
+            </a:lvl2pPr>
+            <a:lvl3pPr marL="566928" indent="-182880" algn="l" defTabSz="914400" rtl="0" eaLnBrk="1" latinLnBrk="0" hangingPunct="1">
+              <a:lnSpc>
+                <a:spcPct val="90000"/>
+              </a:lnSpc>
+              <a:spcBef>
+                <a:spcPts val="200"/>
+              </a:spcBef>
+              <a:spcAft>
+                <a:spcPts val="400"/>
+              </a:spcAft>
+              <a:buClr>
+                <a:schemeClr val="accent1"/>
+              </a:buClr>
+              <a:buFont typeface="Calibri" pitchFamily="34" charset="0"/>
+              <a:buChar char="◦"/>
+              <a:defRPr sz="1400" kern="1200">
+                <a:solidFill>
+                  <a:schemeClr val="tx1">
+                    <a:lumMod val="75000"/>
+                    <a:lumOff val="25000"/>
+                  </a:schemeClr>
+                </a:solidFill>
+                <a:latin typeface="+mn-lt"/>
+                <a:ea typeface="+mn-ea"/>
+                <a:cs typeface="+mn-cs"/>
+              </a:defRPr>
+            </a:lvl3pPr>
+            <a:lvl4pPr marL="749808" indent="-182880" algn="l" defTabSz="914400" rtl="0" eaLnBrk="1" latinLnBrk="0" hangingPunct="1">
+              <a:lnSpc>
+                <a:spcPct val="90000"/>
+              </a:lnSpc>
+              <a:spcBef>
+                <a:spcPts val="200"/>
+              </a:spcBef>
+              <a:spcAft>
+                <a:spcPts val="400"/>
+              </a:spcAft>
+              <a:buClr>
+                <a:schemeClr val="accent1"/>
+              </a:buClr>
+              <a:buFont typeface="Calibri" pitchFamily="34" charset="0"/>
+              <a:buChar char="◦"/>
+              <a:defRPr sz="1400" kern="1200">
+                <a:solidFill>
+                  <a:schemeClr val="tx1">
+                    <a:lumMod val="75000"/>
+                    <a:lumOff val="25000"/>
+                  </a:schemeClr>
+                </a:solidFill>
+                <a:latin typeface="+mn-lt"/>
+                <a:ea typeface="+mn-ea"/>
+                <a:cs typeface="+mn-cs"/>
+              </a:defRPr>
+            </a:lvl4pPr>
+            <a:lvl5pPr marL="932688" indent="-182880" algn="l" defTabSz="914400" rtl="0" eaLnBrk="1" latinLnBrk="0" hangingPunct="1">
+              <a:lnSpc>
+                <a:spcPct val="90000"/>
+              </a:lnSpc>
+              <a:spcBef>
+                <a:spcPts val="200"/>
+              </a:spcBef>
+              <a:spcAft>
+                <a:spcPts val="400"/>
+              </a:spcAft>
+              <a:buClr>
+                <a:schemeClr val="accent1"/>
+              </a:buClr>
+              <a:buFont typeface="Calibri" pitchFamily="34" charset="0"/>
+              <a:buChar char="◦"/>
+              <a:defRPr sz="1400" kern="1200">
+                <a:solidFill>
+                  <a:schemeClr val="tx1">
+                    <a:lumMod val="75000"/>
+                    <a:lumOff val="25000"/>
+                  </a:schemeClr>
+                </a:solidFill>
+                <a:latin typeface="+mn-lt"/>
+                <a:ea typeface="+mn-ea"/>
+                <a:cs typeface="+mn-cs"/>
+              </a:defRPr>
+            </a:lvl5pPr>
+            <a:lvl6pPr marL="1100000" indent="-228600" algn="l" defTabSz="914400" rtl="0" eaLnBrk="1" latinLnBrk="0" hangingPunct="1">
+              <a:lnSpc>
+                <a:spcPct val="90000"/>
+              </a:lnSpc>
+              <a:spcBef>
+                <a:spcPts val="200"/>
+              </a:spcBef>
+              <a:spcAft>
+                <a:spcPts val="400"/>
+              </a:spcAft>
+              <a:buClr>
+                <a:schemeClr val="accent1"/>
+              </a:buClr>
+              <a:buFont typeface="Calibri" pitchFamily="34" charset="0"/>
+              <a:buChar char="◦"/>
+              <a:defRPr sz="1400" kern="1200">
+                <a:solidFill>
+                  <a:schemeClr val="tx1">
+                    <a:lumMod val="75000"/>
+                    <a:lumOff val="25000"/>
+                  </a:schemeClr>
+                </a:solidFill>
+                <a:latin typeface="+mn-lt"/>
+                <a:ea typeface="+mn-ea"/>
+                <a:cs typeface="+mn-cs"/>
+              </a:defRPr>
+            </a:lvl6pPr>
+            <a:lvl7pPr marL="1300000" indent="-228600" algn="l" defTabSz="914400" rtl="0" eaLnBrk="1" latinLnBrk="0" hangingPunct="1">
+              <a:lnSpc>
+                <a:spcPct val="90000"/>
+              </a:lnSpc>
+              <a:spcBef>
+                <a:spcPts val="200"/>
+              </a:spcBef>
+              <a:spcAft>
+                <a:spcPts val="400"/>
+              </a:spcAft>
+              <a:buClr>
+                <a:schemeClr val="accent1"/>
+              </a:buClr>
+              <a:buFont typeface="Calibri" pitchFamily="34" charset="0"/>
+              <a:buChar char="◦"/>
+              <a:defRPr sz="1400" kern="1200">
+                <a:solidFill>
+                  <a:schemeClr val="tx1">
+                    <a:lumMod val="75000"/>
+                    <a:lumOff val="25000"/>
+                  </a:schemeClr>
+                </a:solidFill>
+                <a:latin typeface="+mn-lt"/>
+                <a:ea typeface="+mn-ea"/>
+                <a:cs typeface="+mn-cs"/>
+              </a:defRPr>
+            </a:lvl7pPr>
+            <a:lvl8pPr marL="1500000" indent="-228600" algn="l" defTabSz="914400" rtl="0" eaLnBrk="1" latinLnBrk="0" hangingPunct="1">
+              <a:lnSpc>
+                <a:spcPct val="90000"/>
+              </a:lnSpc>
+              <a:spcBef>
+                <a:spcPts val="200"/>
+              </a:spcBef>
+              <a:spcAft>
+                <a:spcPts val="400"/>
+              </a:spcAft>
+              <a:buClr>
+                <a:schemeClr val="accent1"/>
+              </a:buClr>
+              <a:buFont typeface="Calibri" pitchFamily="34" charset="0"/>
+              <a:buChar char="◦"/>
+              <a:defRPr sz="1400" kern="1200">
+                <a:solidFill>
+                  <a:schemeClr val="tx1">
+                    <a:lumMod val="75000"/>
+                    <a:lumOff val="25000"/>
+                  </a:schemeClr>
+                </a:solidFill>
+                <a:latin typeface="+mn-lt"/>
+                <a:ea typeface="+mn-ea"/>
+                <a:cs typeface="+mn-cs"/>
+              </a:defRPr>
+            </a:lvl8pPr>
+            <a:lvl9pPr marL="1700000" indent="-228600" algn="l" defTabSz="914400" rtl="0" eaLnBrk="1" latinLnBrk="0" hangingPunct="1">
+              <a:lnSpc>
+                <a:spcPct val="90000"/>
+              </a:lnSpc>
+              <a:spcBef>
+                <a:spcPts val="200"/>
+              </a:spcBef>
+              <a:spcAft>
+                <a:spcPts val="400"/>
+              </a:spcAft>
+              <a:buClr>
+                <a:schemeClr val="accent1"/>
+              </a:buClr>
+              <a:buFont typeface="Calibri" pitchFamily="34" charset="0"/>
+              <a:buChar char="◦"/>
+              <a:defRPr sz="1400" kern="1200">
+                <a:solidFill>
+                  <a:schemeClr val="tx1">
+                    <a:lumMod val="75000"/>
+                    <a:lumOff val="25000"/>
+                  </a:schemeClr>
+                </a:solidFill>
+                <a:latin typeface="+mn-lt"/>
+                <a:ea typeface="+mn-ea"/>
+                <a:cs typeface="+mn-cs"/>
+              </a:defRPr>
+            </a:lvl9pPr>
+          </a:lstStyle>
+          <a:p>
+            <a:pPr marL="306000" indent="-306000" defTabSz="457200">
+              <a:spcBef>
+                <a:spcPct val="20000"/>
+              </a:spcBef>
+              <a:spcAft>
+                <a:spcPts val="600"/>
+              </a:spcAft>
+              <a:buClr>
+                <a:schemeClr val="accent2"/>
+              </a:buClr>
+              <a:buSzPct val="92000"/>
+              <a:buFont typeface="Wingdings 2" panose="05020102010507070707" pitchFamily="18" charset="2"/>
+              <a:buChar char=""/>
+            </a:pPr>
+            <a:r>
+              <a:rPr lang="de-CH" sz="3200" dirty="0">
+                <a:solidFill>
+                  <a:schemeClr val="tx1"/>
+                </a:solidFill>
+              </a:rPr>
+              <a:t>Digitale Signatur von Log Files</a:t>
+            </a:r>
+          </a:p>
+          <a:p>
+            <a:pPr marL="598608" lvl="1" indent="-306000" defTabSz="457200">
+              <a:spcBef>
+                <a:spcPct val="20000"/>
+              </a:spcBef>
+              <a:spcAft>
+                <a:spcPts val="600"/>
+              </a:spcAft>
+              <a:buClr>
+                <a:schemeClr val="accent2"/>
+              </a:buClr>
+              <a:buSzPct val="92000"/>
+              <a:buFont typeface="Wingdings 2" panose="05020102010507070707" pitchFamily="18" charset="2"/>
+              <a:buChar char=""/>
+            </a:pPr>
+            <a:r>
+              <a:rPr lang="de-CH" sz="2800" dirty="0">
+                <a:solidFill>
+                  <a:schemeClr val="tx1"/>
+                </a:solidFill>
+              </a:rPr>
+              <a:t>Authentizität </a:t>
+            </a:r>
+          </a:p>
+          <a:p>
+            <a:pPr marL="598608" lvl="1" indent="-306000" defTabSz="457200">
+              <a:spcBef>
+                <a:spcPct val="20000"/>
+              </a:spcBef>
+              <a:spcAft>
+                <a:spcPts val="600"/>
+              </a:spcAft>
+              <a:buClr>
+                <a:schemeClr val="accent2"/>
+              </a:buClr>
+              <a:buSzPct val="92000"/>
+              <a:buFont typeface="Wingdings 2" panose="05020102010507070707" pitchFamily="18" charset="2"/>
+              <a:buChar char=""/>
+            </a:pPr>
+            <a:r>
+              <a:rPr lang="de-CH" sz="2800" dirty="0">
+                <a:solidFill>
+                  <a:schemeClr val="tx1"/>
+                </a:solidFill>
+              </a:rPr>
+              <a:t>Integrität</a:t>
+            </a:r>
+          </a:p>
+          <a:p>
+            <a:pPr marL="598608" lvl="1" indent="-306000" defTabSz="457200">
+              <a:spcBef>
+                <a:spcPct val="20000"/>
+              </a:spcBef>
+              <a:spcAft>
+                <a:spcPts val="600"/>
+              </a:spcAft>
+              <a:buClr>
+                <a:schemeClr val="accent2"/>
+              </a:buClr>
+              <a:buSzPct val="92000"/>
+              <a:buFont typeface="Wingdings 2" panose="05020102010507070707" pitchFamily="18" charset="2"/>
+              <a:buChar char=""/>
+            </a:pPr>
+            <a:r>
+              <a:rPr lang="de-CH" sz="2800" dirty="0">
+                <a:solidFill>
+                  <a:schemeClr val="tx1"/>
+                </a:solidFill>
+              </a:rPr>
+              <a:t>Nachweisbarkeit (non-repudiation)</a:t>
+            </a:r>
+          </a:p>
+          <a:p>
+            <a:pPr marL="598608" lvl="1" indent="-306000" defTabSz="457200">
+              <a:spcBef>
+                <a:spcPct val="20000"/>
+              </a:spcBef>
+              <a:spcAft>
+                <a:spcPts val="600"/>
+              </a:spcAft>
+              <a:buClr>
+                <a:schemeClr val="accent2"/>
+              </a:buClr>
+              <a:buSzPct val="92000"/>
+              <a:buFont typeface="Wingdings 2" panose="05020102010507070707" pitchFamily="18" charset="2"/>
+              <a:buChar char=""/>
+            </a:pPr>
+            <a:r>
+              <a:rPr lang="de-CH" sz="2800" dirty="0">
+                <a:solidFill>
+                  <a:schemeClr val="tx1"/>
+                </a:solidFill>
+              </a:rPr>
+              <a:t>Asymmetrisches Verschlüsselungsverfahren</a:t>
+            </a:r>
+          </a:p>
+          <a:p>
+            <a:pPr marL="306000" indent="-306000" defTabSz="457200">
+              <a:spcBef>
+                <a:spcPct val="20000"/>
+              </a:spcBef>
+              <a:spcAft>
+                <a:spcPts val="600"/>
+              </a:spcAft>
+              <a:buClr>
+                <a:schemeClr val="accent2"/>
+              </a:buClr>
+              <a:buSzPct val="92000"/>
+              <a:buFont typeface="Wingdings 2" panose="05020102010507070707" pitchFamily="18" charset="2"/>
+              <a:buChar char=""/>
+            </a:pPr>
+            <a:r>
+              <a:rPr lang="de-CH" sz="3200" dirty="0">
+                <a:solidFill>
+                  <a:schemeClr val="tx1"/>
+                </a:solidFill>
+              </a:rPr>
+              <a:t>Hash Code an Log Files anhängen</a:t>
+            </a:r>
+          </a:p>
+        </p:txBody>
+      </p:sp>
+    </p:spTree>
+    <p:extLst>
+      <p:ext uri="{BB962C8B-B14F-4D97-AF65-F5344CB8AC3E}">
+        <p14:creationId xmlns:p14="http://schemas.microsoft.com/office/powerpoint/2010/main" val="2973880115"/>
       </p:ext>
     </p:extLst>
   </p:cSld>
@@ -19301,7 +20332,7 @@
           <p:cNvPr id="2" name="Titel 1">
             <a:extLst>
               <a:ext uri="{FF2B5EF4-FFF2-40B4-BE49-F238E27FC236}">
-                <a16:creationId xmlns:a16="http://schemas.microsoft.com/office/drawing/2014/main" id="{92914278-D6E7-42A3-A68F-C6E3B4A37C97}"/>
+                <a16:creationId xmlns:a16="http://schemas.microsoft.com/office/drawing/2014/main" id="{CEE88D20-9EAB-4E79-AAC3-7F6D5698C3A5}"/>
               </a:ext>
             </a:extLst>
           </p:cNvPr>
@@ -19319,7 +20350,7 @@
           <a:p>
             <a:r>
               <a:rPr lang="de-CH" dirty="0"/>
-              <a:t>Vertraulichkeit</a:t>
+              <a:t>Nächste Schritte</a:t>
             </a:r>
           </a:p>
         </p:txBody>
@@ -19329,7 +20360,7 @@
           <p:cNvPr id="4" name="Foliennummernplatzhalter 3">
             <a:extLst>
               <a:ext uri="{FF2B5EF4-FFF2-40B4-BE49-F238E27FC236}">
-                <a16:creationId xmlns:a16="http://schemas.microsoft.com/office/drawing/2014/main" id="{E13198D6-E23B-4DB7-9B94-217239E0EF78}"/>
+                <a16:creationId xmlns:a16="http://schemas.microsoft.com/office/drawing/2014/main" id="{B3FCF044-2431-4F45-8F13-1228B5808DFC}"/>
               </a:ext>
             </a:extLst>
           </p:cNvPr>
@@ -19355,10 +20386,10 @@
       </p:sp>
       <p:sp>
         <p:nvSpPr>
-          <p:cNvPr id="5" name="Inhaltsplatzhalter 2">
+          <p:cNvPr id="7" name="Inhaltsplatzhalter 2">
             <a:extLst>
               <a:ext uri="{FF2B5EF4-FFF2-40B4-BE49-F238E27FC236}">
-                <a16:creationId xmlns:a16="http://schemas.microsoft.com/office/drawing/2014/main" id="{8DDD5B10-F67A-4775-A644-D49E1590E463}"/>
+                <a16:creationId xmlns:a16="http://schemas.microsoft.com/office/drawing/2014/main" id="{9AF550D2-A481-4760-BD25-3D2DE6F7897D}"/>
               </a:ext>
             </a:extLst>
           </p:cNvPr>
@@ -19370,7 +20401,7 @@
         <p:spPr>
           <a:xfrm>
             <a:off x="1162386" y="1778311"/>
-            <a:ext cx="9993294" cy="4476439"/>
+            <a:ext cx="9993294" cy="4529525"/>
           </a:xfrm>
           <a:prstGeom prst="rect">
             <a:avLst/>
@@ -19642,124 +20673,12 @@
               <a:buChar char=""/>
             </a:pPr>
             <a:r>
-              <a:rPr lang="de-CH" sz="2800" dirty="0">
+              <a:rPr lang="de-CH" sz="3200" dirty="0">
                 <a:solidFill>
                   <a:schemeClr val="tx1"/>
                 </a:solidFill>
               </a:rPr>
-              <a:t>Digitale Signatur von Log Files</a:t>
-            </a:r>
-          </a:p>
-          <a:p>
-            <a:pPr marL="598608" lvl="1" indent="-306000" defTabSz="457200">
-              <a:spcBef>
-                <a:spcPct val="20000"/>
-              </a:spcBef>
-              <a:spcAft>
-                <a:spcPts val="600"/>
-              </a:spcAft>
-              <a:buClr>
-                <a:schemeClr val="accent2"/>
-              </a:buClr>
-              <a:buSzPct val="92000"/>
-              <a:buFont typeface="Wingdings 2" panose="05020102010507070707" pitchFamily="18" charset="2"/>
-              <a:buChar char=""/>
-            </a:pPr>
-            <a:r>
-              <a:rPr lang="de-CH" sz="2400" dirty="0">
-                <a:solidFill>
-                  <a:schemeClr val="tx1"/>
-                </a:solidFill>
-              </a:rPr>
-              <a:t>Authentizität </a:t>
-            </a:r>
-          </a:p>
-          <a:p>
-            <a:pPr marL="598608" lvl="1" indent="-306000" defTabSz="457200">
-              <a:spcBef>
-                <a:spcPct val="20000"/>
-              </a:spcBef>
-              <a:spcAft>
-                <a:spcPts val="600"/>
-              </a:spcAft>
-              <a:buClr>
-                <a:schemeClr val="accent2"/>
-              </a:buClr>
-              <a:buSzPct val="92000"/>
-              <a:buFont typeface="Wingdings 2" panose="05020102010507070707" pitchFamily="18" charset="2"/>
-              <a:buChar char=""/>
-            </a:pPr>
-            <a:r>
-              <a:rPr lang="de-CH" sz="2400" dirty="0">
-                <a:solidFill>
-                  <a:schemeClr val="tx1"/>
-                </a:solidFill>
-              </a:rPr>
-              <a:t>Integrität</a:t>
-            </a:r>
-          </a:p>
-          <a:p>
-            <a:pPr marL="598608" lvl="1" indent="-306000" defTabSz="457200">
-              <a:spcBef>
-                <a:spcPct val="20000"/>
-              </a:spcBef>
-              <a:spcAft>
-                <a:spcPts val="600"/>
-              </a:spcAft>
-              <a:buClr>
-                <a:schemeClr val="accent2"/>
-              </a:buClr>
-              <a:buSzPct val="92000"/>
-              <a:buFont typeface="Wingdings 2" panose="05020102010507070707" pitchFamily="18" charset="2"/>
-              <a:buChar char=""/>
-            </a:pPr>
-            <a:r>
-              <a:rPr lang="de-CH" sz="2400" dirty="0">
-                <a:solidFill>
-                  <a:schemeClr val="tx1"/>
-                </a:solidFill>
-              </a:rPr>
-              <a:t>Nachweisbarkeit (non-repudiation)</a:t>
-            </a:r>
-          </a:p>
-          <a:p>
-            <a:pPr marL="598608" lvl="1" indent="-306000" defTabSz="457200">
-              <a:spcBef>
-                <a:spcPct val="20000"/>
-              </a:spcBef>
-              <a:spcAft>
-                <a:spcPts val="600"/>
-              </a:spcAft>
-              <a:buClr>
-                <a:schemeClr val="accent2"/>
-              </a:buClr>
-              <a:buSzPct val="92000"/>
-              <a:buFont typeface="Wingdings 2" panose="05020102010507070707" pitchFamily="18" charset="2"/>
-              <a:buChar char=""/>
-            </a:pPr>
-            <a:r>
-              <a:rPr lang="de-CH" sz="2400" dirty="0">
-                <a:solidFill>
-                  <a:schemeClr val="tx1"/>
-                </a:solidFill>
-              </a:rPr>
-              <a:t>Public-</a:t>
-            </a:r>
-            <a:r>
-              <a:rPr lang="de-CH" sz="2400" dirty="0" err="1">
-                <a:solidFill>
-                  <a:schemeClr val="tx1"/>
-                </a:solidFill>
-              </a:rPr>
-              <a:t>key</a:t>
-            </a:r>
-            <a:r>
-              <a:rPr lang="de-CH" sz="2400" dirty="0">
-                <a:solidFill>
-                  <a:schemeClr val="tx1"/>
-                </a:solidFill>
-              </a:rPr>
-              <a:t> Encryption wie RSA Algorithmus </a:t>
+              <a:t>Systemauslastung bei QGC Link Aufbau</a:t>
             </a:r>
           </a:p>
           <a:p>
@@ -19778,16 +20697,16 @@
               <a:buChar char=""/>
             </a:pPr>
             <a:r>
-              <a:rPr lang="de-CH" sz="2800" dirty="0">
+              <a:rPr lang="de-CH" sz="3200" dirty="0">
                 <a:solidFill>
                   <a:schemeClr val="tx1"/>
                 </a:solidFill>
               </a:rPr>
-              <a:t>MAC (Message Authentication Code)</a:t>
-            </a:r>
-          </a:p>
-          <a:p>
-            <a:pPr marL="598608" lvl="1" indent="-306000" defTabSz="457200">
+              <a:t>Digitale Signatur von Log Files</a:t>
+            </a:r>
+          </a:p>
+          <a:p>
+            <a:pPr marL="306000" indent="-306000" defTabSz="457200">
               <a:spcBef>
                 <a:spcPct val="20000"/>
               </a:spcBef>
@@ -19802,16 +20721,32 @@
               <a:buChar char=""/>
             </a:pPr>
             <a:r>
-              <a:rPr lang="de-CH" sz="2400" dirty="0">
+              <a:rPr lang="de-CH" sz="3200" dirty="0">
                 <a:solidFill>
                   <a:schemeClr val="tx1"/>
                 </a:solidFill>
               </a:rPr>
-              <a:t>Authentizität</a:t>
-            </a:r>
-          </a:p>
-          <a:p>
-            <a:pPr marL="598608" lvl="1" indent="-306000" defTabSz="457200">
+              <a:t>Load </a:t>
+            </a:r>
+            <a:r>
+              <a:rPr lang="de-CH" sz="3200" dirty="0" err="1">
+                <a:solidFill>
+                  <a:schemeClr val="tx1"/>
+                </a:solidFill>
+              </a:rPr>
+              <a:t>Balancing</a:t>
+            </a:r>
+            <a:r>
+              <a:rPr lang="de-CH" sz="3200" dirty="0">
+                <a:solidFill>
+                  <a:schemeClr val="tx1"/>
+                </a:solidFill>
+              </a:rPr>
+              <a:t> Modell Entwurf</a:t>
+            </a:r>
+          </a:p>
+          <a:p>
+            <a:pPr marL="306000" indent="-306000" defTabSz="457200">
               <a:spcBef>
                 <a:spcPct val="20000"/>
               </a:spcBef>
@@ -19826,16 +20761,48 @@
               <a:buChar char=""/>
             </a:pPr>
             <a:r>
-              <a:rPr lang="de-CH" sz="2400" dirty="0">
+              <a:rPr lang="de-CH" sz="3200" dirty="0">
                 <a:solidFill>
                   <a:schemeClr val="tx1"/>
                 </a:solidFill>
               </a:rPr>
-              <a:t>Integrität</a:t>
-            </a:r>
-          </a:p>
-          <a:p>
-            <a:pPr marL="598608" lvl="1" indent="-306000" defTabSz="457200">
+              <a:t>Feldtest mit </a:t>
+            </a:r>
+            <a:r>
+              <a:rPr lang="de-CH" sz="3200" dirty="0" err="1">
+                <a:solidFill>
+                  <a:schemeClr val="tx1"/>
+                </a:solidFill>
+              </a:rPr>
+              <a:t>Golay</a:t>
+            </a:r>
+            <a:r>
+              <a:rPr lang="de-CH" sz="3200" dirty="0">
+                <a:solidFill>
+                  <a:schemeClr val="tx1"/>
+                </a:solidFill>
+              </a:rPr>
+              <a:t> Error </a:t>
+            </a:r>
+            <a:r>
+              <a:rPr lang="de-CH" sz="3200" dirty="0" err="1">
+                <a:solidFill>
+                  <a:schemeClr val="tx1"/>
+                </a:solidFill>
+              </a:rPr>
+              <a:t>Correcting</a:t>
+            </a:r>
+            <a:r>
+              <a:rPr lang="de-CH" sz="3200" dirty="0">
+                <a:solidFill>
+                  <a:schemeClr val="tx1"/>
+                </a:solidFill>
+              </a:rPr>
+              <a:t> Code</a:t>
+            </a:r>
+          </a:p>
+          <a:p>
+            <a:pPr marL="306000" indent="-306000" defTabSz="457200">
               <a:spcBef>
                 <a:spcPct val="20000"/>
               </a:spcBef>
@@ -19850,36 +20817,57 @@
               <a:buChar char=""/>
             </a:pPr>
             <a:r>
-              <a:rPr lang="de-CH" sz="2400" dirty="0">
+              <a:rPr lang="de-CH" sz="3200" dirty="0">
                 <a:solidFill>
                   <a:schemeClr val="tx1"/>
                 </a:solidFill>
               </a:rPr>
-              <a:t>Private-</a:t>
-            </a:r>
-            <a:r>
-              <a:rPr lang="de-CH" sz="2400" dirty="0" err="1">
+              <a:t>Verschlüsselung</a:t>
+            </a:r>
+          </a:p>
+          <a:p>
+            <a:pPr marL="306000" indent="-306000" defTabSz="457200">
+              <a:spcBef>
+                <a:spcPct val="20000"/>
+              </a:spcBef>
+              <a:spcAft>
+                <a:spcPts val="600"/>
+              </a:spcAft>
+              <a:buClr>
+                <a:schemeClr val="accent2"/>
+              </a:buClr>
+              <a:buSzPct val="92000"/>
+              <a:buFont typeface="Wingdings 2" panose="05020102010507070707" pitchFamily="18" charset="2"/>
+              <a:buChar char=""/>
+            </a:pPr>
+            <a:r>
+              <a:rPr lang="de-CH" sz="3200" dirty="0">
                 <a:solidFill>
                   <a:schemeClr val="tx1"/>
                 </a:solidFill>
               </a:rPr>
-              <a:t>key</a:t>
-            </a:r>
-            <a:r>
-              <a:rPr lang="de-CH" sz="2400" dirty="0">
+              <a:t>RTC -&gt; Zeitstempel für </a:t>
+            </a:r>
+            <a:r>
+              <a:rPr lang="de-CH" sz="3200" dirty="0" err="1">
                 <a:solidFill>
                   <a:schemeClr val="tx1"/>
                 </a:solidFill>
               </a:rPr>
-              <a:t> Encryption wie AES Algorithmus</a:t>
-            </a:r>
+              <a:t>Logging</a:t>
+            </a:r>
+            <a:endParaRPr lang="de-CH" sz="3200" dirty="0">
+              <a:solidFill>
+                <a:schemeClr val="tx1"/>
+              </a:solidFill>
+            </a:endParaRPr>
           </a:p>
         </p:txBody>
       </p:sp>
     </p:spTree>
     <p:extLst>
       <p:ext uri="{BB962C8B-B14F-4D97-AF65-F5344CB8AC3E}">
-        <p14:creationId xmlns:p14="http://schemas.microsoft.com/office/powerpoint/2010/main" val="2973880115"/>
+        <p14:creationId xmlns:p14="http://schemas.microsoft.com/office/powerpoint/2010/main" val="3644405459"/>
       </p:ext>
     </p:extLst>
   </p:cSld>
@@ -19908,13 +20896,7 @@
       </p:grpSpPr>
       <p:sp>
         <p:nvSpPr>
-          <p:cNvPr id="2" name="Titel 1">
-            <a:extLst>
-              <a:ext uri="{FF2B5EF4-FFF2-40B4-BE49-F238E27FC236}">
-                <a16:creationId xmlns:a16="http://schemas.microsoft.com/office/drawing/2014/main" id="{CEE88D20-9EAB-4E79-AAC3-7F6D5698C3A5}"/>
-              </a:ext>
-            </a:extLst>
-          </p:cNvPr>
+          <p:cNvPr id="2" name="Titel 1"/>
           <p:cNvSpPr>
             <a:spLocks noGrp="1"/>
           </p:cNvSpPr>
@@ -19929,8 +20911,27 @@
           <a:p>
             <a:r>
               <a:rPr lang="de-CH" dirty="0"/>
-              <a:t>Nächste Schritte</a:t>
-            </a:r>
+              <a:t>Fragen?</a:t>
+            </a:r>
+          </a:p>
+        </p:txBody>
+      </p:sp>
+      <p:sp>
+        <p:nvSpPr>
+          <p:cNvPr id="3" name="Inhaltsplatzhalter 2"/>
+          <p:cNvSpPr>
+            <a:spLocks noGrp="1"/>
+          </p:cNvSpPr>
+          <p:nvPr>
+            <p:ph idx="1"/>
+          </p:nvPr>
+        </p:nvSpPr>
+        <p:spPr/>
+        <p:txBody>
+          <a:bodyPr/>
+          <a:lstStyle/>
+          <a:p>
+            <a:endParaRPr lang="de-CH"/>
           </a:p>
         </p:txBody>
       </p:sp>
@@ -19939,7 +20940,7 @@
           <p:cNvPr id="4" name="Foliennummernplatzhalter 3">
             <a:extLst>
               <a:ext uri="{FF2B5EF4-FFF2-40B4-BE49-F238E27FC236}">
-                <a16:creationId xmlns:a16="http://schemas.microsoft.com/office/drawing/2014/main" id="{B3FCF044-2431-4F45-8F13-1228B5808DFC}"/>
+                <a16:creationId xmlns:a16="http://schemas.microsoft.com/office/drawing/2014/main" id="{38F5D3D3-60B6-4FA8-A760-15B79B03CE30}"/>
               </a:ext>
             </a:extLst>
           </p:cNvPr>
@@ -19963,538 +20964,10 @@
           </a:p>
         </p:txBody>
       </p:sp>
-      <p:sp>
-        <p:nvSpPr>
-          <p:cNvPr id="7" name="Inhaltsplatzhalter 2">
-            <a:extLst>
-              <a:ext uri="{FF2B5EF4-FFF2-40B4-BE49-F238E27FC236}">
-                <a16:creationId xmlns:a16="http://schemas.microsoft.com/office/drawing/2014/main" id="{9AF550D2-A481-4760-BD25-3D2DE6F7897D}"/>
-              </a:ext>
-            </a:extLst>
-          </p:cNvPr>
-          <p:cNvSpPr txBox="1">
-            <a:spLocks/>
-          </p:cNvSpPr>
-          <p:nvPr/>
-        </p:nvSpPr>
-        <p:spPr>
-          <a:xfrm>
-            <a:off x="1162386" y="1778311"/>
-            <a:ext cx="9993294" cy="4529525"/>
-          </a:xfrm>
-          <a:prstGeom prst="rect">
-            <a:avLst/>
-          </a:prstGeom>
-        </p:spPr>
-        <p:txBody>
-          <a:bodyPr vert="horz" lIns="91440" tIns="45720" rIns="91440" bIns="45720" rtlCol="0" anchor="ctr">
-            <a:normAutofit lnSpcReduction="10000"/>
-          </a:bodyPr>
-          <a:lstStyle>
-            <a:lvl1pPr marL="91440" indent="-91440" algn="l" defTabSz="914400" rtl="0" eaLnBrk="1" latinLnBrk="0" hangingPunct="1">
-              <a:lnSpc>
-                <a:spcPct val="90000"/>
-              </a:lnSpc>
-              <a:spcBef>
-                <a:spcPts val="1200"/>
-              </a:spcBef>
-              <a:spcAft>
-                <a:spcPts val="200"/>
-              </a:spcAft>
-              <a:buClr>
-                <a:schemeClr val="accent1"/>
-              </a:buClr>
-              <a:buSzPct val="100000"/>
-              <a:buFont typeface="Calibri" panose="020F0502020204030204" pitchFamily="34" charset="0"/>
-              <a:buChar char=" "/>
-              <a:defRPr sz="2000" kern="1200">
-                <a:solidFill>
-                  <a:schemeClr val="tx1">
-                    <a:lumMod val="75000"/>
-                    <a:lumOff val="25000"/>
-                  </a:schemeClr>
-                </a:solidFill>
-                <a:latin typeface="+mn-lt"/>
-                <a:ea typeface="+mn-ea"/>
-                <a:cs typeface="+mn-cs"/>
-              </a:defRPr>
-            </a:lvl1pPr>
-            <a:lvl2pPr marL="384048" indent="-182880" algn="l" defTabSz="914400" rtl="0" eaLnBrk="1" latinLnBrk="0" hangingPunct="1">
-              <a:lnSpc>
-                <a:spcPct val="90000"/>
-              </a:lnSpc>
-              <a:spcBef>
-                <a:spcPts val="200"/>
-              </a:spcBef>
-              <a:spcAft>
-                <a:spcPts val="400"/>
-              </a:spcAft>
-              <a:buClr>
-                <a:schemeClr val="accent1"/>
-              </a:buClr>
-              <a:buFont typeface="Calibri" pitchFamily="34" charset="0"/>
-              <a:buChar char="◦"/>
-              <a:defRPr sz="1800" kern="1200">
-                <a:solidFill>
-                  <a:schemeClr val="tx1">
-                    <a:lumMod val="75000"/>
-                    <a:lumOff val="25000"/>
-                  </a:schemeClr>
-                </a:solidFill>
-                <a:latin typeface="+mn-lt"/>
-                <a:ea typeface="+mn-ea"/>
-                <a:cs typeface="+mn-cs"/>
-              </a:defRPr>
-            </a:lvl2pPr>
-            <a:lvl3pPr marL="566928" indent="-182880" algn="l" defTabSz="914400" rtl="0" eaLnBrk="1" latinLnBrk="0" hangingPunct="1">
-              <a:lnSpc>
-                <a:spcPct val="90000"/>
-              </a:lnSpc>
-              <a:spcBef>
-                <a:spcPts val="200"/>
-              </a:spcBef>
-              <a:spcAft>
-                <a:spcPts val="400"/>
-              </a:spcAft>
-              <a:buClr>
-                <a:schemeClr val="accent1"/>
-              </a:buClr>
-              <a:buFont typeface="Calibri" pitchFamily="34" charset="0"/>
-              <a:buChar char="◦"/>
-              <a:defRPr sz="1400" kern="1200">
-                <a:solidFill>
-                  <a:schemeClr val="tx1">
-                    <a:lumMod val="75000"/>
-                    <a:lumOff val="25000"/>
-                  </a:schemeClr>
-                </a:solidFill>
-                <a:latin typeface="+mn-lt"/>
-                <a:ea typeface="+mn-ea"/>
-                <a:cs typeface="+mn-cs"/>
-              </a:defRPr>
-            </a:lvl3pPr>
-            <a:lvl4pPr marL="749808" indent="-182880" algn="l" defTabSz="914400" rtl="0" eaLnBrk="1" latinLnBrk="0" hangingPunct="1">
-              <a:lnSpc>
-                <a:spcPct val="90000"/>
-              </a:lnSpc>
-              <a:spcBef>
-                <a:spcPts val="200"/>
-              </a:spcBef>
-              <a:spcAft>
-                <a:spcPts val="400"/>
-              </a:spcAft>
-              <a:buClr>
-                <a:schemeClr val="accent1"/>
-              </a:buClr>
-              <a:buFont typeface="Calibri" pitchFamily="34" charset="0"/>
-              <a:buChar char="◦"/>
-              <a:defRPr sz="1400" kern="1200">
-                <a:solidFill>
-                  <a:schemeClr val="tx1">
-                    <a:lumMod val="75000"/>
-                    <a:lumOff val="25000"/>
-                  </a:schemeClr>
-                </a:solidFill>
-                <a:latin typeface="+mn-lt"/>
-                <a:ea typeface="+mn-ea"/>
-                <a:cs typeface="+mn-cs"/>
-              </a:defRPr>
-            </a:lvl4pPr>
-            <a:lvl5pPr marL="932688" indent="-182880" algn="l" defTabSz="914400" rtl="0" eaLnBrk="1" latinLnBrk="0" hangingPunct="1">
-              <a:lnSpc>
-                <a:spcPct val="90000"/>
-              </a:lnSpc>
-              <a:spcBef>
-                <a:spcPts val="200"/>
-              </a:spcBef>
-              <a:spcAft>
-                <a:spcPts val="400"/>
-              </a:spcAft>
-              <a:buClr>
-                <a:schemeClr val="accent1"/>
-              </a:buClr>
-              <a:buFont typeface="Calibri" pitchFamily="34" charset="0"/>
-              <a:buChar char="◦"/>
-              <a:defRPr sz="1400" kern="1200">
-                <a:solidFill>
-                  <a:schemeClr val="tx1">
-                    <a:lumMod val="75000"/>
-                    <a:lumOff val="25000"/>
-                  </a:schemeClr>
-                </a:solidFill>
-                <a:latin typeface="+mn-lt"/>
-                <a:ea typeface="+mn-ea"/>
-                <a:cs typeface="+mn-cs"/>
-              </a:defRPr>
-            </a:lvl5pPr>
-            <a:lvl6pPr marL="1100000" indent="-228600" algn="l" defTabSz="914400" rtl="0" eaLnBrk="1" latinLnBrk="0" hangingPunct="1">
-              <a:lnSpc>
-                <a:spcPct val="90000"/>
-              </a:lnSpc>
-              <a:spcBef>
-                <a:spcPts val="200"/>
-              </a:spcBef>
-              <a:spcAft>
-                <a:spcPts val="400"/>
-              </a:spcAft>
-              <a:buClr>
-                <a:schemeClr val="accent1"/>
-              </a:buClr>
-              <a:buFont typeface="Calibri" pitchFamily="34" charset="0"/>
-              <a:buChar char="◦"/>
-              <a:defRPr sz="1400" kern="1200">
-                <a:solidFill>
-                  <a:schemeClr val="tx1">
-                    <a:lumMod val="75000"/>
-                    <a:lumOff val="25000"/>
-                  </a:schemeClr>
-                </a:solidFill>
-                <a:latin typeface="+mn-lt"/>
-                <a:ea typeface="+mn-ea"/>
-                <a:cs typeface="+mn-cs"/>
-              </a:defRPr>
-            </a:lvl6pPr>
-            <a:lvl7pPr marL="1300000" indent="-228600" algn="l" defTabSz="914400" rtl="0" eaLnBrk="1" latinLnBrk="0" hangingPunct="1">
-              <a:lnSpc>
-                <a:spcPct val="90000"/>
-              </a:lnSpc>
-              <a:spcBef>
-                <a:spcPts val="200"/>
-              </a:spcBef>
-              <a:spcAft>
-                <a:spcPts val="400"/>
-              </a:spcAft>
-              <a:buClr>
-                <a:schemeClr val="accent1"/>
-              </a:buClr>
-              <a:buFont typeface="Calibri" pitchFamily="34" charset="0"/>
-              <a:buChar char="◦"/>
-              <a:defRPr sz="1400" kern="1200">
-                <a:solidFill>
-                  <a:schemeClr val="tx1">
-                    <a:lumMod val="75000"/>
-                    <a:lumOff val="25000"/>
-                  </a:schemeClr>
-                </a:solidFill>
-                <a:latin typeface="+mn-lt"/>
-                <a:ea typeface="+mn-ea"/>
-                <a:cs typeface="+mn-cs"/>
-              </a:defRPr>
-            </a:lvl7pPr>
-            <a:lvl8pPr marL="1500000" indent="-228600" algn="l" defTabSz="914400" rtl="0" eaLnBrk="1" latinLnBrk="0" hangingPunct="1">
-              <a:lnSpc>
-                <a:spcPct val="90000"/>
-              </a:lnSpc>
-              <a:spcBef>
-                <a:spcPts val="200"/>
-              </a:spcBef>
-              <a:spcAft>
-                <a:spcPts val="400"/>
-              </a:spcAft>
-              <a:buClr>
-                <a:schemeClr val="accent1"/>
-              </a:buClr>
-              <a:buFont typeface="Calibri" pitchFamily="34" charset="0"/>
-              <a:buChar char="◦"/>
-              <a:defRPr sz="1400" kern="1200">
-                <a:solidFill>
-                  <a:schemeClr val="tx1">
-                    <a:lumMod val="75000"/>
-                    <a:lumOff val="25000"/>
-                  </a:schemeClr>
-                </a:solidFill>
-                <a:latin typeface="+mn-lt"/>
-                <a:ea typeface="+mn-ea"/>
-                <a:cs typeface="+mn-cs"/>
-              </a:defRPr>
-            </a:lvl8pPr>
-            <a:lvl9pPr marL="1700000" indent="-228600" algn="l" defTabSz="914400" rtl="0" eaLnBrk="1" latinLnBrk="0" hangingPunct="1">
-              <a:lnSpc>
-                <a:spcPct val="90000"/>
-              </a:lnSpc>
-              <a:spcBef>
-                <a:spcPts val="200"/>
-              </a:spcBef>
-              <a:spcAft>
-                <a:spcPts val="400"/>
-              </a:spcAft>
-              <a:buClr>
-                <a:schemeClr val="accent1"/>
-              </a:buClr>
-              <a:buFont typeface="Calibri" pitchFamily="34" charset="0"/>
-              <a:buChar char="◦"/>
-              <a:defRPr sz="1400" kern="1200">
-                <a:solidFill>
-                  <a:schemeClr val="tx1">
-                    <a:lumMod val="75000"/>
-                    <a:lumOff val="25000"/>
-                  </a:schemeClr>
-                </a:solidFill>
-                <a:latin typeface="+mn-lt"/>
-                <a:ea typeface="+mn-ea"/>
-                <a:cs typeface="+mn-cs"/>
-              </a:defRPr>
-            </a:lvl9pPr>
-          </a:lstStyle>
-          <a:p>
-            <a:pPr marL="306000" indent="-306000" defTabSz="457200">
-              <a:spcBef>
-                <a:spcPct val="20000"/>
-              </a:spcBef>
-              <a:spcAft>
-                <a:spcPts val="600"/>
-              </a:spcAft>
-              <a:buClr>
-                <a:schemeClr val="accent2"/>
-              </a:buClr>
-              <a:buSzPct val="92000"/>
-              <a:buFont typeface="Wingdings 2" panose="05020102010507070707" pitchFamily="18" charset="2"/>
-              <a:buChar char=""/>
-            </a:pPr>
-            <a:r>
-              <a:rPr lang="de-CH" sz="2800" dirty="0">
-                <a:solidFill>
-                  <a:schemeClr val="tx1"/>
-                </a:solidFill>
-              </a:rPr>
-              <a:t>Systemauslastung bei QGC Link Aufbau</a:t>
-            </a:r>
-          </a:p>
-          <a:p>
-            <a:pPr marL="306000" indent="-306000" defTabSz="457200">
-              <a:spcBef>
-                <a:spcPct val="20000"/>
-              </a:spcBef>
-              <a:spcAft>
-                <a:spcPts val="600"/>
-              </a:spcAft>
-              <a:buClr>
-                <a:schemeClr val="accent2"/>
-              </a:buClr>
-              <a:buSzPct val="92000"/>
-              <a:buFont typeface="Wingdings 2" panose="05020102010507070707" pitchFamily="18" charset="2"/>
-              <a:buChar char=""/>
-            </a:pPr>
-            <a:r>
-              <a:rPr lang="de-CH" sz="2800" dirty="0">
-                <a:solidFill>
-                  <a:schemeClr val="tx1"/>
-                </a:solidFill>
-              </a:rPr>
-              <a:t>Digitale Signatur von Log Files</a:t>
-            </a:r>
-          </a:p>
-          <a:p>
-            <a:pPr marL="306000" indent="-306000" defTabSz="457200">
-              <a:spcBef>
-                <a:spcPct val="20000"/>
-              </a:spcBef>
-              <a:spcAft>
-                <a:spcPts val="600"/>
-              </a:spcAft>
-              <a:buClr>
-                <a:schemeClr val="accent2"/>
-              </a:buClr>
-              <a:buSzPct val="92000"/>
-              <a:buFont typeface="Wingdings 2" panose="05020102010507070707" pitchFamily="18" charset="2"/>
-              <a:buChar char=""/>
-            </a:pPr>
-            <a:r>
-              <a:rPr lang="de-CH" sz="2800" dirty="0">
-                <a:solidFill>
-                  <a:schemeClr val="tx1"/>
-                </a:solidFill>
-              </a:rPr>
-              <a:t>Load </a:t>
-            </a:r>
-            <a:r>
-              <a:rPr lang="de-CH" sz="2800" dirty="0" err="1">
-                <a:solidFill>
-                  <a:schemeClr val="tx1"/>
-                </a:solidFill>
-              </a:rPr>
-              <a:t>Balancing</a:t>
-            </a:r>
-            <a:r>
-              <a:rPr lang="de-CH" sz="2800" dirty="0">
-                <a:solidFill>
-                  <a:schemeClr val="tx1"/>
-                </a:solidFill>
-              </a:rPr>
-              <a:t> Modell Entwurf</a:t>
-            </a:r>
-          </a:p>
-          <a:p>
-            <a:pPr marL="306000" indent="-306000" defTabSz="457200">
-              <a:spcBef>
-                <a:spcPct val="20000"/>
-              </a:spcBef>
-              <a:spcAft>
-                <a:spcPts val="600"/>
-              </a:spcAft>
-              <a:buClr>
-                <a:schemeClr val="accent2"/>
-              </a:buClr>
-              <a:buSzPct val="92000"/>
-              <a:buFont typeface="Wingdings 2" panose="05020102010507070707" pitchFamily="18" charset="2"/>
-              <a:buChar char=""/>
-            </a:pPr>
-            <a:r>
-              <a:rPr lang="de-CH" sz="2800" dirty="0">
-                <a:solidFill>
-                  <a:schemeClr val="tx1"/>
-                </a:solidFill>
-              </a:rPr>
-              <a:t>Feldtest um Bitfehlerwahrscheinlichkeit/Kanalparameter zu ermitteln</a:t>
-            </a:r>
-          </a:p>
-          <a:p>
-            <a:pPr marL="306000" indent="-306000" defTabSz="457200">
-              <a:spcBef>
-                <a:spcPct val="20000"/>
-              </a:spcBef>
-              <a:spcAft>
-                <a:spcPts val="600"/>
-              </a:spcAft>
-              <a:buClr>
-                <a:schemeClr val="accent2"/>
-              </a:buClr>
-              <a:buSzPct val="92000"/>
-              <a:buFont typeface="Wingdings 2" panose="05020102010507070707" pitchFamily="18" charset="2"/>
-              <a:buChar char=""/>
-            </a:pPr>
-            <a:r>
-              <a:rPr lang="de-CH" sz="2800" dirty="0">
-                <a:solidFill>
-                  <a:schemeClr val="tx1"/>
-                </a:solidFill>
-              </a:rPr>
-              <a:t>Feldtest mit </a:t>
-            </a:r>
-            <a:r>
-              <a:rPr lang="de-CH" sz="2800" dirty="0" err="1">
-                <a:solidFill>
-                  <a:schemeClr val="tx1"/>
-                </a:solidFill>
-              </a:rPr>
-              <a:t>Golay</a:t>
-            </a:r>
-            <a:r>
-              <a:rPr lang="de-CH" sz="2800" dirty="0">
-                <a:solidFill>
-                  <a:schemeClr val="tx1"/>
-                </a:solidFill>
-              </a:rPr>
-              <a:t> Error </a:t>
-            </a:r>
-            <a:r>
-              <a:rPr lang="de-CH" sz="2800" dirty="0" err="1">
-                <a:solidFill>
-                  <a:schemeClr val="tx1"/>
-                </a:solidFill>
-              </a:rPr>
-              <a:t>Correcting</a:t>
-            </a:r>
-            <a:r>
-              <a:rPr lang="de-CH" sz="2800" dirty="0">
-                <a:solidFill>
-                  <a:schemeClr val="tx1"/>
-                </a:solidFill>
-              </a:rPr>
-              <a:t> Code</a:t>
-            </a:r>
-          </a:p>
-          <a:p>
-            <a:pPr marL="306000" indent="-306000" defTabSz="457200">
-              <a:spcBef>
-                <a:spcPct val="20000"/>
-              </a:spcBef>
-              <a:spcAft>
-                <a:spcPts val="600"/>
-              </a:spcAft>
-              <a:buClr>
-                <a:schemeClr val="accent2"/>
-              </a:buClr>
-              <a:buSzPct val="92000"/>
-              <a:buFont typeface="Wingdings 2" panose="05020102010507070707" pitchFamily="18" charset="2"/>
-              <a:buChar char=""/>
-            </a:pPr>
-            <a:r>
-              <a:rPr lang="de-CH" sz="2800" dirty="0">
-                <a:solidFill>
-                  <a:schemeClr val="tx1"/>
-                </a:solidFill>
-              </a:rPr>
-              <a:t>Implementierung Verschlüsselung</a:t>
-            </a:r>
-          </a:p>
-          <a:p>
-            <a:pPr marL="306000" indent="-306000" defTabSz="457200">
-              <a:spcBef>
-                <a:spcPct val="20000"/>
-              </a:spcBef>
-              <a:spcAft>
-                <a:spcPts val="600"/>
-              </a:spcAft>
-              <a:buClr>
-                <a:schemeClr val="accent2"/>
-              </a:buClr>
-              <a:buSzPct val="92000"/>
-              <a:buFont typeface="Wingdings 2" panose="05020102010507070707" pitchFamily="18" charset="2"/>
-              <a:buChar char=""/>
-            </a:pPr>
-            <a:r>
-              <a:rPr lang="de-CH" sz="2800" dirty="0">
-                <a:solidFill>
-                  <a:schemeClr val="tx1"/>
-                </a:solidFill>
-              </a:rPr>
-              <a:t>Feldtest mit Verschlüsselung</a:t>
-            </a:r>
-          </a:p>
-          <a:p>
-            <a:pPr marL="306000" indent="-306000" defTabSz="457200">
-              <a:spcBef>
-                <a:spcPct val="20000"/>
-              </a:spcBef>
-              <a:spcAft>
-                <a:spcPts val="600"/>
-              </a:spcAft>
-              <a:buClr>
-                <a:schemeClr val="accent2"/>
-              </a:buClr>
-              <a:buSzPct val="92000"/>
-              <a:buFont typeface="Wingdings 2" panose="05020102010507070707" pitchFamily="18" charset="2"/>
-              <a:buChar char=""/>
-            </a:pPr>
-            <a:r>
-              <a:rPr lang="de-CH" sz="2800" dirty="0">
-                <a:solidFill>
-                  <a:schemeClr val="tx1"/>
-                </a:solidFill>
-              </a:rPr>
-              <a:t>RTC -&gt; Zeitstempel für </a:t>
-            </a:r>
-            <a:r>
-              <a:rPr lang="de-CH" sz="2800" dirty="0" err="1">
-                <a:solidFill>
-                  <a:schemeClr val="tx1"/>
-                </a:solidFill>
-              </a:rPr>
-              <a:t>Logging</a:t>
-            </a:r>
-            <a:endParaRPr lang="de-CH" sz="2800" dirty="0">
-              <a:solidFill>
-                <a:schemeClr val="tx1"/>
-              </a:solidFill>
-            </a:endParaRPr>
-          </a:p>
-        </p:txBody>
-      </p:sp>
     </p:spTree>
     <p:extLst>
       <p:ext uri="{BB962C8B-B14F-4D97-AF65-F5344CB8AC3E}">
-        <p14:creationId xmlns:p14="http://schemas.microsoft.com/office/powerpoint/2010/main" val="3644405459"/>
+        <p14:creationId xmlns:p14="http://schemas.microsoft.com/office/powerpoint/2010/main" val="1360699297"/>
       </p:ext>
     </p:extLst>
   </p:cSld>
@@ -20523,7 +20996,13 @@
       </p:grpSpPr>
       <p:sp>
         <p:nvSpPr>
-          <p:cNvPr id="2" name="Titel 1"/>
+          <p:cNvPr id="2" name="Titel 1">
+            <a:extLst>
+              <a:ext uri="{FF2B5EF4-FFF2-40B4-BE49-F238E27FC236}">
+                <a16:creationId xmlns:a16="http://schemas.microsoft.com/office/drawing/2014/main" id="{738FF16F-A08F-47B3-B38F-AA9C9AF71518}"/>
+              </a:ext>
+            </a:extLst>
+          </p:cNvPr>
           <p:cNvSpPr>
             <a:spLocks noGrp="1"/>
           </p:cNvSpPr>
@@ -20538,36 +21017,17 @@
           <a:p>
             <a:r>
               <a:rPr lang="de-CH" dirty="0"/>
-              <a:t>Fragen?</a:t>
-            </a:r>
-          </a:p>
-        </p:txBody>
-      </p:sp>
-      <p:sp>
-        <p:nvSpPr>
-          <p:cNvPr id="3" name="Inhaltsplatzhalter 2"/>
-          <p:cNvSpPr>
-            <a:spLocks noGrp="1"/>
-          </p:cNvSpPr>
-          <p:nvPr>
-            <p:ph idx="1"/>
-          </p:nvPr>
-        </p:nvSpPr>
-        <p:spPr/>
-        <p:txBody>
-          <a:bodyPr/>
-          <a:lstStyle/>
-          <a:p>
-            <a:endParaRPr lang="de-CH"/>
-          </a:p>
-        </p:txBody>
-      </p:sp>
-      <p:sp>
-        <p:nvSpPr>
-          <p:cNvPr id="4" name="Foliennummernplatzhalter 3">
+              <a:t>Zuverlässigkeit</a:t>
+            </a:r>
+          </a:p>
+        </p:txBody>
+      </p:sp>
+      <p:sp>
+        <p:nvSpPr>
+          <p:cNvPr id="5" name="Foliennummernplatzhalter 4">
             <a:extLst>
               <a:ext uri="{FF2B5EF4-FFF2-40B4-BE49-F238E27FC236}">
-                <a16:creationId xmlns:a16="http://schemas.microsoft.com/office/drawing/2014/main" id="{38F5D3D3-60B6-4FA8-A760-15B79B03CE30}"/>
+                <a16:creationId xmlns:a16="http://schemas.microsoft.com/office/drawing/2014/main" id="{AE134FCB-4BA9-44F7-B1A5-03B54EBBF465}"/>
               </a:ext>
             </a:extLst>
           </p:cNvPr>
@@ -20591,10 +21051,420 @@
           </a:p>
         </p:txBody>
       </p:sp>
+      <p:sp>
+        <p:nvSpPr>
+          <p:cNvPr id="6" name="Inhaltsplatzhalter 2">
+            <a:extLst>
+              <a:ext uri="{FF2B5EF4-FFF2-40B4-BE49-F238E27FC236}">
+                <a16:creationId xmlns:a16="http://schemas.microsoft.com/office/drawing/2014/main" id="{249355D4-76DC-44C9-9E84-C2F0BEE0AF2E}"/>
+              </a:ext>
+            </a:extLst>
+          </p:cNvPr>
+          <p:cNvSpPr txBox="1">
+            <a:spLocks/>
+          </p:cNvSpPr>
+          <p:nvPr/>
+        </p:nvSpPr>
+        <p:spPr>
+          <a:xfrm>
+            <a:off x="1219200" y="1845735"/>
+            <a:ext cx="9936480" cy="4358215"/>
+          </a:xfrm>
+          <a:prstGeom prst="rect">
+            <a:avLst/>
+          </a:prstGeom>
+        </p:spPr>
+        <p:txBody>
+          <a:bodyPr vert="horz" lIns="91440" tIns="45720" rIns="91440" bIns="45720" rtlCol="0" anchor="ctr">
+            <a:normAutofit/>
+          </a:bodyPr>
+          <a:lstStyle>
+            <a:lvl1pPr marL="91440" indent="-91440" algn="l" defTabSz="914400" rtl="0" eaLnBrk="1" latinLnBrk="0" hangingPunct="1">
+              <a:lnSpc>
+                <a:spcPct val="90000"/>
+              </a:lnSpc>
+              <a:spcBef>
+                <a:spcPts val="1200"/>
+              </a:spcBef>
+              <a:spcAft>
+                <a:spcPts val="200"/>
+              </a:spcAft>
+              <a:buClr>
+                <a:schemeClr val="accent1"/>
+              </a:buClr>
+              <a:buSzPct val="100000"/>
+              <a:buFont typeface="Calibri" panose="020F0502020204030204" pitchFamily="34" charset="0"/>
+              <a:buChar char=" "/>
+              <a:defRPr sz="2000" kern="1200">
+                <a:solidFill>
+                  <a:schemeClr val="tx1">
+                    <a:lumMod val="75000"/>
+                    <a:lumOff val="25000"/>
+                  </a:schemeClr>
+                </a:solidFill>
+                <a:latin typeface="+mn-lt"/>
+                <a:ea typeface="+mn-ea"/>
+                <a:cs typeface="+mn-cs"/>
+              </a:defRPr>
+            </a:lvl1pPr>
+            <a:lvl2pPr marL="384048" indent="-182880" algn="l" defTabSz="914400" rtl="0" eaLnBrk="1" latinLnBrk="0" hangingPunct="1">
+              <a:lnSpc>
+                <a:spcPct val="90000"/>
+              </a:lnSpc>
+              <a:spcBef>
+                <a:spcPts val="200"/>
+              </a:spcBef>
+              <a:spcAft>
+                <a:spcPts val="400"/>
+              </a:spcAft>
+              <a:buClr>
+                <a:schemeClr val="accent1"/>
+              </a:buClr>
+              <a:buFont typeface="Calibri" pitchFamily="34" charset="0"/>
+              <a:buChar char="◦"/>
+              <a:defRPr sz="1800" kern="1200">
+                <a:solidFill>
+                  <a:schemeClr val="tx1">
+                    <a:lumMod val="75000"/>
+                    <a:lumOff val="25000"/>
+                  </a:schemeClr>
+                </a:solidFill>
+                <a:latin typeface="+mn-lt"/>
+                <a:ea typeface="+mn-ea"/>
+                <a:cs typeface="+mn-cs"/>
+              </a:defRPr>
+            </a:lvl2pPr>
+            <a:lvl3pPr marL="566928" indent="-182880" algn="l" defTabSz="914400" rtl="0" eaLnBrk="1" latinLnBrk="0" hangingPunct="1">
+              <a:lnSpc>
+                <a:spcPct val="90000"/>
+              </a:lnSpc>
+              <a:spcBef>
+                <a:spcPts val="200"/>
+              </a:spcBef>
+              <a:spcAft>
+                <a:spcPts val="400"/>
+              </a:spcAft>
+              <a:buClr>
+                <a:schemeClr val="accent1"/>
+              </a:buClr>
+              <a:buFont typeface="Calibri" pitchFamily="34" charset="0"/>
+              <a:buChar char="◦"/>
+              <a:defRPr sz="1400" kern="1200">
+                <a:solidFill>
+                  <a:schemeClr val="tx1">
+                    <a:lumMod val="75000"/>
+                    <a:lumOff val="25000"/>
+                  </a:schemeClr>
+                </a:solidFill>
+                <a:latin typeface="+mn-lt"/>
+                <a:ea typeface="+mn-ea"/>
+                <a:cs typeface="+mn-cs"/>
+              </a:defRPr>
+            </a:lvl3pPr>
+            <a:lvl4pPr marL="749808" indent="-182880" algn="l" defTabSz="914400" rtl="0" eaLnBrk="1" latinLnBrk="0" hangingPunct="1">
+              <a:lnSpc>
+                <a:spcPct val="90000"/>
+              </a:lnSpc>
+              <a:spcBef>
+                <a:spcPts val="200"/>
+              </a:spcBef>
+              <a:spcAft>
+                <a:spcPts val="400"/>
+              </a:spcAft>
+              <a:buClr>
+                <a:schemeClr val="accent1"/>
+              </a:buClr>
+              <a:buFont typeface="Calibri" pitchFamily="34" charset="0"/>
+              <a:buChar char="◦"/>
+              <a:defRPr sz="1400" kern="1200">
+                <a:solidFill>
+                  <a:schemeClr val="tx1">
+                    <a:lumMod val="75000"/>
+                    <a:lumOff val="25000"/>
+                  </a:schemeClr>
+                </a:solidFill>
+                <a:latin typeface="+mn-lt"/>
+                <a:ea typeface="+mn-ea"/>
+                <a:cs typeface="+mn-cs"/>
+              </a:defRPr>
+            </a:lvl4pPr>
+            <a:lvl5pPr marL="932688" indent="-182880" algn="l" defTabSz="914400" rtl="0" eaLnBrk="1" latinLnBrk="0" hangingPunct="1">
+              <a:lnSpc>
+                <a:spcPct val="90000"/>
+              </a:lnSpc>
+              <a:spcBef>
+                <a:spcPts val="200"/>
+              </a:spcBef>
+              <a:spcAft>
+                <a:spcPts val="400"/>
+              </a:spcAft>
+              <a:buClr>
+                <a:schemeClr val="accent1"/>
+              </a:buClr>
+              <a:buFont typeface="Calibri" pitchFamily="34" charset="0"/>
+              <a:buChar char="◦"/>
+              <a:defRPr sz="1400" kern="1200">
+                <a:solidFill>
+                  <a:schemeClr val="tx1">
+                    <a:lumMod val="75000"/>
+                    <a:lumOff val="25000"/>
+                  </a:schemeClr>
+                </a:solidFill>
+                <a:latin typeface="+mn-lt"/>
+                <a:ea typeface="+mn-ea"/>
+                <a:cs typeface="+mn-cs"/>
+              </a:defRPr>
+            </a:lvl5pPr>
+            <a:lvl6pPr marL="1100000" indent="-228600" algn="l" defTabSz="914400" rtl="0" eaLnBrk="1" latinLnBrk="0" hangingPunct="1">
+              <a:lnSpc>
+                <a:spcPct val="90000"/>
+              </a:lnSpc>
+              <a:spcBef>
+                <a:spcPts val="200"/>
+              </a:spcBef>
+              <a:spcAft>
+                <a:spcPts val="400"/>
+              </a:spcAft>
+              <a:buClr>
+                <a:schemeClr val="accent1"/>
+              </a:buClr>
+              <a:buFont typeface="Calibri" pitchFamily="34" charset="0"/>
+              <a:buChar char="◦"/>
+              <a:defRPr sz="1400" kern="1200">
+                <a:solidFill>
+                  <a:schemeClr val="tx1">
+                    <a:lumMod val="75000"/>
+                    <a:lumOff val="25000"/>
+                  </a:schemeClr>
+                </a:solidFill>
+                <a:latin typeface="+mn-lt"/>
+                <a:ea typeface="+mn-ea"/>
+                <a:cs typeface="+mn-cs"/>
+              </a:defRPr>
+            </a:lvl6pPr>
+            <a:lvl7pPr marL="1300000" indent="-228600" algn="l" defTabSz="914400" rtl="0" eaLnBrk="1" latinLnBrk="0" hangingPunct="1">
+              <a:lnSpc>
+                <a:spcPct val="90000"/>
+              </a:lnSpc>
+              <a:spcBef>
+                <a:spcPts val="200"/>
+              </a:spcBef>
+              <a:spcAft>
+                <a:spcPts val="400"/>
+              </a:spcAft>
+              <a:buClr>
+                <a:schemeClr val="accent1"/>
+              </a:buClr>
+              <a:buFont typeface="Calibri" pitchFamily="34" charset="0"/>
+              <a:buChar char="◦"/>
+              <a:defRPr sz="1400" kern="1200">
+                <a:solidFill>
+                  <a:schemeClr val="tx1">
+                    <a:lumMod val="75000"/>
+                    <a:lumOff val="25000"/>
+                  </a:schemeClr>
+                </a:solidFill>
+                <a:latin typeface="+mn-lt"/>
+                <a:ea typeface="+mn-ea"/>
+                <a:cs typeface="+mn-cs"/>
+              </a:defRPr>
+            </a:lvl7pPr>
+            <a:lvl8pPr marL="1500000" indent="-228600" algn="l" defTabSz="914400" rtl="0" eaLnBrk="1" latinLnBrk="0" hangingPunct="1">
+              <a:lnSpc>
+                <a:spcPct val="90000"/>
+              </a:lnSpc>
+              <a:spcBef>
+                <a:spcPts val="200"/>
+              </a:spcBef>
+              <a:spcAft>
+                <a:spcPts val="400"/>
+              </a:spcAft>
+              <a:buClr>
+                <a:schemeClr val="accent1"/>
+              </a:buClr>
+              <a:buFont typeface="Calibri" pitchFamily="34" charset="0"/>
+              <a:buChar char="◦"/>
+              <a:defRPr sz="1400" kern="1200">
+                <a:solidFill>
+                  <a:schemeClr val="tx1">
+                    <a:lumMod val="75000"/>
+                    <a:lumOff val="25000"/>
+                  </a:schemeClr>
+                </a:solidFill>
+                <a:latin typeface="+mn-lt"/>
+                <a:ea typeface="+mn-ea"/>
+                <a:cs typeface="+mn-cs"/>
+              </a:defRPr>
+            </a:lvl8pPr>
+            <a:lvl9pPr marL="1700000" indent="-228600" algn="l" defTabSz="914400" rtl="0" eaLnBrk="1" latinLnBrk="0" hangingPunct="1">
+              <a:lnSpc>
+                <a:spcPct val="90000"/>
+              </a:lnSpc>
+              <a:spcBef>
+                <a:spcPts val="200"/>
+              </a:spcBef>
+              <a:spcAft>
+                <a:spcPts val="400"/>
+              </a:spcAft>
+              <a:buClr>
+                <a:schemeClr val="accent1"/>
+              </a:buClr>
+              <a:buFont typeface="Calibri" pitchFamily="34" charset="0"/>
+              <a:buChar char="◦"/>
+              <a:defRPr sz="1400" kern="1200">
+                <a:solidFill>
+                  <a:schemeClr val="tx1">
+                    <a:lumMod val="75000"/>
+                    <a:lumOff val="25000"/>
+                  </a:schemeClr>
+                </a:solidFill>
+                <a:latin typeface="+mn-lt"/>
+                <a:ea typeface="+mn-ea"/>
+                <a:cs typeface="+mn-cs"/>
+              </a:defRPr>
+            </a:lvl9pPr>
+          </a:lstStyle>
+          <a:p>
+            <a:pPr marL="0" indent="0" defTabSz="457200">
+              <a:spcBef>
+                <a:spcPct val="20000"/>
+              </a:spcBef>
+              <a:spcAft>
+                <a:spcPts val="600"/>
+              </a:spcAft>
+              <a:buClr>
+                <a:schemeClr val="accent2"/>
+              </a:buClr>
+              <a:buSzPct val="92000"/>
+              <a:buNone/>
+            </a:pPr>
+            <a:r>
+              <a:rPr lang="de-CH" dirty="0">
+                <a:solidFill>
+                  <a:schemeClr val="tx1"/>
+                </a:solidFill>
+              </a:rPr>
+              <a:t>Error </a:t>
+            </a:r>
+            <a:r>
+              <a:rPr lang="de-CH" dirty="0" err="1">
+                <a:solidFill>
+                  <a:schemeClr val="tx1"/>
+                </a:solidFill>
+              </a:rPr>
+              <a:t>Detection</a:t>
+            </a:r>
+            <a:r>
+              <a:rPr lang="de-CH" dirty="0">
+                <a:solidFill>
+                  <a:schemeClr val="tx1"/>
+                </a:solidFill>
+              </a:rPr>
+              <a:t>: CRC</a:t>
+            </a:r>
+          </a:p>
+          <a:p>
+            <a:pPr marL="306000" indent="-306000" defTabSz="457200">
+              <a:spcBef>
+                <a:spcPct val="20000"/>
+              </a:spcBef>
+              <a:spcAft>
+                <a:spcPts val="600"/>
+              </a:spcAft>
+              <a:buClr>
+                <a:schemeClr val="accent2"/>
+              </a:buClr>
+              <a:buSzPct val="92000"/>
+              <a:buFont typeface="Wingdings 2" panose="05020102010507070707" pitchFamily="18" charset="2"/>
+              <a:buChar char=""/>
+            </a:pPr>
+            <a:r>
+              <a:rPr lang="de-CH" dirty="0">
+                <a:solidFill>
+                  <a:schemeClr val="tx1"/>
+                </a:solidFill>
+              </a:rPr>
+              <a:t>CRC 8  	=  	8-bit CRC  	= 	256 CRC Werte</a:t>
+            </a:r>
+          </a:p>
+          <a:p>
+            <a:pPr marL="306000" indent="-306000" defTabSz="457200">
+              <a:spcBef>
+                <a:spcPct val="20000"/>
+              </a:spcBef>
+              <a:spcAft>
+                <a:spcPts val="600"/>
+              </a:spcAft>
+              <a:buClr>
+                <a:schemeClr val="accent2"/>
+              </a:buClr>
+              <a:buSzPct val="92000"/>
+              <a:buFont typeface="Wingdings 2" panose="05020102010507070707" pitchFamily="18" charset="2"/>
+              <a:buChar char=""/>
+            </a:pPr>
+            <a:r>
+              <a:rPr lang="de-CH" dirty="0">
+                <a:solidFill>
+                  <a:schemeClr val="tx1"/>
+                </a:solidFill>
+              </a:rPr>
+              <a:t>CRC 16 	= 	16-bit CRC 	= 	65’536 CRC Werte</a:t>
+            </a:r>
+          </a:p>
+          <a:p>
+            <a:pPr marL="306000" indent="-306000" defTabSz="457200">
+              <a:spcBef>
+                <a:spcPct val="20000"/>
+              </a:spcBef>
+              <a:spcAft>
+                <a:spcPts val="600"/>
+              </a:spcAft>
+              <a:buClr>
+                <a:schemeClr val="accent2"/>
+              </a:buClr>
+              <a:buSzPct val="92000"/>
+              <a:buFont typeface="Wingdings 2" panose="05020102010507070707" pitchFamily="18" charset="2"/>
+              <a:buChar char=""/>
+            </a:pPr>
+            <a:r>
+              <a:rPr lang="de-CH" dirty="0">
+                <a:solidFill>
+                  <a:schemeClr val="tx1"/>
+                </a:solidFill>
+              </a:rPr>
+              <a:t>Wahrscheinlichkeit, einen Fehler nicht zu bemerken = 1/256 resp. 1/ 65’536</a:t>
+            </a:r>
+          </a:p>
+          <a:p>
+            <a:pPr marL="306000" indent="-306000" defTabSz="457200">
+              <a:spcBef>
+                <a:spcPct val="20000"/>
+              </a:spcBef>
+              <a:spcAft>
+                <a:spcPts val="600"/>
+              </a:spcAft>
+              <a:buClr>
+                <a:schemeClr val="accent2"/>
+              </a:buClr>
+              <a:buSzPct val="92000"/>
+              <a:buFont typeface="Wingdings 2" panose="05020102010507070707" pitchFamily="18" charset="2"/>
+              <a:buChar char=""/>
+            </a:pPr>
+            <a:r>
+              <a:rPr lang="de-CH" dirty="0">
+                <a:solidFill>
+                  <a:schemeClr val="tx1"/>
+                </a:solidFill>
+              </a:rPr>
+              <a:t>Hardware CRC</a:t>
+            </a:r>
+          </a:p>
+        </p:txBody>
+      </p:sp>
     </p:spTree>
     <p:extLst>
       <p:ext uri="{BB962C8B-B14F-4D97-AF65-F5344CB8AC3E}">
-        <p14:creationId xmlns:p14="http://schemas.microsoft.com/office/powerpoint/2010/main" val="1360699297"/>
+        <p14:creationId xmlns:p14="http://schemas.microsoft.com/office/powerpoint/2010/main" val="1297185869"/>
       </p:ext>
     </p:extLst>
   </p:cSld>
@@ -20626,503 +21496,6 @@
           <p:cNvPr id="2" name="Titel 1">
             <a:extLst>
               <a:ext uri="{FF2B5EF4-FFF2-40B4-BE49-F238E27FC236}">
-                <a16:creationId xmlns:a16="http://schemas.microsoft.com/office/drawing/2014/main" id="{738FF16F-A08F-47B3-B38F-AA9C9AF71518}"/>
-              </a:ext>
-            </a:extLst>
-          </p:cNvPr>
-          <p:cNvSpPr>
-            <a:spLocks noGrp="1"/>
-          </p:cNvSpPr>
-          <p:nvPr>
-            <p:ph type="title"/>
-          </p:nvPr>
-        </p:nvSpPr>
-        <p:spPr/>
-        <p:txBody>
-          <a:bodyPr/>
-          <a:lstStyle/>
-          <a:p>
-            <a:r>
-              <a:rPr lang="de-CH" dirty="0"/>
-              <a:t>Zuverlässigkeit</a:t>
-            </a:r>
-          </a:p>
-        </p:txBody>
-      </p:sp>
-      <p:sp>
-        <p:nvSpPr>
-          <p:cNvPr id="5" name="Foliennummernplatzhalter 4">
-            <a:extLst>
-              <a:ext uri="{FF2B5EF4-FFF2-40B4-BE49-F238E27FC236}">
-                <a16:creationId xmlns:a16="http://schemas.microsoft.com/office/drawing/2014/main" id="{AE134FCB-4BA9-44F7-B1A5-03B54EBBF465}"/>
-              </a:ext>
-            </a:extLst>
-          </p:cNvPr>
-          <p:cNvSpPr>
-            <a:spLocks noGrp="1"/>
-          </p:cNvSpPr>
-          <p:nvPr>
-            <p:ph type="sldNum" sz="quarter" idx="12"/>
-          </p:nvPr>
-        </p:nvSpPr>
-        <p:spPr/>
-        <p:txBody>
-          <a:bodyPr/>
-          <a:lstStyle/>
-          <a:p>
-            <a:fld id="{7AC51F72-762B-4631-A527-211F5F845826}" type="slidenum">
-              <a:rPr lang="de-CH" smtClean="0"/>
-              <a:t>26</a:t>
-            </a:fld>
-            <a:endParaRPr lang="de-CH"/>
-          </a:p>
-        </p:txBody>
-      </p:sp>
-      <p:sp>
-        <p:nvSpPr>
-          <p:cNvPr id="6" name="Inhaltsplatzhalter 2">
-            <a:extLst>
-              <a:ext uri="{FF2B5EF4-FFF2-40B4-BE49-F238E27FC236}">
-                <a16:creationId xmlns:a16="http://schemas.microsoft.com/office/drawing/2014/main" id="{249355D4-76DC-44C9-9E84-C2F0BEE0AF2E}"/>
-              </a:ext>
-            </a:extLst>
-          </p:cNvPr>
-          <p:cNvSpPr txBox="1">
-            <a:spLocks/>
-          </p:cNvSpPr>
-          <p:nvPr/>
-        </p:nvSpPr>
-        <p:spPr>
-          <a:xfrm>
-            <a:off x="1219200" y="1845735"/>
-            <a:ext cx="9936480" cy="4358215"/>
-          </a:xfrm>
-          <a:prstGeom prst="rect">
-            <a:avLst/>
-          </a:prstGeom>
-        </p:spPr>
-        <p:txBody>
-          <a:bodyPr vert="horz" lIns="91440" tIns="45720" rIns="91440" bIns="45720" rtlCol="0" anchor="ctr">
-            <a:normAutofit/>
-          </a:bodyPr>
-          <a:lstStyle>
-            <a:lvl1pPr marL="91440" indent="-91440" algn="l" defTabSz="914400" rtl="0" eaLnBrk="1" latinLnBrk="0" hangingPunct="1">
-              <a:lnSpc>
-                <a:spcPct val="90000"/>
-              </a:lnSpc>
-              <a:spcBef>
-                <a:spcPts val="1200"/>
-              </a:spcBef>
-              <a:spcAft>
-                <a:spcPts val="200"/>
-              </a:spcAft>
-              <a:buClr>
-                <a:schemeClr val="accent1"/>
-              </a:buClr>
-              <a:buSzPct val="100000"/>
-              <a:buFont typeface="Calibri" panose="020F0502020204030204" pitchFamily="34" charset="0"/>
-              <a:buChar char=" "/>
-              <a:defRPr sz="2000" kern="1200">
-                <a:solidFill>
-                  <a:schemeClr val="tx1">
-                    <a:lumMod val="75000"/>
-                    <a:lumOff val="25000"/>
-                  </a:schemeClr>
-                </a:solidFill>
-                <a:latin typeface="+mn-lt"/>
-                <a:ea typeface="+mn-ea"/>
-                <a:cs typeface="+mn-cs"/>
-              </a:defRPr>
-            </a:lvl1pPr>
-            <a:lvl2pPr marL="384048" indent="-182880" algn="l" defTabSz="914400" rtl="0" eaLnBrk="1" latinLnBrk="0" hangingPunct="1">
-              <a:lnSpc>
-                <a:spcPct val="90000"/>
-              </a:lnSpc>
-              <a:spcBef>
-                <a:spcPts val="200"/>
-              </a:spcBef>
-              <a:spcAft>
-                <a:spcPts val="400"/>
-              </a:spcAft>
-              <a:buClr>
-                <a:schemeClr val="accent1"/>
-              </a:buClr>
-              <a:buFont typeface="Calibri" pitchFamily="34" charset="0"/>
-              <a:buChar char="◦"/>
-              <a:defRPr sz="1800" kern="1200">
-                <a:solidFill>
-                  <a:schemeClr val="tx1">
-                    <a:lumMod val="75000"/>
-                    <a:lumOff val="25000"/>
-                  </a:schemeClr>
-                </a:solidFill>
-                <a:latin typeface="+mn-lt"/>
-                <a:ea typeface="+mn-ea"/>
-                <a:cs typeface="+mn-cs"/>
-              </a:defRPr>
-            </a:lvl2pPr>
-            <a:lvl3pPr marL="566928" indent="-182880" algn="l" defTabSz="914400" rtl="0" eaLnBrk="1" latinLnBrk="0" hangingPunct="1">
-              <a:lnSpc>
-                <a:spcPct val="90000"/>
-              </a:lnSpc>
-              <a:spcBef>
-                <a:spcPts val="200"/>
-              </a:spcBef>
-              <a:spcAft>
-                <a:spcPts val="400"/>
-              </a:spcAft>
-              <a:buClr>
-                <a:schemeClr val="accent1"/>
-              </a:buClr>
-              <a:buFont typeface="Calibri" pitchFamily="34" charset="0"/>
-              <a:buChar char="◦"/>
-              <a:defRPr sz="1400" kern="1200">
-                <a:solidFill>
-                  <a:schemeClr val="tx1">
-                    <a:lumMod val="75000"/>
-                    <a:lumOff val="25000"/>
-                  </a:schemeClr>
-                </a:solidFill>
-                <a:latin typeface="+mn-lt"/>
-                <a:ea typeface="+mn-ea"/>
-                <a:cs typeface="+mn-cs"/>
-              </a:defRPr>
-            </a:lvl3pPr>
-            <a:lvl4pPr marL="749808" indent="-182880" algn="l" defTabSz="914400" rtl="0" eaLnBrk="1" latinLnBrk="0" hangingPunct="1">
-              <a:lnSpc>
-                <a:spcPct val="90000"/>
-              </a:lnSpc>
-              <a:spcBef>
-                <a:spcPts val="200"/>
-              </a:spcBef>
-              <a:spcAft>
-                <a:spcPts val="400"/>
-              </a:spcAft>
-              <a:buClr>
-                <a:schemeClr val="accent1"/>
-              </a:buClr>
-              <a:buFont typeface="Calibri" pitchFamily="34" charset="0"/>
-              <a:buChar char="◦"/>
-              <a:defRPr sz="1400" kern="1200">
-                <a:solidFill>
-                  <a:schemeClr val="tx1">
-                    <a:lumMod val="75000"/>
-                    <a:lumOff val="25000"/>
-                  </a:schemeClr>
-                </a:solidFill>
-                <a:latin typeface="+mn-lt"/>
-                <a:ea typeface="+mn-ea"/>
-                <a:cs typeface="+mn-cs"/>
-              </a:defRPr>
-            </a:lvl4pPr>
-            <a:lvl5pPr marL="932688" indent="-182880" algn="l" defTabSz="914400" rtl="0" eaLnBrk="1" latinLnBrk="0" hangingPunct="1">
-              <a:lnSpc>
-                <a:spcPct val="90000"/>
-              </a:lnSpc>
-              <a:spcBef>
-                <a:spcPts val="200"/>
-              </a:spcBef>
-              <a:spcAft>
-                <a:spcPts val="400"/>
-              </a:spcAft>
-              <a:buClr>
-                <a:schemeClr val="accent1"/>
-              </a:buClr>
-              <a:buFont typeface="Calibri" pitchFamily="34" charset="0"/>
-              <a:buChar char="◦"/>
-              <a:defRPr sz="1400" kern="1200">
-                <a:solidFill>
-                  <a:schemeClr val="tx1">
-                    <a:lumMod val="75000"/>
-                    <a:lumOff val="25000"/>
-                  </a:schemeClr>
-                </a:solidFill>
-                <a:latin typeface="+mn-lt"/>
-                <a:ea typeface="+mn-ea"/>
-                <a:cs typeface="+mn-cs"/>
-              </a:defRPr>
-            </a:lvl5pPr>
-            <a:lvl6pPr marL="1100000" indent="-228600" algn="l" defTabSz="914400" rtl="0" eaLnBrk="1" latinLnBrk="0" hangingPunct="1">
-              <a:lnSpc>
-                <a:spcPct val="90000"/>
-              </a:lnSpc>
-              <a:spcBef>
-                <a:spcPts val="200"/>
-              </a:spcBef>
-              <a:spcAft>
-                <a:spcPts val="400"/>
-              </a:spcAft>
-              <a:buClr>
-                <a:schemeClr val="accent1"/>
-              </a:buClr>
-              <a:buFont typeface="Calibri" pitchFamily="34" charset="0"/>
-              <a:buChar char="◦"/>
-              <a:defRPr sz="1400" kern="1200">
-                <a:solidFill>
-                  <a:schemeClr val="tx1">
-                    <a:lumMod val="75000"/>
-                    <a:lumOff val="25000"/>
-                  </a:schemeClr>
-                </a:solidFill>
-                <a:latin typeface="+mn-lt"/>
-                <a:ea typeface="+mn-ea"/>
-                <a:cs typeface="+mn-cs"/>
-              </a:defRPr>
-            </a:lvl6pPr>
-            <a:lvl7pPr marL="1300000" indent="-228600" algn="l" defTabSz="914400" rtl="0" eaLnBrk="1" latinLnBrk="0" hangingPunct="1">
-              <a:lnSpc>
-                <a:spcPct val="90000"/>
-              </a:lnSpc>
-              <a:spcBef>
-                <a:spcPts val="200"/>
-              </a:spcBef>
-              <a:spcAft>
-                <a:spcPts val="400"/>
-              </a:spcAft>
-              <a:buClr>
-                <a:schemeClr val="accent1"/>
-              </a:buClr>
-              <a:buFont typeface="Calibri" pitchFamily="34" charset="0"/>
-              <a:buChar char="◦"/>
-              <a:defRPr sz="1400" kern="1200">
-                <a:solidFill>
-                  <a:schemeClr val="tx1">
-                    <a:lumMod val="75000"/>
-                    <a:lumOff val="25000"/>
-                  </a:schemeClr>
-                </a:solidFill>
-                <a:latin typeface="+mn-lt"/>
-                <a:ea typeface="+mn-ea"/>
-                <a:cs typeface="+mn-cs"/>
-              </a:defRPr>
-            </a:lvl7pPr>
-            <a:lvl8pPr marL="1500000" indent="-228600" algn="l" defTabSz="914400" rtl="0" eaLnBrk="1" latinLnBrk="0" hangingPunct="1">
-              <a:lnSpc>
-                <a:spcPct val="90000"/>
-              </a:lnSpc>
-              <a:spcBef>
-                <a:spcPts val="200"/>
-              </a:spcBef>
-              <a:spcAft>
-                <a:spcPts val="400"/>
-              </a:spcAft>
-              <a:buClr>
-                <a:schemeClr val="accent1"/>
-              </a:buClr>
-              <a:buFont typeface="Calibri" pitchFamily="34" charset="0"/>
-              <a:buChar char="◦"/>
-              <a:defRPr sz="1400" kern="1200">
-                <a:solidFill>
-                  <a:schemeClr val="tx1">
-                    <a:lumMod val="75000"/>
-                    <a:lumOff val="25000"/>
-                  </a:schemeClr>
-                </a:solidFill>
-                <a:latin typeface="+mn-lt"/>
-                <a:ea typeface="+mn-ea"/>
-                <a:cs typeface="+mn-cs"/>
-              </a:defRPr>
-            </a:lvl8pPr>
-            <a:lvl9pPr marL="1700000" indent="-228600" algn="l" defTabSz="914400" rtl="0" eaLnBrk="1" latinLnBrk="0" hangingPunct="1">
-              <a:lnSpc>
-                <a:spcPct val="90000"/>
-              </a:lnSpc>
-              <a:spcBef>
-                <a:spcPts val="200"/>
-              </a:spcBef>
-              <a:spcAft>
-                <a:spcPts val="400"/>
-              </a:spcAft>
-              <a:buClr>
-                <a:schemeClr val="accent1"/>
-              </a:buClr>
-              <a:buFont typeface="Calibri" pitchFamily="34" charset="0"/>
-              <a:buChar char="◦"/>
-              <a:defRPr sz="1400" kern="1200">
-                <a:solidFill>
-                  <a:schemeClr val="tx1">
-                    <a:lumMod val="75000"/>
-                    <a:lumOff val="25000"/>
-                  </a:schemeClr>
-                </a:solidFill>
-                <a:latin typeface="+mn-lt"/>
-                <a:ea typeface="+mn-ea"/>
-                <a:cs typeface="+mn-cs"/>
-              </a:defRPr>
-            </a:lvl9pPr>
-          </a:lstStyle>
-          <a:p>
-            <a:pPr marL="0" indent="0" defTabSz="457200">
-              <a:spcBef>
-                <a:spcPct val="20000"/>
-              </a:spcBef>
-              <a:spcAft>
-                <a:spcPts val="600"/>
-              </a:spcAft>
-              <a:buClr>
-                <a:schemeClr val="accent2"/>
-              </a:buClr>
-              <a:buSzPct val="92000"/>
-              <a:buNone/>
-            </a:pPr>
-            <a:r>
-              <a:rPr lang="de-CH" dirty="0">
-                <a:solidFill>
-                  <a:schemeClr val="tx1"/>
-                </a:solidFill>
-              </a:rPr>
-              <a:t>Error </a:t>
-            </a:r>
-            <a:r>
-              <a:rPr lang="de-CH" dirty="0" err="1">
-                <a:solidFill>
-                  <a:schemeClr val="tx1"/>
-                </a:solidFill>
-              </a:rPr>
-              <a:t>Detection</a:t>
-            </a:r>
-            <a:r>
-              <a:rPr lang="de-CH" dirty="0">
-                <a:solidFill>
-                  <a:schemeClr val="tx1"/>
-                </a:solidFill>
-              </a:rPr>
-              <a:t>: CRC</a:t>
-            </a:r>
-          </a:p>
-          <a:p>
-            <a:pPr marL="306000" indent="-306000" defTabSz="457200">
-              <a:spcBef>
-                <a:spcPct val="20000"/>
-              </a:spcBef>
-              <a:spcAft>
-                <a:spcPts val="600"/>
-              </a:spcAft>
-              <a:buClr>
-                <a:schemeClr val="accent2"/>
-              </a:buClr>
-              <a:buSzPct val="92000"/>
-              <a:buFont typeface="Wingdings 2" panose="05020102010507070707" pitchFamily="18" charset="2"/>
-              <a:buChar char=""/>
-            </a:pPr>
-            <a:r>
-              <a:rPr lang="de-CH" dirty="0">
-                <a:solidFill>
-                  <a:schemeClr val="tx1"/>
-                </a:solidFill>
-              </a:rPr>
-              <a:t>CRC 8  	=  	8-bit CRC  	= 	256 CRC Werte</a:t>
-            </a:r>
-          </a:p>
-          <a:p>
-            <a:pPr marL="306000" indent="-306000" defTabSz="457200">
-              <a:spcBef>
-                <a:spcPct val="20000"/>
-              </a:spcBef>
-              <a:spcAft>
-                <a:spcPts val="600"/>
-              </a:spcAft>
-              <a:buClr>
-                <a:schemeClr val="accent2"/>
-              </a:buClr>
-              <a:buSzPct val="92000"/>
-              <a:buFont typeface="Wingdings 2" panose="05020102010507070707" pitchFamily="18" charset="2"/>
-              <a:buChar char=""/>
-            </a:pPr>
-            <a:r>
-              <a:rPr lang="de-CH" dirty="0">
-                <a:solidFill>
-                  <a:schemeClr val="tx1"/>
-                </a:solidFill>
-              </a:rPr>
-              <a:t>CRC 16 	= 	16-bit CRC 	= 	65’536 CRC Werte</a:t>
-            </a:r>
-          </a:p>
-          <a:p>
-            <a:pPr marL="306000" indent="-306000" defTabSz="457200">
-              <a:spcBef>
-                <a:spcPct val="20000"/>
-              </a:spcBef>
-              <a:spcAft>
-                <a:spcPts val="600"/>
-              </a:spcAft>
-              <a:buClr>
-                <a:schemeClr val="accent2"/>
-              </a:buClr>
-              <a:buSzPct val="92000"/>
-              <a:buFont typeface="Wingdings 2" panose="05020102010507070707" pitchFamily="18" charset="2"/>
-              <a:buChar char=""/>
-            </a:pPr>
-            <a:r>
-              <a:rPr lang="de-CH" dirty="0">
-                <a:solidFill>
-                  <a:schemeClr val="tx1"/>
-                </a:solidFill>
-              </a:rPr>
-              <a:t>Wahrscheinlichkeit, einen Fehler nicht zu bemerken = 1/256 resp. 1/ 65’536</a:t>
-            </a:r>
-          </a:p>
-          <a:p>
-            <a:pPr marL="306000" indent="-306000" defTabSz="457200">
-              <a:spcBef>
-                <a:spcPct val="20000"/>
-              </a:spcBef>
-              <a:spcAft>
-                <a:spcPts val="600"/>
-              </a:spcAft>
-              <a:buClr>
-                <a:schemeClr val="accent2"/>
-              </a:buClr>
-              <a:buSzPct val="92000"/>
-              <a:buFont typeface="Wingdings 2" panose="05020102010507070707" pitchFamily="18" charset="2"/>
-              <a:buChar char=""/>
-            </a:pPr>
-            <a:r>
-              <a:rPr lang="de-CH" dirty="0">
-                <a:solidFill>
-                  <a:schemeClr val="tx1"/>
-                </a:solidFill>
-              </a:rPr>
-              <a:t>Hardware CRC</a:t>
-            </a:r>
-          </a:p>
-        </p:txBody>
-      </p:sp>
-    </p:spTree>
-    <p:extLst>
-      <p:ext uri="{BB962C8B-B14F-4D97-AF65-F5344CB8AC3E}">
-        <p14:creationId xmlns:p14="http://schemas.microsoft.com/office/powerpoint/2010/main" val="1297185869"/>
-      </p:ext>
-    </p:extLst>
-  </p:cSld>
-  <p:clrMapOvr>
-    <a:masterClrMapping/>
-  </p:clrMapOvr>
-</p:sld>
-</file>
-
-<file path=ppt/slides/slide27.xml><?xml version="1.0" encoding="utf-8"?>
-<p:sld xmlns:a="http://schemas.openxmlformats.org/drawingml/2006/main" xmlns:r="http://schemas.openxmlformats.org/officeDocument/2006/relationships" xmlns:p="http://schemas.openxmlformats.org/presentationml/2006/main">
-  <p:cSld>
-    <p:spTree>
-      <p:nvGrpSpPr>
-        <p:cNvPr id="1" name=""/>
-        <p:cNvGrpSpPr/>
-        <p:nvPr/>
-      </p:nvGrpSpPr>
-      <p:grpSpPr>
-        <a:xfrm>
-          <a:off x="0" y="0"/>
-          <a:ext cx="0" cy="0"/>
-          <a:chOff x="0" y="0"/>
-          <a:chExt cx="0" cy="0"/>
-        </a:xfrm>
-      </p:grpSpPr>
-      <p:sp>
-        <p:nvSpPr>
-          <p:cNvPr id="2" name="Titel 1">
-            <a:extLst>
-              <a:ext uri="{FF2B5EF4-FFF2-40B4-BE49-F238E27FC236}">
                 <a16:creationId xmlns:a16="http://schemas.microsoft.com/office/drawing/2014/main" id="{2AA2E762-18F2-4F25-9688-9C8469DA63CD}"/>
               </a:ext>
             </a:extLst>
@@ -21169,7 +21542,7 @@
           <a:p>
             <a:fld id="{7AC51F72-762B-4631-A527-211F5F845826}" type="slidenum">
               <a:rPr lang="de-CH" smtClean="0"/>
-              <a:t>27</a:t>
+              <a:t>26</a:t>
             </a:fld>
             <a:endParaRPr lang="de-CH"/>
           </a:p>
@@ -21612,7 +21985,7 @@
 </p:sld>
 </file>
 
-<file path=ppt/slides/slide28.xml><?xml version="1.0" encoding="utf-8"?>
+<file path=ppt/slides/slide27.xml><?xml version="1.0" encoding="utf-8"?>
 <p:sld xmlns:a="http://schemas.openxmlformats.org/drawingml/2006/main" xmlns:r="http://schemas.openxmlformats.org/officeDocument/2006/relationships" xmlns:p="http://schemas.openxmlformats.org/presentationml/2006/main">
   <p:cSld>
     <p:spTree>
@@ -21680,7 +22053,7 @@
           <a:p>
             <a:fld id="{7AC51F72-762B-4631-A527-211F5F845826}" type="slidenum">
               <a:rPr lang="de-CH" smtClean="0"/>
-              <a:t>28</a:t>
+              <a:t>27</a:t>
             </a:fld>
             <a:endParaRPr lang="de-CH"/>
           </a:p>
@@ -22092,7 +22465,7 @@
 </p:sld>
 </file>
 
-<file path=ppt/slides/slide29.xml><?xml version="1.0" encoding="utf-8"?>
+<file path=ppt/slides/slide28.xml><?xml version="1.0" encoding="utf-8"?>
 <p:sld xmlns:a="http://schemas.openxmlformats.org/drawingml/2006/main" xmlns:r="http://schemas.openxmlformats.org/officeDocument/2006/relationships" xmlns:p="http://schemas.openxmlformats.org/presentationml/2006/main">
   <p:cSld>
     <p:spTree>
@@ -22160,7 +22533,7 @@
           <a:p>
             <a:fld id="{7AC51F72-762B-4631-A527-211F5F845826}" type="slidenum">
               <a:rPr lang="de-CH" smtClean="0"/>
-              <a:t>29</a:t>
+              <a:t>28</a:t>
             </a:fld>
             <a:endParaRPr lang="de-CH"/>
           </a:p>
@@ -22580,7 +22953,7 @@
 </p:sld>
 </file>
 
-<file path=ppt/slides/slide3.xml><?xml version="1.0" encoding="utf-8"?>
+<file path=ppt/slides/slide29.xml><?xml version="1.0" encoding="utf-8"?>
 <p:sld xmlns:a="http://schemas.openxmlformats.org/drawingml/2006/main" xmlns:r="http://schemas.openxmlformats.org/officeDocument/2006/relationships" xmlns:p="http://schemas.openxmlformats.org/presentationml/2006/main">
   <p:cSld>
     <p:spTree>
@@ -22599,123 +22972,6 @@
       </p:grpSpPr>
       <p:sp>
         <p:nvSpPr>
-          <p:cNvPr id="2" name="Titel 1">
-            <a:extLst>
-              <a:ext uri="{FF2B5EF4-FFF2-40B4-BE49-F238E27FC236}">
-                <a16:creationId xmlns:a16="http://schemas.microsoft.com/office/drawing/2014/main" id="{A00EF82E-3B39-4AFB-9B4F-460D6D73C88C}"/>
-              </a:ext>
-            </a:extLst>
-          </p:cNvPr>
-          <p:cNvSpPr>
-            <a:spLocks noGrp="1"/>
-          </p:cNvSpPr>
-          <p:nvPr>
-            <p:ph type="title"/>
-          </p:nvPr>
-        </p:nvSpPr>
-        <p:spPr/>
-        <p:txBody>
-          <a:bodyPr/>
-          <a:lstStyle/>
-          <a:p>
-            <a:r>
-              <a:rPr lang="de-CH" dirty="0"/>
-              <a:t>Funktionalität</a:t>
-            </a:r>
-          </a:p>
-        </p:txBody>
-      </p:sp>
-      <p:pic>
-        <p:nvPicPr>
-          <p:cNvPr id="5" name="Grafik 4">
-            <a:extLst>
-              <a:ext uri="{FF2B5EF4-FFF2-40B4-BE49-F238E27FC236}">
-                <a16:creationId xmlns:a16="http://schemas.microsoft.com/office/drawing/2014/main" id="{C38C7435-8650-4897-AC45-5938D2B983F8}"/>
-              </a:ext>
-            </a:extLst>
-          </p:cNvPr>
-          <p:cNvPicPr>
-            <a:picLocks noChangeAspect="1"/>
-          </p:cNvPicPr>
-          <p:nvPr/>
-        </p:nvPicPr>
-        <p:blipFill>
-          <a:blip r:embed="rId3"/>
-          <a:stretch>
-            <a:fillRect/>
-          </a:stretch>
-        </p:blipFill>
-        <p:spPr>
-          <a:xfrm>
-            <a:off x="118508" y="2263318"/>
-            <a:ext cx="11887200" cy="3363120"/>
-          </a:xfrm>
-          <a:prstGeom prst="rect">
-            <a:avLst/>
-          </a:prstGeom>
-        </p:spPr>
-      </p:pic>
-      <p:sp>
-        <p:nvSpPr>
-          <p:cNvPr id="3" name="Foliennummernplatzhalter 2">
-            <a:extLst>
-              <a:ext uri="{FF2B5EF4-FFF2-40B4-BE49-F238E27FC236}">
-                <a16:creationId xmlns:a16="http://schemas.microsoft.com/office/drawing/2014/main" id="{628ADE2E-1F74-4DB7-9FDE-B961900FC060}"/>
-              </a:ext>
-            </a:extLst>
-          </p:cNvPr>
-          <p:cNvSpPr>
-            <a:spLocks noGrp="1"/>
-          </p:cNvSpPr>
-          <p:nvPr>
-            <p:ph type="sldNum" sz="quarter" idx="12"/>
-          </p:nvPr>
-        </p:nvSpPr>
-        <p:spPr/>
-        <p:txBody>
-          <a:bodyPr/>
-          <a:lstStyle/>
-          <a:p>
-            <a:fld id="{7AC51F72-762B-4631-A527-211F5F845826}" type="slidenum">
-              <a:rPr lang="de-CH" smtClean="0"/>
-              <a:t>3</a:t>
-            </a:fld>
-            <a:endParaRPr lang="de-CH"/>
-          </a:p>
-        </p:txBody>
-      </p:sp>
-    </p:spTree>
-    <p:extLst>
-      <p:ext uri="{BB962C8B-B14F-4D97-AF65-F5344CB8AC3E}">
-        <p14:creationId xmlns:p14="http://schemas.microsoft.com/office/powerpoint/2010/main" val="3332483408"/>
-      </p:ext>
-    </p:extLst>
-  </p:cSld>
-  <p:clrMapOvr>
-    <a:masterClrMapping/>
-  </p:clrMapOvr>
-</p:sld>
-</file>
-
-<file path=ppt/slides/slide30.xml><?xml version="1.0" encoding="utf-8"?>
-<p:sld xmlns:a="http://schemas.openxmlformats.org/drawingml/2006/main" xmlns:r="http://schemas.openxmlformats.org/officeDocument/2006/relationships" xmlns:p="http://schemas.openxmlformats.org/presentationml/2006/main">
-  <p:cSld>
-    <p:spTree>
-      <p:nvGrpSpPr>
-        <p:cNvPr id="1" name=""/>
-        <p:cNvGrpSpPr/>
-        <p:nvPr/>
-      </p:nvGrpSpPr>
-      <p:grpSpPr>
-        <a:xfrm>
-          <a:off x="0" y="0"/>
-          <a:ext cx="0" cy="0"/>
-          <a:chOff x="0" y="0"/>
-          <a:chExt cx="0" cy="0"/>
-        </a:xfrm>
-      </p:grpSpPr>
-      <p:sp>
-        <p:nvSpPr>
           <p:cNvPr id="2" name="Foliennummernplatzhalter 1">
             <a:extLst>
               <a:ext uri="{FF2B5EF4-FFF2-40B4-BE49-F238E27FC236}">
@@ -22737,7 +22993,7 @@
           <a:p>
             <a:fld id="{7AC51F72-762B-4631-A527-211F5F845826}" type="slidenum">
               <a:rPr lang="de-CH" smtClean="0"/>
-              <a:t>30</a:t>
+              <a:t>29</a:t>
             </a:fld>
             <a:endParaRPr lang="de-CH"/>
           </a:p>
@@ -22786,6 +23042,297 @@
 </p:sld>
 </file>
 
+<file path=ppt/slides/slide3.xml><?xml version="1.0" encoding="utf-8"?>
+<p:sld xmlns:a="http://schemas.openxmlformats.org/drawingml/2006/main" xmlns:r="http://schemas.openxmlformats.org/officeDocument/2006/relationships" xmlns:p="http://schemas.openxmlformats.org/presentationml/2006/main">
+  <p:cSld>
+    <p:spTree>
+      <p:nvGrpSpPr>
+        <p:cNvPr id="1" name=""/>
+        <p:cNvGrpSpPr/>
+        <p:nvPr/>
+      </p:nvGrpSpPr>
+      <p:grpSpPr>
+        <a:xfrm>
+          <a:off x="0" y="0"/>
+          <a:ext cx="0" cy="0"/>
+          <a:chOff x="0" y="0"/>
+          <a:chExt cx="0" cy="0"/>
+        </a:xfrm>
+      </p:grpSpPr>
+      <p:sp>
+        <p:nvSpPr>
+          <p:cNvPr id="2" name="Titel 1">
+            <a:extLst>
+              <a:ext uri="{FF2B5EF4-FFF2-40B4-BE49-F238E27FC236}">
+                <a16:creationId xmlns:a16="http://schemas.microsoft.com/office/drawing/2014/main" id="{A00EF82E-3B39-4AFB-9B4F-460D6D73C88C}"/>
+              </a:ext>
+            </a:extLst>
+          </p:cNvPr>
+          <p:cNvSpPr>
+            <a:spLocks noGrp="1"/>
+          </p:cNvSpPr>
+          <p:nvPr>
+            <p:ph type="title"/>
+          </p:nvPr>
+        </p:nvSpPr>
+        <p:spPr/>
+        <p:txBody>
+          <a:bodyPr/>
+          <a:lstStyle/>
+          <a:p>
+            <a:r>
+              <a:rPr lang="de-CH" dirty="0"/>
+              <a:t>Funktionalität</a:t>
+            </a:r>
+          </a:p>
+        </p:txBody>
+      </p:sp>
+      <p:pic>
+        <p:nvPicPr>
+          <p:cNvPr id="5" name="Grafik 4">
+            <a:extLst>
+              <a:ext uri="{FF2B5EF4-FFF2-40B4-BE49-F238E27FC236}">
+                <a16:creationId xmlns:a16="http://schemas.microsoft.com/office/drawing/2014/main" id="{C38C7435-8650-4897-AC45-5938D2B983F8}"/>
+              </a:ext>
+            </a:extLst>
+          </p:cNvPr>
+          <p:cNvPicPr>
+            <a:picLocks noChangeAspect="1"/>
+          </p:cNvPicPr>
+          <p:nvPr/>
+        </p:nvPicPr>
+        <p:blipFill>
+          <a:blip r:embed="rId3"/>
+          <a:stretch>
+            <a:fillRect/>
+          </a:stretch>
+        </p:blipFill>
+        <p:spPr>
+          <a:xfrm>
+            <a:off x="118508" y="2263318"/>
+            <a:ext cx="11887200" cy="3363120"/>
+          </a:xfrm>
+          <a:prstGeom prst="rect">
+            <a:avLst/>
+          </a:prstGeom>
+        </p:spPr>
+      </p:pic>
+      <p:sp>
+        <p:nvSpPr>
+          <p:cNvPr id="3" name="Foliennummernplatzhalter 2">
+            <a:extLst>
+              <a:ext uri="{FF2B5EF4-FFF2-40B4-BE49-F238E27FC236}">
+                <a16:creationId xmlns:a16="http://schemas.microsoft.com/office/drawing/2014/main" id="{628ADE2E-1F74-4DB7-9FDE-B961900FC060}"/>
+              </a:ext>
+            </a:extLst>
+          </p:cNvPr>
+          <p:cNvSpPr>
+            <a:spLocks noGrp="1"/>
+          </p:cNvSpPr>
+          <p:nvPr>
+            <p:ph type="sldNum" sz="quarter" idx="12"/>
+          </p:nvPr>
+        </p:nvSpPr>
+        <p:spPr/>
+        <p:txBody>
+          <a:bodyPr/>
+          <a:lstStyle/>
+          <a:p>
+            <a:fld id="{7AC51F72-762B-4631-A527-211F5F845826}" type="slidenum">
+              <a:rPr lang="de-CH" smtClean="0"/>
+              <a:t>3</a:t>
+            </a:fld>
+            <a:endParaRPr lang="de-CH"/>
+          </a:p>
+        </p:txBody>
+      </p:sp>
+    </p:spTree>
+    <p:extLst>
+      <p:ext uri="{BB962C8B-B14F-4D97-AF65-F5344CB8AC3E}">
+        <p14:creationId xmlns:p14="http://schemas.microsoft.com/office/powerpoint/2010/main" val="3332483408"/>
+      </p:ext>
+    </p:extLst>
+  </p:cSld>
+  <p:clrMapOvr>
+    <a:masterClrMapping/>
+  </p:clrMapOvr>
+</p:sld>
+</file>
+
+<file path=ppt/slides/slide30.xml><?xml version="1.0" encoding="utf-8"?>
+<p:sld xmlns:a="http://schemas.openxmlformats.org/drawingml/2006/main" xmlns:r="http://schemas.openxmlformats.org/officeDocument/2006/relationships" xmlns:p="http://schemas.openxmlformats.org/presentationml/2006/main">
+  <p:cSld>
+    <p:spTree>
+      <p:nvGrpSpPr>
+        <p:cNvPr id="1" name=""/>
+        <p:cNvGrpSpPr/>
+        <p:nvPr/>
+      </p:nvGrpSpPr>
+      <p:grpSpPr>
+        <a:xfrm>
+          <a:off x="0" y="0"/>
+          <a:ext cx="0" cy="0"/>
+          <a:chOff x="0" y="0"/>
+          <a:chExt cx="0" cy="0"/>
+        </a:xfrm>
+      </p:grpSpPr>
+      <p:sp>
+        <p:nvSpPr>
+          <p:cNvPr id="2" name="Titel 1">
+            <a:extLst>
+              <a:ext uri="{FF2B5EF4-FFF2-40B4-BE49-F238E27FC236}">
+                <a16:creationId xmlns:a16="http://schemas.microsoft.com/office/drawing/2014/main" id="{A74056B7-4760-4730-8B8C-A28E0BD656A6}"/>
+              </a:ext>
+            </a:extLst>
+          </p:cNvPr>
+          <p:cNvSpPr>
+            <a:spLocks noGrp="1"/>
+          </p:cNvSpPr>
+          <p:nvPr>
+            <p:ph type="title"/>
+          </p:nvPr>
+        </p:nvSpPr>
+        <p:spPr/>
+        <p:txBody>
+          <a:bodyPr/>
+          <a:lstStyle/>
+          <a:p>
+            <a:r>
+              <a:rPr lang="de-CH" dirty="0" err="1"/>
+              <a:t>FreeRTOS</a:t>
+            </a:r>
+            <a:r>
+              <a:rPr lang="de-CH" dirty="0"/>
+              <a:t> </a:t>
+            </a:r>
+          </a:p>
+        </p:txBody>
+      </p:sp>
+      <p:sp>
+        <p:nvSpPr>
+          <p:cNvPr id="3" name="Inhaltsplatzhalter 2">
+            <a:extLst>
+              <a:ext uri="{FF2B5EF4-FFF2-40B4-BE49-F238E27FC236}">
+                <a16:creationId xmlns:a16="http://schemas.microsoft.com/office/drawing/2014/main" id="{7A258225-3CFA-4C1B-9CE5-D1898300DB05}"/>
+              </a:ext>
+            </a:extLst>
+          </p:cNvPr>
+          <p:cNvSpPr>
+            <a:spLocks noGrp="1"/>
+          </p:cNvSpPr>
+          <p:nvPr>
+            <p:ph idx="1"/>
+          </p:nvPr>
+        </p:nvSpPr>
+        <p:spPr/>
+        <p:txBody>
+          <a:bodyPr/>
+          <a:lstStyle/>
+          <a:p>
+            <a:r>
+              <a:rPr lang="de-CH" dirty="0"/>
+              <a:t>Version verwendet: V9.0.0 (Es gäbe noch V9.0.1)</a:t>
+            </a:r>
+          </a:p>
+          <a:p>
+            <a:r>
+              <a:rPr lang="de-CH" dirty="0"/>
+              <a:t>Aktuellste Version: V10.0.1</a:t>
+            </a:r>
+          </a:p>
+          <a:p>
+            <a:pPr lvl="1"/>
+            <a:r>
+              <a:rPr lang="de-CH" dirty="0"/>
+              <a:t>Einführung von </a:t>
+            </a:r>
+            <a:r>
+              <a:rPr lang="de-CH" dirty="0" err="1"/>
+              <a:t>Streambuffers</a:t>
+            </a:r>
+            <a:r>
+              <a:rPr lang="de-CH" dirty="0"/>
+              <a:t> und </a:t>
+            </a:r>
+            <a:r>
+              <a:rPr lang="de-CH" dirty="0" err="1"/>
+              <a:t>Messagebuffers</a:t>
+            </a:r>
+            <a:r>
+              <a:rPr lang="de-CH" dirty="0"/>
+              <a:t>. Hier gibt es nur ein Reader und ein Sender</a:t>
+            </a:r>
+          </a:p>
+          <a:p>
+            <a:pPr lvl="1"/>
+            <a:endParaRPr lang="de-CH" dirty="0"/>
+          </a:p>
+          <a:p>
+            <a:pPr lvl="1"/>
+            <a:endParaRPr lang="de-CH" dirty="0"/>
+          </a:p>
+          <a:p>
+            <a:pPr marL="201168" lvl="1" indent="0">
+              <a:buNone/>
+            </a:pPr>
+            <a:r>
+              <a:rPr lang="de-CH" dirty="0"/>
+              <a:t>Problem:</a:t>
+            </a:r>
+          </a:p>
+          <a:p>
+            <a:pPr marL="201168" lvl="1" indent="0">
+              <a:buNone/>
+            </a:pPr>
+            <a:r>
+              <a:rPr lang="de-CH" dirty="0"/>
+              <a:t>HW Flow Control / SPI Handler / HW Buffer wird nicht genug schnell ausgelesen</a:t>
+            </a:r>
+          </a:p>
+        </p:txBody>
+      </p:sp>
+      <p:sp>
+        <p:nvSpPr>
+          <p:cNvPr id="4" name="Foliennummernplatzhalter 3">
+            <a:extLst>
+              <a:ext uri="{FF2B5EF4-FFF2-40B4-BE49-F238E27FC236}">
+                <a16:creationId xmlns:a16="http://schemas.microsoft.com/office/drawing/2014/main" id="{D65A9813-34A8-409E-8634-48D0B2B59702}"/>
+              </a:ext>
+            </a:extLst>
+          </p:cNvPr>
+          <p:cNvSpPr>
+            <a:spLocks noGrp="1"/>
+          </p:cNvSpPr>
+          <p:nvPr>
+            <p:ph type="sldNum" sz="quarter" idx="12"/>
+          </p:nvPr>
+        </p:nvSpPr>
+        <p:spPr/>
+        <p:txBody>
+          <a:bodyPr/>
+          <a:lstStyle/>
+          <a:p>
+            <a:fld id="{7AC51F72-762B-4631-A527-211F5F845826}" type="slidenum">
+              <a:rPr lang="de-CH" smtClean="0"/>
+              <a:t>30</a:t>
+            </a:fld>
+            <a:endParaRPr lang="de-CH"/>
+          </a:p>
+        </p:txBody>
+      </p:sp>
+    </p:spTree>
+    <p:extLst>
+      <p:ext uri="{BB962C8B-B14F-4D97-AF65-F5344CB8AC3E}">
+        <p14:creationId xmlns:p14="http://schemas.microsoft.com/office/powerpoint/2010/main" val="960869050"/>
+      </p:ext>
+    </p:extLst>
+  </p:cSld>
+  <p:clrMapOvr>
+    <a:masterClrMapping/>
+  </p:clrMapOvr>
+</p:sld>
+</file>
+
 <file path=ppt/slides/slide31.xml><?xml version="1.0" encoding="utf-8"?>
 <p:sld xmlns:a="http://schemas.openxmlformats.org/drawingml/2006/main" xmlns:r="http://schemas.openxmlformats.org/officeDocument/2006/relationships" xmlns:p="http://schemas.openxmlformats.org/presentationml/2006/main">
   <p:cSld>
@@ -22805,125 +23352,10 @@
       </p:grpSpPr>
       <p:sp>
         <p:nvSpPr>
-          <p:cNvPr id="2" name="Titel 1">
+          <p:cNvPr id="2" name="Foliennummernplatzhalter 1">
             <a:extLst>
               <a:ext uri="{FF2B5EF4-FFF2-40B4-BE49-F238E27FC236}">
-                <a16:creationId xmlns:a16="http://schemas.microsoft.com/office/drawing/2014/main" id="{A74056B7-4760-4730-8B8C-A28E0BD656A6}"/>
-              </a:ext>
-            </a:extLst>
-          </p:cNvPr>
-          <p:cNvSpPr>
-            <a:spLocks noGrp="1"/>
-          </p:cNvSpPr>
-          <p:nvPr>
-            <p:ph type="title"/>
-          </p:nvPr>
-        </p:nvSpPr>
-        <p:spPr/>
-        <p:txBody>
-          <a:bodyPr/>
-          <a:lstStyle/>
-          <a:p>
-            <a:r>
-              <a:rPr lang="de-CH" dirty="0" err="1"/>
-              <a:t>FreeRTOS</a:t>
-            </a:r>
-            <a:r>
-              <a:rPr lang="de-CH" dirty="0"/>
-              <a:t> </a:t>
-            </a:r>
-          </a:p>
-        </p:txBody>
-      </p:sp>
-      <p:sp>
-        <p:nvSpPr>
-          <p:cNvPr id="3" name="Inhaltsplatzhalter 2">
-            <a:extLst>
-              <a:ext uri="{FF2B5EF4-FFF2-40B4-BE49-F238E27FC236}">
-                <a16:creationId xmlns:a16="http://schemas.microsoft.com/office/drawing/2014/main" id="{7A258225-3CFA-4C1B-9CE5-D1898300DB05}"/>
-              </a:ext>
-            </a:extLst>
-          </p:cNvPr>
-          <p:cNvSpPr>
-            <a:spLocks noGrp="1"/>
-          </p:cNvSpPr>
-          <p:nvPr>
-            <p:ph idx="1"/>
-          </p:nvPr>
-        </p:nvSpPr>
-        <p:spPr/>
-        <p:txBody>
-          <a:bodyPr/>
-          <a:lstStyle/>
-          <a:p>
-            <a:r>
-              <a:rPr lang="de-CH" dirty="0"/>
-              <a:t>Version verwendet: V9.0.0 (Es gäbe noch V9.0.1)</a:t>
-            </a:r>
-          </a:p>
-          <a:p>
-            <a:r>
-              <a:rPr lang="de-CH" dirty="0"/>
-              <a:t>Aktuellste Version: V10.0.1</a:t>
-            </a:r>
-          </a:p>
-          <a:p>
-            <a:pPr lvl="1"/>
-            <a:r>
-              <a:rPr lang="de-CH" dirty="0"/>
-              <a:t>Einführung von </a:t>
-            </a:r>
-            <a:r>
-              <a:rPr lang="de-CH" dirty="0" err="1"/>
-              <a:t>Streambuffers</a:t>
-            </a:r>
-            <a:r>
-              <a:rPr lang="de-CH" dirty="0"/>
-              <a:t> und </a:t>
-            </a:r>
-            <a:r>
-              <a:rPr lang="de-CH" dirty="0" err="1"/>
-              <a:t>Messagebuffers</a:t>
-            </a:r>
-            <a:r>
-              <a:rPr lang="de-CH" dirty="0"/>
-              <a:t>. Hier gibt es nur ein Reader und ein Sender</a:t>
-            </a:r>
-          </a:p>
-          <a:p>
-            <a:pPr lvl="1"/>
-            <a:endParaRPr lang="de-CH" dirty="0"/>
-          </a:p>
-          <a:p>
-            <a:pPr lvl="1"/>
-            <a:endParaRPr lang="de-CH" dirty="0"/>
-          </a:p>
-          <a:p>
-            <a:pPr marL="201168" lvl="1" indent="0">
-              <a:buNone/>
-            </a:pPr>
-            <a:r>
-              <a:rPr lang="de-CH" dirty="0"/>
-              <a:t>Problem:</a:t>
-            </a:r>
-          </a:p>
-          <a:p>
-            <a:pPr marL="201168" lvl="1" indent="0">
-              <a:buNone/>
-            </a:pPr>
-            <a:r>
-              <a:rPr lang="de-CH" dirty="0"/>
-              <a:t>HW Flow Control / SPI Handler / HW Buffer wird nicht genug schnell ausgelesen</a:t>
-            </a:r>
-          </a:p>
-        </p:txBody>
-      </p:sp>
-      <p:sp>
-        <p:nvSpPr>
-          <p:cNvPr id="4" name="Foliennummernplatzhalter 3">
-            <a:extLst>
-              <a:ext uri="{FF2B5EF4-FFF2-40B4-BE49-F238E27FC236}">
-                <a16:creationId xmlns:a16="http://schemas.microsoft.com/office/drawing/2014/main" id="{D65A9813-34A8-409E-8634-48D0B2B59702}"/>
+                <a16:creationId xmlns:a16="http://schemas.microsoft.com/office/drawing/2014/main" id="{CAA5C4BF-BE69-4F0D-955E-29C39EAD5319}"/>
               </a:ext>
             </a:extLst>
           </p:cNvPr>
@@ -22947,10 +23379,70 @@
           </a:p>
         </p:txBody>
       </p:sp>
+      <p:pic>
+        <p:nvPicPr>
+          <p:cNvPr id="3" name="Grafik 2">
+            <a:extLst>
+              <a:ext uri="{FF2B5EF4-FFF2-40B4-BE49-F238E27FC236}">
+                <a16:creationId xmlns:a16="http://schemas.microsoft.com/office/drawing/2014/main" id="{5F02902A-1307-45DC-8134-31D32FB720C0}"/>
+              </a:ext>
+            </a:extLst>
+          </p:cNvPr>
+          <p:cNvPicPr>
+            <a:picLocks noChangeAspect="1"/>
+          </p:cNvPicPr>
+          <p:nvPr/>
+        </p:nvPicPr>
+        <p:blipFill>
+          <a:blip r:embed="rId3"/>
+          <a:stretch>
+            <a:fillRect/>
+          </a:stretch>
+        </p:blipFill>
+        <p:spPr>
+          <a:xfrm>
+            <a:off x="111637" y="101600"/>
+            <a:ext cx="6641666" cy="6129867"/>
+          </a:xfrm>
+          <a:prstGeom prst="rect">
+            <a:avLst/>
+          </a:prstGeom>
+        </p:spPr>
+      </p:pic>
+      <p:pic>
+        <p:nvPicPr>
+          <p:cNvPr id="4" name="Grafik 3">
+            <a:extLst>
+              <a:ext uri="{FF2B5EF4-FFF2-40B4-BE49-F238E27FC236}">
+                <a16:creationId xmlns:a16="http://schemas.microsoft.com/office/drawing/2014/main" id="{8C506E2F-2216-4519-B02E-0B92FB6659DF}"/>
+              </a:ext>
+            </a:extLst>
+          </p:cNvPr>
+          <p:cNvPicPr>
+            <a:picLocks noChangeAspect="1"/>
+          </p:cNvPicPr>
+          <p:nvPr/>
+        </p:nvPicPr>
+        <p:blipFill>
+          <a:blip r:embed="rId4"/>
+          <a:stretch>
+            <a:fillRect/>
+          </a:stretch>
+        </p:blipFill>
+        <p:spPr>
+          <a:xfrm>
+            <a:off x="6911048" y="868162"/>
+            <a:ext cx="5213218" cy="4573083"/>
+          </a:xfrm>
+          <a:prstGeom prst="rect">
+            <a:avLst/>
+          </a:prstGeom>
+        </p:spPr>
+      </p:pic>
     </p:spTree>
     <p:extLst>
       <p:ext uri="{BB962C8B-B14F-4D97-AF65-F5344CB8AC3E}">
-        <p14:creationId xmlns:p14="http://schemas.microsoft.com/office/powerpoint/2010/main" val="960869050"/>
+        <p14:creationId xmlns:p14="http://schemas.microsoft.com/office/powerpoint/2010/main" val="739450324"/>
       </p:ext>
     </p:extLst>
   </p:cSld>
@@ -24070,7 +24562,7 @@
           <p:nvPr/>
         </p:nvPicPr>
         <p:blipFill>
-          <a:blip r:embed="rId2"/>
+          <a:blip r:embed="rId3"/>
           <a:stretch>
             <a:fillRect/>
           </a:stretch>
